--- a/2020.12.07 유일한 임상저널리뷰.pptx
+++ b/2020.12.07 유일한 임상저널리뷰.pptx
@@ -5,35 +5,39 @@
     <p:sldMasterId id="2147483660" r:id="rId1"/>
   </p:sldMasterIdLst>
   <p:notesMasterIdLst>
-    <p:notesMasterId r:id="rId25"/>
+    <p:notesMasterId r:id="rId29"/>
   </p:notesMasterIdLst>
   <p:handoutMasterIdLst>
-    <p:handoutMasterId r:id="rId26"/>
+    <p:handoutMasterId r:id="rId30"/>
   </p:handoutMasterIdLst>
   <p:sldIdLst>
     <p:sldId id="256" r:id="rId2"/>
     <p:sldId id="259" r:id="rId3"/>
-    <p:sldId id="334" r:id="rId4"/>
-    <p:sldId id="353" r:id="rId5"/>
-    <p:sldId id="352" r:id="rId6"/>
-    <p:sldId id="335" r:id="rId7"/>
-    <p:sldId id="336" r:id="rId8"/>
-    <p:sldId id="337" r:id="rId9"/>
-    <p:sldId id="338" r:id="rId10"/>
-    <p:sldId id="339" r:id="rId11"/>
-    <p:sldId id="340" r:id="rId12"/>
-    <p:sldId id="341" r:id="rId13"/>
-    <p:sldId id="342" r:id="rId14"/>
-    <p:sldId id="343" r:id="rId15"/>
-    <p:sldId id="344" r:id="rId16"/>
-    <p:sldId id="345" r:id="rId17"/>
-    <p:sldId id="346" r:id="rId18"/>
-    <p:sldId id="347" r:id="rId19"/>
-    <p:sldId id="348" r:id="rId20"/>
-    <p:sldId id="349" r:id="rId21"/>
-    <p:sldId id="350" r:id="rId22"/>
-    <p:sldId id="351" r:id="rId23"/>
-    <p:sldId id="306" r:id="rId24"/>
+    <p:sldId id="343" r:id="rId4"/>
+    <p:sldId id="354" r:id="rId5"/>
+    <p:sldId id="355" r:id="rId6"/>
+    <p:sldId id="356" r:id="rId7"/>
+    <p:sldId id="357" r:id="rId8"/>
+    <p:sldId id="344" r:id="rId9"/>
+    <p:sldId id="345" r:id="rId10"/>
+    <p:sldId id="346" r:id="rId11"/>
+    <p:sldId id="347" r:id="rId12"/>
+    <p:sldId id="348" r:id="rId13"/>
+    <p:sldId id="349" r:id="rId14"/>
+    <p:sldId id="350" r:id="rId15"/>
+    <p:sldId id="351" r:id="rId16"/>
+    <p:sldId id="334" r:id="rId17"/>
+    <p:sldId id="353" r:id="rId18"/>
+    <p:sldId id="352" r:id="rId19"/>
+    <p:sldId id="335" r:id="rId20"/>
+    <p:sldId id="336" r:id="rId21"/>
+    <p:sldId id="337" r:id="rId22"/>
+    <p:sldId id="338" r:id="rId23"/>
+    <p:sldId id="339" r:id="rId24"/>
+    <p:sldId id="340" r:id="rId25"/>
+    <p:sldId id="341" r:id="rId26"/>
+    <p:sldId id="342" r:id="rId27"/>
+    <p:sldId id="306" r:id="rId28"/>
   </p:sldIdLst>
   <p:sldSz cx="12192000" cy="6858000"/>
   <p:notesSz cx="9928225" cy="6797675"/>
@@ -795,7 +799,246 @@
           <a:bodyPr/>
           <a:lstStyle/>
           <a:p>
-            <a:endParaRPr lang="ko-KR" altLang="en-US"/>
+            <a:r>
+              <a:rPr lang="en-US" altLang="ko-KR" smtClean="0"/>
+              <a:t>fingolimod</a:t>
+            </a:r>
+            <a:r>
+              <a:rPr lang="ko-KR" altLang="en-US" smtClean="0"/>
+              <a:t>는 </a:t>
+            </a:r>
+            <a:r>
+              <a:rPr lang="en-US" altLang="ko-KR" smtClean="0"/>
+              <a:t>sphingosine</a:t>
+            </a:r>
+            <a:r>
+              <a:rPr lang="en-US" altLang="ko-KR" baseline="0" smtClean="0"/>
+              <a:t> 1 phosphate receptor S1PR1</a:t>
+            </a:r>
+            <a:r>
+              <a:rPr lang="ko-KR" altLang="en-US" baseline="0" smtClean="0"/>
+              <a:t>부터 </a:t>
+            </a:r>
+            <a:r>
+              <a:rPr lang="en-US" altLang="ko-KR" baseline="0" smtClean="0"/>
+              <a:t>5</a:t>
+            </a:r>
+            <a:r>
+              <a:rPr lang="ko-KR" altLang="en-US" baseline="0" smtClean="0"/>
+              <a:t>까지 중 </a:t>
+            </a:r>
+            <a:r>
+              <a:rPr lang="en-US" altLang="ko-KR" baseline="0" smtClean="0"/>
+              <a:t>4</a:t>
+            </a:r>
+            <a:r>
+              <a:rPr lang="ko-KR" altLang="en-US" baseline="0" smtClean="0"/>
+              <a:t>개에 </a:t>
+            </a:r>
+            <a:r>
+              <a:rPr lang="en-US" altLang="ko-KR" baseline="0" smtClean="0"/>
+              <a:t>binding</a:t>
+            </a:r>
+            <a:r>
+              <a:rPr lang="ko-KR" altLang="en-US" baseline="0" smtClean="0"/>
+              <a:t>하는데 그 중에서 </a:t>
+            </a:r>
+            <a:r>
+              <a:rPr lang="en-US" altLang="ko-KR" baseline="0" smtClean="0"/>
+              <a:t>lymphocyte</a:t>
+            </a:r>
+            <a:r>
+              <a:rPr lang="ko-KR" altLang="en-US" baseline="0" smtClean="0"/>
+              <a:t>에서는 </a:t>
+            </a:r>
+            <a:r>
+              <a:rPr lang="en-US" altLang="ko-KR" baseline="0" smtClean="0"/>
+              <a:t>S1PR1</a:t>
+            </a:r>
+            <a:r>
+              <a:rPr lang="ko-KR" altLang="en-US" baseline="0" smtClean="0"/>
+              <a:t>에 </a:t>
+            </a:r>
+            <a:r>
+              <a:rPr lang="en-US" altLang="ko-KR" baseline="0" smtClean="0"/>
+              <a:t>binding</a:t>
+            </a:r>
+            <a:r>
+              <a:rPr lang="ko-KR" altLang="en-US" baseline="0" smtClean="0"/>
+              <a:t>하여 </a:t>
+            </a:r>
+            <a:r>
+              <a:rPr lang="en-US" altLang="ko-KR" baseline="0" smtClean="0"/>
+              <a:t>lymph node</a:t>
+            </a:r>
+            <a:r>
+              <a:rPr lang="ko-KR" altLang="en-US" baseline="0" smtClean="0"/>
+              <a:t>에서 </a:t>
+            </a:r>
+            <a:r>
+              <a:rPr lang="en-US" altLang="ko-KR" baseline="0" smtClean="0"/>
+              <a:t>blood</a:t>
+            </a:r>
+            <a:r>
+              <a:rPr lang="ko-KR" altLang="en-US" baseline="0" smtClean="0"/>
+              <a:t>로 나가는 것을 막습니다</a:t>
+            </a:r>
+            <a:r>
+              <a:rPr lang="en-US" altLang="ko-KR" baseline="0" smtClean="0"/>
+              <a:t>. </a:t>
+            </a:r>
+            <a:r>
+              <a:rPr lang="ko-KR" altLang="en-US" baseline="0" smtClean="0"/>
+              <a:t>동시에 </a:t>
+            </a:r>
+            <a:r>
+              <a:rPr lang="en-US" altLang="ko-KR" baseline="0" smtClean="0"/>
+              <a:t>S1PR3</a:t>
+            </a:r>
+            <a:r>
+              <a:rPr lang="ko-KR" altLang="en-US" baseline="0" smtClean="0"/>
+              <a:t>에 </a:t>
+            </a:r>
+            <a:r>
+              <a:rPr lang="en-US" altLang="ko-KR" baseline="0" smtClean="0"/>
+              <a:t>binding</a:t>
+            </a:r>
+            <a:r>
+              <a:rPr lang="ko-KR" altLang="en-US" baseline="0" smtClean="0"/>
+              <a:t>하여 </a:t>
+            </a:r>
+            <a:r>
+              <a:rPr lang="en-US" altLang="ko-KR" baseline="0" smtClean="0"/>
+              <a:t>lymphocyte</a:t>
+            </a:r>
+            <a:r>
+              <a:rPr lang="ko-KR" altLang="en-US" baseline="0" smtClean="0"/>
+              <a:t>나 </a:t>
+            </a:r>
+            <a:r>
+              <a:rPr lang="en-US" altLang="ko-KR" baseline="0" smtClean="0"/>
+              <a:t>CNS cell</a:t>
+            </a:r>
+            <a:r>
+              <a:rPr lang="ko-KR" altLang="en-US" baseline="0" smtClean="0"/>
+              <a:t>에 작용하지만 동시에 </a:t>
+            </a:r>
+            <a:r>
+              <a:rPr lang="en-US" altLang="ko-KR" baseline="0" smtClean="0"/>
+              <a:t>artrioventricular block</a:t>
+            </a:r>
+            <a:r>
+              <a:rPr lang="ko-KR" altLang="en-US" baseline="0" smtClean="0"/>
+              <a:t>을 발생시키기도 합니다</a:t>
+            </a:r>
+            <a:r>
+              <a:rPr lang="en-US" altLang="ko-KR" baseline="0" smtClean="0"/>
+              <a:t>. </a:t>
+            </a:r>
+            <a:r>
+              <a:rPr lang="ko-KR" altLang="en-US" baseline="0" smtClean="0"/>
+              <a:t>이러한 점 때문에 </a:t>
+            </a:r>
+            <a:r>
+              <a:rPr lang="en-US" altLang="ko-KR" baseline="0" smtClean="0"/>
+              <a:t>S1PR1</a:t>
+            </a:r>
+            <a:r>
+              <a:rPr lang="ko-KR" altLang="en-US" baseline="0" smtClean="0"/>
+              <a:t>과 </a:t>
+            </a:r>
+            <a:r>
+              <a:rPr lang="en-US" altLang="ko-KR" baseline="0" smtClean="0"/>
+              <a:t>S1PR5</a:t>
+            </a:r>
+            <a:r>
+              <a:rPr lang="ko-KR" altLang="en-US" baseline="0" smtClean="0"/>
+              <a:t>에 더 </a:t>
+            </a:r>
+            <a:r>
+              <a:rPr lang="en-US" altLang="ko-KR" baseline="0" smtClean="0"/>
+              <a:t>selective</a:t>
+            </a:r>
+            <a:r>
+              <a:rPr lang="ko-KR" altLang="en-US" baseline="0" smtClean="0"/>
+              <a:t>하게 작용하는 약이 필요하며 또한 </a:t>
+            </a:r>
+            <a:r>
+              <a:rPr lang="en-US" altLang="ko-KR" baseline="0" smtClean="0"/>
+              <a:t>half life</a:t>
+            </a:r>
+            <a:r>
+              <a:rPr lang="ko-KR" altLang="en-US" baseline="0" smtClean="0"/>
+              <a:t>가 짧아서 약을 중단했을 때 </a:t>
+            </a:r>
+            <a:r>
+              <a:rPr lang="en-US" altLang="ko-KR" baseline="0" smtClean="0"/>
+              <a:t>lymphocyte</a:t>
+            </a:r>
+            <a:r>
+              <a:rPr lang="ko-KR" altLang="en-US" baseline="0" smtClean="0"/>
+              <a:t>가 더 빨리 재구성되게 할 수 있는 약이 필요합니다</a:t>
+            </a:r>
+            <a:r>
+              <a:rPr lang="en-US" altLang="ko-KR" baseline="0" smtClean="0"/>
+              <a:t>. phase 2 trial</a:t>
+            </a:r>
+            <a:r>
+              <a:rPr lang="ko-KR" altLang="en-US" baseline="0" smtClean="0"/>
+              <a:t>에서 </a:t>
+            </a:r>
+            <a:r>
+              <a:rPr lang="en-US" altLang="ko-KR" baseline="0" smtClean="0"/>
+              <a:t>5</a:t>
+            </a:r>
+            <a:r>
+              <a:rPr lang="ko-KR" altLang="en-US" baseline="0" smtClean="0"/>
+              <a:t>개의</a:t>
+            </a:r>
+            <a:r>
+              <a:rPr lang="en-US" altLang="ko-KR" baseline="0" smtClean="0"/>
+              <a:t> doses</a:t>
+            </a:r>
+            <a:r>
+              <a:rPr lang="ko-KR" altLang="en-US" baseline="0" smtClean="0"/>
+              <a:t>를 가지고 시험했고 제일 높은 용량 </a:t>
+            </a:r>
+            <a:r>
+              <a:rPr lang="en-US" altLang="ko-KR" baseline="0" smtClean="0"/>
+              <a:t>3</a:t>
+            </a:r>
+            <a:r>
+              <a:rPr lang="ko-KR" altLang="en-US" baseline="0" smtClean="0"/>
+              <a:t>개가 </a:t>
+            </a:r>
+            <a:r>
+              <a:rPr lang="en-US" altLang="ko-KR" baseline="0" smtClean="0"/>
+              <a:t>MRI</a:t>
+            </a:r>
+            <a:r>
+              <a:rPr lang="ko-KR" altLang="en-US" baseline="0" smtClean="0"/>
+              <a:t>에서의 </a:t>
+            </a:r>
+            <a:r>
+              <a:rPr lang="en-US" altLang="ko-KR" baseline="0" smtClean="0"/>
+              <a:t>combined unique active lesion</a:t>
+            </a:r>
+            <a:r>
+              <a:rPr lang="ko-KR" altLang="en-US" baseline="0" smtClean="0"/>
+              <a:t>의 감소인 </a:t>
+            </a:r>
+            <a:r>
+              <a:rPr lang="en-US" altLang="ko-KR" baseline="0" smtClean="0"/>
+              <a:t>primary end point</a:t>
+            </a:r>
+            <a:r>
+              <a:rPr lang="ko-KR" altLang="en-US" baseline="0" smtClean="0"/>
+              <a:t>에 도달했습니다</a:t>
+            </a:r>
+            <a:r>
+              <a:rPr lang="en-US" altLang="ko-KR" baseline="0" smtClean="0"/>
+              <a:t>. </a:t>
+            </a:r>
           </a:p>
         </p:txBody>
       </p:sp>
@@ -816,7 +1059,427 @@
           <a:p>
             <a:fld id="{5300484B-27A3-436C-B9FA-AB9E74CF67CC}" type="slidenum">
               <a:rPr lang="ko-KR" altLang="en-US" smtClean="0"/>
-              <a:t>23</a:t>
+              <a:t>3</a:t>
+            </a:fld>
+            <a:endParaRPr lang="ko-KR" altLang="en-US"/>
+          </a:p>
+        </p:txBody>
+      </p:sp>
+    </p:spTree>
+    <p:extLst>
+      <p:ext uri="{BB962C8B-B14F-4D97-AF65-F5344CB8AC3E}">
+        <p14:creationId xmlns:p14="http://schemas.microsoft.com/office/powerpoint/2010/main" val="3970515437"/>
+      </p:ext>
+    </p:extLst>
+  </p:cSld>
+  <p:clrMapOvr>
+    <a:masterClrMapping/>
+  </p:clrMapOvr>
+</p:notes>
+</file>
+
+<file path=ppt/notesSlides/notesSlide3.xml><?xml version="1.0" encoding="utf-8"?>
+<p:notes xmlns:a="http://schemas.openxmlformats.org/drawingml/2006/main" xmlns:r="http://schemas.openxmlformats.org/officeDocument/2006/relationships" xmlns:p="http://schemas.openxmlformats.org/presentationml/2006/main">
+  <p:cSld>
+    <p:spTree>
+      <p:nvGrpSpPr>
+        <p:cNvPr id="1" name=""/>
+        <p:cNvGrpSpPr/>
+        <p:nvPr/>
+      </p:nvGrpSpPr>
+      <p:grpSpPr>
+        <a:xfrm>
+          <a:off x="0" y="0"/>
+          <a:ext cx="0" cy="0"/>
+          <a:chOff x="0" y="0"/>
+          <a:chExt cx="0" cy="0"/>
+        </a:xfrm>
+      </p:grpSpPr>
+      <p:sp>
+        <p:nvSpPr>
+          <p:cNvPr id="2" name="슬라이드 이미지 개체 틀 1"/>
+          <p:cNvSpPr>
+            <a:spLocks noGrp="1" noRot="1" noChangeAspect="1"/>
+          </p:cNvSpPr>
+          <p:nvPr>
+            <p:ph type="sldImg"/>
+          </p:nvPr>
+        </p:nvSpPr>
+        <p:spPr/>
+      </p:sp>
+      <p:sp>
+        <p:nvSpPr>
+          <p:cNvPr id="3" name="슬라이드 노트 개체 틀 2"/>
+          <p:cNvSpPr>
+            <a:spLocks noGrp="1"/>
+          </p:cNvSpPr>
+          <p:nvPr>
+            <p:ph type="body" idx="1"/>
+          </p:nvPr>
+        </p:nvSpPr>
+        <p:spPr/>
+        <p:txBody>
+          <a:bodyPr/>
+          <a:lstStyle/>
+          <a:p>
+            <a:endParaRPr lang="en-US" altLang="ko-KR" baseline="0" smtClean="0"/>
+          </a:p>
+        </p:txBody>
+      </p:sp>
+      <p:sp>
+        <p:nvSpPr>
+          <p:cNvPr id="4" name="슬라이드 번호 개체 틀 3"/>
+          <p:cNvSpPr>
+            <a:spLocks noGrp="1"/>
+          </p:cNvSpPr>
+          <p:nvPr>
+            <p:ph type="sldNum" sz="quarter" idx="10"/>
+          </p:nvPr>
+        </p:nvSpPr>
+        <p:spPr/>
+        <p:txBody>
+          <a:bodyPr/>
+          <a:lstStyle/>
+          <a:p>
+            <a:fld id="{5300484B-27A3-436C-B9FA-AB9E74CF67CC}" type="slidenum">
+              <a:rPr lang="ko-KR" altLang="en-US" smtClean="0"/>
+              <a:t>4</a:t>
+            </a:fld>
+            <a:endParaRPr lang="ko-KR" altLang="en-US"/>
+          </a:p>
+        </p:txBody>
+      </p:sp>
+    </p:spTree>
+    <p:extLst>
+      <p:ext uri="{BB962C8B-B14F-4D97-AF65-F5344CB8AC3E}">
+        <p14:creationId xmlns:p14="http://schemas.microsoft.com/office/powerpoint/2010/main" val="2140720491"/>
+      </p:ext>
+    </p:extLst>
+  </p:cSld>
+  <p:clrMapOvr>
+    <a:masterClrMapping/>
+  </p:clrMapOvr>
+</p:notes>
+</file>
+
+<file path=ppt/notesSlides/notesSlide4.xml><?xml version="1.0" encoding="utf-8"?>
+<p:notes xmlns:a="http://schemas.openxmlformats.org/drawingml/2006/main" xmlns:r="http://schemas.openxmlformats.org/officeDocument/2006/relationships" xmlns:p="http://schemas.openxmlformats.org/presentationml/2006/main">
+  <p:cSld>
+    <p:spTree>
+      <p:nvGrpSpPr>
+        <p:cNvPr id="1" name=""/>
+        <p:cNvGrpSpPr/>
+        <p:nvPr/>
+      </p:nvGrpSpPr>
+      <p:grpSpPr>
+        <a:xfrm>
+          <a:off x="0" y="0"/>
+          <a:ext cx="0" cy="0"/>
+          <a:chOff x="0" y="0"/>
+          <a:chExt cx="0" cy="0"/>
+        </a:xfrm>
+      </p:grpSpPr>
+      <p:sp>
+        <p:nvSpPr>
+          <p:cNvPr id="2" name="슬라이드 이미지 개체 틀 1"/>
+          <p:cNvSpPr>
+            <a:spLocks noGrp="1" noRot="1" noChangeAspect="1"/>
+          </p:cNvSpPr>
+          <p:nvPr>
+            <p:ph type="sldImg"/>
+          </p:nvPr>
+        </p:nvSpPr>
+        <p:spPr/>
+      </p:sp>
+      <p:sp>
+        <p:nvSpPr>
+          <p:cNvPr id="3" name="슬라이드 노트 개체 틀 2"/>
+          <p:cNvSpPr>
+            <a:spLocks noGrp="1"/>
+          </p:cNvSpPr>
+          <p:nvPr>
+            <p:ph type="body" idx="1"/>
+          </p:nvPr>
+        </p:nvSpPr>
+        <p:spPr/>
+        <p:txBody>
+          <a:bodyPr/>
+          <a:lstStyle/>
+          <a:p>
+            <a:endParaRPr lang="en-US" altLang="ko-KR" baseline="0" smtClean="0"/>
+          </a:p>
+        </p:txBody>
+      </p:sp>
+      <p:sp>
+        <p:nvSpPr>
+          <p:cNvPr id="4" name="슬라이드 번호 개체 틀 3"/>
+          <p:cNvSpPr>
+            <a:spLocks noGrp="1"/>
+          </p:cNvSpPr>
+          <p:nvPr>
+            <p:ph type="sldNum" sz="quarter" idx="10"/>
+          </p:nvPr>
+        </p:nvSpPr>
+        <p:spPr/>
+        <p:txBody>
+          <a:bodyPr/>
+          <a:lstStyle/>
+          <a:p>
+            <a:fld id="{5300484B-27A3-436C-B9FA-AB9E74CF67CC}" type="slidenum">
+              <a:rPr lang="ko-KR" altLang="en-US" smtClean="0"/>
+              <a:t>5</a:t>
+            </a:fld>
+            <a:endParaRPr lang="ko-KR" altLang="en-US"/>
+          </a:p>
+        </p:txBody>
+      </p:sp>
+    </p:spTree>
+    <p:extLst>
+      <p:ext uri="{BB962C8B-B14F-4D97-AF65-F5344CB8AC3E}">
+        <p14:creationId xmlns:p14="http://schemas.microsoft.com/office/powerpoint/2010/main" val="3573943456"/>
+      </p:ext>
+    </p:extLst>
+  </p:cSld>
+  <p:clrMapOvr>
+    <a:masterClrMapping/>
+  </p:clrMapOvr>
+</p:notes>
+</file>
+
+<file path=ppt/notesSlides/notesSlide5.xml><?xml version="1.0" encoding="utf-8"?>
+<p:notes xmlns:a="http://schemas.openxmlformats.org/drawingml/2006/main" xmlns:r="http://schemas.openxmlformats.org/officeDocument/2006/relationships" xmlns:p="http://schemas.openxmlformats.org/presentationml/2006/main">
+  <p:cSld>
+    <p:spTree>
+      <p:nvGrpSpPr>
+        <p:cNvPr id="1" name=""/>
+        <p:cNvGrpSpPr/>
+        <p:nvPr/>
+      </p:nvGrpSpPr>
+      <p:grpSpPr>
+        <a:xfrm>
+          <a:off x="0" y="0"/>
+          <a:ext cx="0" cy="0"/>
+          <a:chOff x="0" y="0"/>
+          <a:chExt cx="0" cy="0"/>
+        </a:xfrm>
+      </p:grpSpPr>
+      <p:sp>
+        <p:nvSpPr>
+          <p:cNvPr id="2" name="슬라이드 이미지 개체 틀 1"/>
+          <p:cNvSpPr>
+            <a:spLocks noGrp="1" noRot="1" noChangeAspect="1"/>
+          </p:cNvSpPr>
+          <p:nvPr>
+            <p:ph type="sldImg"/>
+          </p:nvPr>
+        </p:nvSpPr>
+        <p:spPr/>
+      </p:sp>
+      <p:sp>
+        <p:nvSpPr>
+          <p:cNvPr id="3" name="슬라이드 노트 개체 틀 2"/>
+          <p:cNvSpPr>
+            <a:spLocks noGrp="1"/>
+          </p:cNvSpPr>
+          <p:nvPr>
+            <p:ph type="body" idx="1"/>
+          </p:nvPr>
+        </p:nvSpPr>
+        <p:spPr/>
+        <p:txBody>
+          <a:bodyPr/>
+          <a:lstStyle/>
+          <a:p>
+            <a:endParaRPr lang="en-US" altLang="ko-KR" baseline="0" smtClean="0"/>
+          </a:p>
+        </p:txBody>
+      </p:sp>
+      <p:sp>
+        <p:nvSpPr>
+          <p:cNvPr id="4" name="슬라이드 번호 개체 틀 3"/>
+          <p:cNvSpPr>
+            <a:spLocks noGrp="1"/>
+          </p:cNvSpPr>
+          <p:nvPr>
+            <p:ph type="sldNum" sz="quarter" idx="10"/>
+          </p:nvPr>
+        </p:nvSpPr>
+        <p:spPr/>
+        <p:txBody>
+          <a:bodyPr/>
+          <a:lstStyle/>
+          <a:p>
+            <a:fld id="{5300484B-27A3-436C-B9FA-AB9E74CF67CC}" type="slidenum">
+              <a:rPr lang="ko-KR" altLang="en-US" smtClean="0"/>
+              <a:t>6</a:t>
+            </a:fld>
+            <a:endParaRPr lang="ko-KR" altLang="en-US"/>
+          </a:p>
+        </p:txBody>
+      </p:sp>
+    </p:spTree>
+    <p:extLst>
+      <p:ext uri="{BB962C8B-B14F-4D97-AF65-F5344CB8AC3E}">
+        <p14:creationId xmlns:p14="http://schemas.microsoft.com/office/powerpoint/2010/main" val="3022554884"/>
+      </p:ext>
+    </p:extLst>
+  </p:cSld>
+  <p:clrMapOvr>
+    <a:masterClrMapping/>
+  </p:clrMapOvr>
+</p:notes>
+</file>
+
+<file path=ppt/notesSlides/notesSlide6.xml><?xml version="1.0" encoding="utf-8"?>
+<p:notes xmlns:a="http://schemas.openxmlformats.org/drawingml/2006/main" xmlns:r="http://schemas.openxmlformats.org/officeDocument/2006/relationships" xmlns:p="http://schemas.openxmlformats.org/presentationml/2006/main">
+  <p:cSld>
+    <p:spTree>
+      <p:nvGrpSpPr>
+        <p:cNvPr id="1" name=""/>
+        <p:cNvGrpSpPr/>
+        <p:nvPr/>
+      </p:nvGrpSpPr>
+      <p:grpSpPr>
+        <a:xfrm>
+          <a:off x="0" y="0"/>
+          <a:ext cx="0" cy="0"/>
+          <a:chOff x="0" y="0"/>
+          <a:chExt cx="0" cy="0"/>
+        </a:xfrm>
+      </p:grpSpPr>
+      <p:sp>
+        <p:nvSpPr>
+          <p:cNvPr id="2" name="슬라이드 이미지 개체 틀 1"/>
+          <p:cNvSpPr>
+            <a:spLocks noGrp="1" noRot="1" noChangeAspect="1"/>
+          </p:cNvSpPr>
+          <p:nvPr>
+            <p:ph type="sldImg"/>
+          </p:nvPr>
+        </p:nvSpPr>
+        <p:spPr/>
+      </p:sp>
+      <p:sp>
+        <p:nvSpPr>
+          <p:cNvPr id="3" name="슬라이드 노트 개체 틀 2"/>
+          <p:cNvSpPr>
+            <a:spLocks noGrp="1"/>
+          </p:cNvSpPr>
+          <p:nvPr>
+            <p:ph type="body" idx="1"/>
+          </p:nvPr>
+        </p:nvSpPr>
+        <p:spPr/>
+        <p:txBody>
+          <a:bodyPr/>
+          <a:lstStyle/>
+          <a:p>
+            <a:endParaRPr lang="en-US" altLang="ko-KR" baseline="0" smtClean="0"/>
+          </a:p>
+        </p:txBody>
+      </p:sp>
+      <p:sp>
+        <p:nvSpPr>
+          <p:cNvPr id="4" name="슬라이드 번호 개체 틀 3"/>
+          <p:cNvSpPr>
+            <a:spLocks noGrp="1"/>
+          </p:cNvSpPr>
+          <p:nvPr>
+            <p:ph type="sldNum" sz="quarter" idx="10"/>
+          </p:nvPr>
+        </p:nvSpPr>
+        <p:spPr/>
+        <p:txBody>
+          <a:bodyPr/>
+          <a:lstStyle/>
+          <a:p>
+            <a:fld id="{5300484B-27A3-436C-B9FA-AB9E74CF67CC}" type="slidenum">
+              <a:rPr lang="ko-KR" altLang="en-US" smtClean="0"/>
+              <a:t>7</a:t>
+            </a:fld>
+            <a:endParaRPr lang="ko-KR" altLang="en-US"/>
+          </a:p>
+        </p:txBody>
+      </p:sp>
+    </p:spTree>
+    <p:extLst>
+      <p:ext uri="{BB962C8B-B14F-4D97-AF65-F5344CB8AC3E}">
+        <p14:creationId xmlns:p14="http://schemas.microsoft.com/office/powerpoint/2010/main" val="1785468132"/>
+      </p:ext>
+    </p:extLst>
+  </p:cSld>
+  <p:clrMapOvr>
+    <a:masterClrMapping/>
+  </p:clrMapOvr>
+</p:notes>
+</file>
+
+<file path=ppt/notesSlides/notesSlide7.xml><?xml version="1.0" encoding="utf-8"?>
+<p:notes xmlns:a="http://schemas.openxmlformats.org/drawingml/2006/main" xmlns:r="http://schemas.openxmlformats.org/officeDocument/2006/relationships" xmlns:p="http://schemas.openxmlformats.org/presentationml/2006/main">
+  <p:cSld>
+    <p:spTree>
+      <p:nvGrpSpPr>
+        <p:cNvPr id="1" name=""/>
+        <p:cNvGrpSpPr/>
+        <p:nvPr/>
+      </p:nvGrpSpPr>
+      <p:grpSpPr>
+        <a:xfrm>
+          <a:off x="0" y="0"/>
+          <a:ext cx="0" cy="0"/>
+          <a:chOff x="0" y="0"/>
+          <a:chExt cx="0" cy="0"/>
+        </a:xfrm>
+      </p:grpSpPr>
+      <p:sp>
+        <p:nvSpPr>
+          <p:cNvPr id="2" name="슬라이드 이미지 개체 틀 1"/>
+          <p:cNvSpPr>
+            <a:spLocks noGrp="1" noRot="1" noChangeAspect="1"/>
+          </p:cNvSpPr>
+          <p:nvPr>
+            <p:ph type="sldImg"/>
+          </p:nvPr>
+        </p:nvSpPr>
+        <p:spPr/>
+      </p:sp>
+      <p:sp>
+        <p:nvSpPr>
+          <p:cNvPr id="3" name="슬라이드 노트 개체 틀 2"/>
+          <p:cNvSpPr>
+            <a:spLocks noGrp="1"/>
+          </p:cNvSpPr>
+          <p:nvPr>
+            <p:ph type="body" idx="1"/>
+          </p:nvPr>
+        </p:nvSpPr>
+        <p:spPr/>
+        <p:txBody>
+          <a:bodyPr/>
+          <a:lstStyle/>
+          <a:p>
+            <a:endParaRPr lang="ko-KR" altLang="en-US"/>
+          </a:p>
+        </p:txBody>
+      </p:sp>
+      <p:sp>
+        <p:nvSpPr>
+          <p:cNvPr id="4" name="슬라이드 번호 개체 틀 3"/>
+          <p:cNvSpPr>
+            <a:spLocks noGrp="1"/>
+          </p:cNvSpPr>
+          <p:nvPr>
+            <p:ph type="sldNum" sz="quarter" idx="10"/>
+          </p:nvPr>
+        </p:nvSpPr>
+        <p:spPr/>
+        <p:txBody>
+          <a:bodyPr/>
+          <a:lstStyle/>
+          <a:p>
+            <a:fld id="{5300484B-27A3-436C-B9FA-AB9E74CF67CC}" type="slidenum">
+              <a:rPr lang="ko-KR" altLang="en-US" smtClean="0"/>
+              <a:t>27</a:t>
             </a:fld>
             <a:endParaRPr lang="ko-KR" altLang="en-US"/>
           </a:p>
@@ -3872,6 +4535,1270 @@
         </p:nvSpPr>
         <p:spPr/>
         <p:txBody>
+          <a:bodyPr>
+            <a:normAutofit fontScale="90000"/>
+          </a:bodyPr>
+          <a:lstStyle/>
+          <a:p>
+            <a:r>
+              <a:rPr lang="en-US" altLang="ko-KR" smtClean="0"/>
+              <a:t>Tyrosine kinase inhibitor</a:t>
+            </a:r>
+            <a:br>
+              <a:rPr lang="en-US" altLang="ko-KR" smtClean="0"/>
+            </a:br>
+            <a:r>
+              <a:rPr lang="en-US" altLang="ko-KR" smtClean="0"/>
+              <a:t>Evobrutinib</a:t>
+            </a:r>
+            <a:endParaRPr lang="ko-KR" altLang="en-US"/>
+          </a:p>
+        </p:txBody>
+      </p:sp>
+      <p:sp>
+        <p:nvSpPr>
+          <p:cNvPr id="3" name="내용 개체 틀 2"/>
+          <p:cNvSpPr>
+            <a:spLocks noGrp="1"/>
+          </p:cNvSpPr>
+          <p:nvPr>
+            <p:ph idx="1"/>
+          </p:nvPr>
+        </p:nvSpPr>
+        <p:spPr/>
+        <p:txBody>
+          <a:bodyPr/>
+          <a:lstStyle/>
+          <a:p>
+            <a:endParaRPr lang="ko-KR" altLang="en-US"/>
+          </a:p>
+        </p:txBody>
+      </p:sp>
+    </p:spTree>
+    <p:extLst>
+      <p:ext uri="{BB962C8B-B14F-4D97-AF65-F5344CB8AC3E}">
+        <p14:creationId xmlns:p14="http://schemas.microsoft.com/office/powerpoint/2010/main" val="4182344960"/>
+      </p:ext>
+    </p:extLst>
+  </p:cSld>
+  <p:clrMapOvr>
+    <a:masterClrMapping/>
+  </p:clrMapOvr>
+</p:sld>
+</file>
+
+<file path=ppt/slides/slide11.xml><?xml version="1.0" encoding="utf-8"?>
+<p:sld xmlns:a="http://schemas.openxmlformats.org/drawingml/2006/main" xmlns:r="http://schemas.openxmlformats.org/officeDocument/2006/relationships" xmlns:p="http://schemas.openxmlformats.org/presentationml/2006/main">
+  <p:cSld>
+    <p:spTree>
+      <p:nvGrpSpPr>
+        <p:cNvPr id="1" name=""/>
+        <p:cNvGrpSpPr/>
+        <p:nvPr/>
+      </p:nvGrpSpPr>
+      <p:grpSpPr>
+        <a:xfrm>
+          <a:off x="0" y="0"/>
+          <a:ext cx="0" cy="0"/>
+          <a:chOff x="0" y="0"/>
+          <a:chExt cx="0" cy="0"/>
+        </a:xfrm>
+      </p:grpSpPr>
+      <p:sp>
+        <p:nvSpPr>
+          <p:cNvPr id="2" name="제목 1"/>
+          <p:cNvSpPr>
+            <a:spLocks noGrp="1"/>
+          </p:cNvSpPr>
+          <p:nvPr>
+            <p:ph type="title"/>
+          </p:nvPr>
+        </p:nvSpPr>
+        <p:spPr/>
+        <p:txBody>
+          <a:bodyPr/>
+          <a:lstStyle/>
+          <a:p>
+            <a:r>
+              <a:rPr lang="en-US" altLang="ko-KR" smtClean="0"/>
+              <a:t>Laquinimod</a:t>
+            </a:r>
+            <a:endParaRPr lang="ko-KR" altLang="en-US"/>
+          </a:p>
+        </p:txBody>
+      </p:sp>
+      <p:sp>
+        <p:nvSpPr>
+          <p:cNvPr id="3" name="내용 개체 틀 2"/>
+          <p:cNvSpPr>
+            <a:spLocks noGrp="1"/>
+          </p:cNvSpPr>
+          <p:nvPr>
+            <p:ph idx="1"/>
+          </p:nvPr>
+        </p:nvSpPr>
+        <p:spPr/>
+        <p:txBody>
+          <a:bodyPr/>
+          <a:lstStyle/>
+          <a:p>
+            <a:endParaRPr lang="ko-KR" altLang="en-US"/>
+          </a:p>
+        </p:txBody>
+      </p:sp>
+    </p:spTree>
+    <p:extLst>
+      <p:ext uri="{BB962C8B-B14F-4D97-AF65-F5344CB8AC3E}">
+        <p14:creationId xmlns:p14="http://schemas.microsoft.com/office/powerpoint/2010/main" val="1276758553"/>
+      </p:ext>
+    </p:extLst>
+  </p:cSld>
+  <p:clrMapOvr>
+    <a:masterClrMapping/>
+  </p:clrMapOvr>
+</p:sld>
+</file>
+
+<file path=ppt/slides/slide12.xml><?xml version="1.0" encoding="utf-8"?>
+<p:sld xmlns:a="http://schemas.openxmlformats.org/drawingml/2006/main" xmlns:r="http://schemas.openxmlformats.org/officeDocument/2006/relationships" xmlns:p="http://schemas.openxmlformats.org/presentationml/2006/main">
+  <p:cSld>
+    <p:spTree>
+      <p:nvGrpSpPr>
+        <p:cNvPr id="1" name=""/>
+        <p:cNvGrpSpPr/>
+        <p:nvPr/>
+      </p:nvGrpSpPr>
+      <p:grpSpPr>
+        <a:xfrm>
+          <a:off x="0" y="0"/>
+          <a:ext cx="0" cy="0"/>
+          <a:chOff x="0" y="0"/>
+          <a:chExt cx="0" cy="0"/>
+        </a:xfrm>
+      </p:grpSpPr>
+      <p:sp>
+        <p:nvSpPr>
+          <p:cNvPr id="2" name="제목 1"/>
+          <p:cNvSpPr>
+            <a:spLocks noGrp="1"/>
+          </p:cNvSpPr>
+          <p:nvPr>
+            <p:ph type="title"/>
+          </p:nvPr>
+        </p:nvSpPr>
+        <p:spPr/>
+        <p:txBody>
+          <a:bodyPr/>
+          <a:lstStyle/>
+          <a:p>
+            <a:endParaRPr lang="ko-KR" altLang="en-US"/>
+          </a:p>
+        </p:txBody>
+      </p:sp>
+      <p:sp>
+        <p:nvSpPr>
+          <p:cNvPr id="3" name="내용 개체 틀 2"/>
+          <p:cNvSpPr>
+            <a:spLocks noGrp="1"/>
+          </p:cNvSpPr>
+          <p:nvPr>
+            <p:ph idx="1"/>
+          </p:nvPr>
+        </p:nvSpPr>
+        <p:spPr/>
+        <p:txBody>
+          <a:bodyPr/>
+          <a:lstStyle/>
+          <a:p>
+            <a:endParaRPr lang="ko-KR" altLang="en-US"/>
+          </a:p>
+        </p:txBody>
+      </p:sp>
+    </p:spTree>
+    <p:extLst>
+      <p:ext uri="{BB962C8B-B14F-4D97-AF65-F5344CB8AC3E}">
+        <p14:creationId xmlns:p14="http://schemas.microsoft.com/office/powerpoint/2010/main" val="2260917067"/>
+      </p:ext>
+    </p:extLst>
+  </p:cSld>
+  <p:clrMapOvr>
+    <a:masterClrMapping/>
+  </p:clrMapOvr>
+</p:sld>
+</file>
+
+<file path=ppt/slides/slide13.xml><?xml version="1.0" encoding="utf-8"?>
+<p:sld xmlns:a="http://schemas.openxmlformats.org/drawingml/2006/main" xmlns:r="http://schemas.openxmlformats.org/officeDocument/2006/relationships" xmlns:p="http://schemas.openxmlformats.org/presentationml/2006/main">
+  <p:cSld>
+    <p:spTree>
+      <p:nvGrpSpPr>
+        <p:cNvPr id="1" name=""/>
+        <p:cNvGrpSpPr/>
+        <p:nvPr/>
+      </p:nvGrpSpPr>
+      <p:grpSpPr>
+        <a:xfrm>
+          <a:off x="0" y="0"/>
+          <a:ext cx="0" cy="0"/>
+          <a:chOff x="0" y="0"/>
+          <a:chExt cx="0" cy="0"/>
+        </a:xfrm>
+      </p:grpSpPr>
+      <p:sp>
+        <p:nvSpPr>
+          <p:cNvPr id="2" name="제목 1"/>
+          <p:cNvSpPr>
+            <a:spLocks noGrp="1"/>
+          </p:cNvSpPr>
+          <p:nvPr>
+            <p:ph type="title"/>
+          </p:nvPr>
+        </p:nvSpPr>
+        <p:spPr/>
+        <p:txBody>
+          <a:bodyPr/>
+          <a:lstStyle/>
+          <a:p>
+            <a:endParaRPr lang="ko-KR" altLang="en-US"/>
+          </a:p>
+        </p:txBody>
+      </p:sp>
+      <p:sp>
+        <p:nvSpPr>
+          <p:cNvPr id="3" name="내용 개체 틀 2"/>
+          <p:cNvSpPr>
+            <a:spLocks noGrp="1"/>
+          </p:cNvSpPr>
+          <p:nvPr>
+            <p:ph idx="1"/>
+          </p:nvPr>
+        </p:nvSpPr>
+        <p:spPr/>
+        <p:txBody>
+          <a:bodyPr/>
+          <a:lstStyle/>
+          <a:p>
+            <a:endParaRPr lang="ko-KR" altLang="en-US"/>
+          </a:p>
+        </p:txBody>
+      </p:sp>
+    </p:spTree>
+    <p:extLst>
+      <p:ext uri="{BB962C8B-B14F-4D97-AF65-F5344CB8AC3E}">
+        <p14:creationId xmlns:p14="http://schemas.microsoft.com/office/powerpoint/2010/main" val="286599968"/>
+      </p:ext>
+    </p:extLst>
+  </p:cSld>
+  <p:clrMapOvr>
+    <a:masterClrMapping/>
+  </p:clrMapOvr>
+</p:sld>
+</file>
+
+<file path=ppt/slides/slide14.xml><?xml version="1.0" encoding="utf-8"?>
+<p:sld xmlns:a="http://schemas.openxmlformats.org/drawingml/2006/main" xmlns:r="http://schemas.openxmlformats.org/officeDocument/2006/relationships" xmlns:p="http://schemas.openxmlformats.org/presentationml/2006/main">
+  <p:cSld>
+    <p:spTree>
+      <p:nvGrpSpPr>
+        <p:cNvPr id="1" name=""/>
+        <p:cNvGrpSpPr/>
+        <p:nvPr/>
+      </p:nvGrpSpPr>
+      <p:grpSpPr>
+        <a:xfrm>
+          <a:off x="0" y="0"/>
+          <a:ext cx="0" cy="0"/>
+          <a:chOff x="0" y="0"/>
+          <a:chExt cx="0" cy="0"/>
+        </a:xfrm>
+      </p:grpSpPr>
+      <p:sp>
+        <p:nvSpPr>
+          <p:cNvPr id="2" name="제목 1"/>
+          <p:cNvSpPr>
+            <a:spLocks noGrp="1"/>
+          </p:cNvSpPr>
+          <p:nvPr>
+            <p:ph type="title"/>
+          </p:nvPr>
+        </p:nvSpPr>
+        <p:spPr/>
+        <p:txBody>
+          <a:bodyPr/>
+          <a:lstStyle/>
+          <a:p>
+            <a:endParaRPr lang="ko-KR" altLang="en-US"/>
+          </a:p>
+        </p:txBody>
+      </p:sp>
+      <p:sp>
+        <p:nvSpPr>
+          <p:cNvPr id="3" name="내용 개체 틀 2"/>
+          <p:cNvSpPr>
+            <a:spLocks noGrp="1"/>
+          </p:cNvSpPr>
+          <p:nvPr>
+            <p:ph idx="1"/>
+          </p:nvPr>
+        </p:nvSpPr>
+        <p:spPr/>
+        <p:txBody>
+          <a:bodyPr/>
+          <a:lstStyle/>
+          <a:p>
+            <a:endParaRPr lang="ko-KR" altLang="en-US"/>
+          </a:p>
+        </p:txBody>
+      </p:sp>
+    </p:spTree>
+    <p:extLst>
+      <p:ext uri="{BB962C8B-B14F-4D97-AF65-F5344CB8AC3E}">
+        <p14:creationId xmlns:p14="http://schemas.microsoft.com/office/powerpoint/2010/main" val="2830988331"/>
+      </p:ext>
+    </p:extLst>
+  </p:cSld>
+  <p:clrMapOvr>
+    <a:masterClrMapping/>
+  </p:clrMapOvr>
+</p:sld>
+</file>
+
+<file path=ppt/slides/slide15.xml><?xml version="1.0" encoding="utf-8"?>
+<p:sld xmlns:a="http://schemas.openxmlformats.org/drawingml/2006/main" xmlns:r="http://schemas.openxmlformats.org/officeDocument/2006/relationships" xmlns:p="http://schemas.openxmlformats.org/presentationml/2006/main">
+  <p:cSld>
+    <p:spTree>
+      <p:nvGrpSpPr>
+        <p:cNvPr id="1" name=""/>
+        <p:cNvGrpSpPr/>
+        <p:nvPr/>
+      </p:nvGrpSpPr>
+      <p:grpSpPr>
+        <a:xfrm>
+          <a:off x="0" y="0"/>
+          <a:ext cx="0" cy="0"/>
+          <a:chOff x="0" y="0"/>
+          <a:chExt cx="0" cy="0"/>
+        </a:xfrm>
+      </p:grpSpPr>
+      <p:sp>
+        <p:nvSpPr>
+          <p:cNvPr id="2" name="제목 1"/>
+          <p:cNvSpPr>
+            <a:spLocks noGrp="1"/>
+          </p:cNvSpPr>
+          <p:nvPr>
+            <p:ph type="title"/>
+          </p:nvPr>
+        </p:nvSpPr>
+        <p:spPr/>
+        <p:txBody>
+          <a:bodyPr/>
+          <a:lstStyle/>
+          <a:p>
+            <a:endParaRPr lang="ko-KR" altLang="en-US"/>
+          </a:p>
+        </p:txBody>
+      </p:sp>
+      <p:sp>
+        <p:nvSpPr>
+          <p:cNvPr id="3" name="내용 개체 틀 2"/>
+          <p:cNvSpPr>
+            <a:spLocks noGrp="1"/>
+          </p:cNvSpPr>
+          <p:nvPr>
+            <p:ph idx="1"/>
+          </p:nvPr>
+        </p:nvSpPr>
+        <p:spPr/>
+        <p:txBody>
+          <a:bodyPr/>
+          <a:lstStyle/>
+          <a:p>
+            <a:endParaRPr lang="ko-KR" altLang="en-US"/>
+          </a:p>
+        </p:txBody>
+      </p:sp>
+    </p:spTree>
+    <p:extLst>
+      <p:ext uri="{BB962C8B-B14F-4D97-AF65-F5344CB8AC3E}">
+        <p14:creationId xmlns:p14="http://schemas.microsoft.com/office/powerpoint/2010/main" val="884678168"/>
+      </p:ext>
+    </p:extLst>
+  </p:cSld>
+  <p:clrMapOvr>
+    <a:masterClrMapping/>
+  </p:clrMapOvr>
+</p:sld>
+</file>
+
+<file path=ppt/slides/slide16.xml><?xml version="1.0" encoding="utf-8"?>
+<p:sld xmlns:a="http://schemas.openxmlformats.org/drawingml/2006/main" xmlns:r="http://schemas.openxmlformats.org/officeDocument/2006/relationships" xmlns:p="http://schemas.openxmlformats.org/presentationml/2006/main">
+  <p:cSld>
+    <p:spTree>
+      <p:nvGrpSpPr>
+        <p:cNvPr id="1" name=""/>
+        <p:cNvGrpSpPr/>
+        <p:nvPr/>
+      </p:nvGrpSpPr>
+      <p:grpSpPr>
+        <a:xfrm>
+          <a:off x="0" y="0"/>
+          <a:ext cx="0" cy="0"/>
+          <a:chOff x="0" y="0"/>
+          <a:chExt cx="0" cy="0"/>
+        </a:xfrm>
+      </p:grpSpPr>
+      <p:sp>
+        <p:nvSpPr>
+          <p:cNvPr id="2" name="제목 1"/>
+          <p:cNvSpPr>
+            <a:spLocks noGrp="1"/>
+          </p:cNvSpPr>
+          <p:nvPr>
+            <p:ph type="title"/>
+          </p:nvPr>
+        </p:nvSpPr>
+        <p:spPr/>
+        <p:txBody>
+          <a:bodyPr/>
+          <a:lstStyle/>
+          <a:p>
+            <a:endParaRPr lang="ko-KR" altLang="en-US"/>
+          </a:p>
+        </p:txBody>
+      </p:sp>
+      <p:sp>
+        <p:nvSpPr>
+          <p:cNvPr id="3" name="내용 개체 틀 2"/>
+          <p:cNvSpPr>
+            <a:spLocks noGrp="1"/>
+          </p:cNvSpPr>
+          <p:nvPr>
+            <p:ph idx="1"/>
+          </p:nvPr>
+        </p:nvSpPr>
+        <p:spPr/>
+        <p:txBody>
+          <a:bodyPr/>
+          <a:lstStyle/>
+          <a:p>
+            <a:endParaRPr lang="ko-KR" altLang="en-US"/>
+          </a:p>
+        </p:txBody>
+      </p:sp>
+      <p:pic>
+        <p:nvPicPr>
+          <p:cNvPr id="4" name="그림 3"/>
+          <p:cNvPicPr>
+            <a:picLocks noChangeAspect="1"/>
+          </p:cNvPicPr>
+          <p:nvPr/>
+        </p:nvPicPr>
+        <p:blipFill>
+          <a:blip r:embed="rId2"/>
+          <a:stretch>
+            <a:fillRect/>
+          </a:stretch>
+        </p:blipFill>
+        <p:spPr>
+          <a:xfrm>
+            <a:off x="396240" y="119172"/>
+            <a:ext cx="10733873" cy="6738828"/>
+          </a:xfrm>
+          <a:prstGeom prst="rect">
+            <a:avLst/>
+          </a:prstGeom>
+        </p:spPr>
+      </p:pic>
+    </p:spTree>
+    <p:extLst>
+      <p:ext uri="{BB962C8B-B14F-4D97-AF65-F5344CB8AC3E}">
+        <p14:creationId xmlns:p14="http://schemas.microsoft.com/office/powerpoint/2010/main" val="2871856668"/>
+      </p:ext>
+    </p:extLst>
+  </p:cSld>
+  <p:clrMapOvr>
+    <a:masterClrMapping/>
+  </p:clrMapOvr>
+</p:sld>
+</file>
+
+<file path=ppt/slides/slide17.xml><?xml version="1.0" encoding="utf-8"?>
+<p:sld xmlns:a="http://schemas.openxmlformats.org/drawingml/2006/main" xmlns:r="http://schemas.openxmlformats.org/officeDocument/2006/relationships" xmlns:p="http://schemas.openxmlformats.org/presentationml/2006/main">
+  <p:cSld>
+    <p:spTree>
+      <p:nvGrpSpPr>
+        <p:cNvPr id="1" name=""/>
+        <p:cNvGrpSpPr/>
+        <p:nvPr/>
+      </p:nvGrpSpPr>
+      <p:grpSpPr>
+        <a:xfrm>
+          <a:off x="0" y="0"/>
+          <a:ext cx="0" cy="0"/>
+          <a:chOff x="0" y="0"/>
+          <a:chExt cx="0" cy="0"/>
+        </a:xfrm>
+      </p:grpSpPr>
+      <p:sp>
+        <p:nvSpPr>
+          <p:cNvPr id="2" name="제목 1"/>
+          <p:cNvSpPr>
+            <a:spLocks noGrp="1"/>
+          </p:cNvSpPr>
+          <p:nvPr>
+            <p:ph type="title"/>
+          </p:nvPr>
+        </p:nvSpPr>
+        <p:spPr/>
+        <p:txBody>
+          <a:bodyPr/>
+          <a:lstStyle/>
+          <a:p>
+            <a:endParaRPr lang="ko-KR" altLang="en-US"/>
+          </a:p>
+        </p:txBody>
+      </p:sp>
+      <p:sp>
+        <p:nvSpPr>
+          <p:cNvPr id="3" name="내용 개체 틀 2"/>
+          <p:cNvSpPr>
+            <a:spLocks noGrp="1"/>
+          </p:cNvSpPr>
+          <p:nvPr>
+            <p:ph idx="1"/>
+          </p:nvPr>
+        </p:nvSpPr>
+        <p:spPr/>
+        <p:txBody>
+          <a:bodyPr/>
+          <a:lstStyle/>
+          <a:p>
+            <a:endParaRPr lang="ko-KR" altLang="en-US"/>
+          </a:p>
+        </p:txBody>
+      </p:sp>
+      <p:pic>
+        <p:nvPicPr>
+          <p:cNvPr id="4" name="그림 3"/>
+          <p:cNvPicPr>
+            <a:picLocks noChangeAspect="1"/>
+          </p:cNvPicPr>
+          <p:nvPr/>
+        </p:nvPicPr>
+        <p:blipFill>
+          <a:blip r:embed="rId2"/>
+          <a:stretch>
+            <a:fillRect/>
+          </a:stretch>
+        </p:blipFill>
+        <p:spPr>
+          <a:xfrm>
+            <a:off x="647530" y="50939"/>
+            <a:ext cx="9288950" cy="6812703"/>
+          </a:xfrm>
+          <a:prstGeom prst="rect">
+            <a:avLst/>
+          </a:prstGeom>
+        </p:spPr>
+      </p:pic>
+    </p:spTree>
+    <p:extLst>
+      <p:ext uri="{BB962C8B-B14F-4D97-AF65-F5344CB8AC3E}">
+        <p14:creationId xmlns:p14="http://schemas.microsoft.com/office/powerpoint/2010/main" val="3286386400"/>
+      </p:ext>
+    </p:extLst>
+  </p:cSld>
+  <p:clrMapOvr>
+    <a:masterClrMapping/>
+  </p:clrMapOvr>
+</p:sld>
+</file>
+
+<file path=ppt/slides/slide18.xml><?xml version="1.0" encoding="utf-8"?>
+<p:sld xmlns:a="http://schemas.openxmlformats.org/drawingml/2006/main" xmlns:r="http://schemas.openxmlformats.org/officeDocument/2006/relationships" xmlns:p="http://schemas.openxmlformats.org/presentationml/2006/main">
+  <p:cSld>
+    <p:spTree>
+      <p:nvGrpSpPr>
+        <p:cNvPr id="1" name=""/>
+        <p:cNvGrpSpPr/>
+        <p:nvPr/>
+      </p:nvGrpSpPr>
+      <p:grpSpPr>
+        <a:xfrm>
+          <a:off x="0" y="0"/>
+          <a:ext cx="0" cy="0"/>
+          <a:chOff x="0" y="0"/>
+          <a:chExt cx="0" cy="0"/>
+        </a:xfrm>
+      </p:grpSpPr>
+      <p:sp>
+        <p:nvSpPr>
+          <p:cNvPr id="2" name="제목 1"/>
+          <p:cNvSpPr>
+            <a:spLocks noGrp="1"/>
+          </p:cNvSpPr>
+          <p:nvPr>
+            <p:ph type="title"/>
+          </p:nvPr>
+        </p:nvSpPr>
+        <p:spPr/>
+        <p:txBody>
+          <a:bodyPr/>
+          <a:lstStyle/>
+          <a:p>
+            <a:endParaRPr lang="ko-KR" altLang="en-US"/>
+          </a:p>
+        </p:txBody>
+      </p:sp>
+      <p:sp>
+        <p:nvSpPr>
+          <p:cNvPr id="3" name="내용 개체 틀 2"/>
+          <p:cNvSpPr>
+            <a:spLocks noGrp="1"/>
+          </p:cNvSpPr>
+          <p:nvPr>
+            <p:ph idx="1"/>
+          </p:nvPr>
+        </p:nvSpPr>
+        <p:spPr/>
+        <p:txBody>
+          <a:bodyPr/>
+          <a:lstStyle/>
+          <a:p>
+            <a:endParaRPr lang="ko-KR" altLang="en-US"/>
+          </a:p>
+        </p:txBody>
+      </p:sp>
+      <p:pic>
+        <p:nvPicPr>
+          <p:cNvPr id="4" name="그림 3"/>
+          <p:cNvPicPr>
+            <a:picLocks noChangeAspect="1"/>
+          </p:cNvPicPr>
+          <p:nvPr/>
+        </p:nvPicPr>
+        <p:blipFill>
+          <a:blip r:embed="rId2"/>
+          <a:stretch>
+            <a:fillRect/>
+          </a:stretch>
+        </p:blipFill>
+        <p:spPr>
+          <a:xfrm>
+            <a:off x="307634" y="97079"/>
+            <a:ext cx="11745957" cy="6760921"/>
+          </a:xfrm>
+          <a:prstGeom prst="rect">
+            <a:avLst/>
+          </a:prstGeom>
+        </p:spPr>
+      </p:pic>
+    </p:spTree>
+    <p:extLst>
+      <p:ext uri="{BB962C8B-B14F-4D97-AF65-F5344CB8AC3E}">
+        <p14:creationId xmlns:p14="http://schemas.microsoft.com/office/powerpoint/2010/main" val="3013402769"/>
+      </p:ext>
+    </p:extLst>
+  </p:cSld>
+  <p:clrMapOvr>
+    <a:masterClrMapping/>
+  </p:clrMapOvr>
+</p:sld>
+</file>
+
+<file path=ppt/slides/slide19.xml><?xml version="1.0" encoding="utf-8"?>
+<p:sld xmlns:a="http://schemas.openxmlformats.org/drawingml/2006/main" xmlns:r="http://schemas.openxmlformats.org/officeDocument/2006/relationships" xmlns:p="http://schemas.openxmlformats.org/presentationml/2006/main">
+  <p:cSld>
+    <p:spTree>
+      <p:nvGrpSpPr>
+        <p:cNvPr id="1" name=""/>
+        <p:cNvGrpSpPr/>
+        <p:nvPr/>
+      </p:nvGrpSpPr>
+      <p:grpSpPr>
+        <a:xfrm>
+          <a:off x="0" y="0"/>
+          <a:ext cx="0" cy="0"/>
+          <a:chOff x="0" y="0"/>
+          <a:chExt cx="0" cy="0"/>
+        </a:xfrm>
+      </p:grpSpPr>
+      <p:sp>
+        <p:nvSpPr>
+          <p:cNvPr id="2" name="제목 1"/>
+          <p:cNvSpPr>
+            <a:spLocks noGrp="1"/>
+          </p:cNvSpPr>
+          <p:nvPr>
+            <p:ph type="title"/>
+          </p:nvPr>
+        </p:nvSpPr>
+        <p:spPr/>
+        <p:txBody>
+          <a:bodyPr/>
+          <a:lstStyle/>
+          <a:p>
+            <a:endParaRPr lang="ko-KR" altLang="en-US"/>
+          </a:p>
+        </p:txBody>
+      </p:sp>
+      <p:sp>
+        <p:nvSpPr>
+          <p:cNvPr id="3" name="내용 개체 틀 2"/>
+          <p:cNvSpPr>
+            <a:spLocks noGrp="1"/>
+          </p:cNvSpPr>
+          <p:nvPr>
+            <p:ph idx="1"/>
+          </p:nvPr>
+        </p:nvSpPr>
+        <p:spPr/>
+        <p:txBody>
+          <a:bodyPr/>
+          <a:lstStyle/>
+          <a:p>
+            <a:endParaRPr lang="ko-KR" altLang="en-US"/>
+          </a:p>
+        </p:txBody>
+      </p:sp>
+      <p:pic>
+        <p:nvPicPr>
+          <p:cNvPr id="4" name="그림 3"/>
+          <p:cNvPicPr>
+            <a:picLocks noChangeAspect="1"/>
+          </p:cNvPicPr>
+          <p:nvPr/>
+        </p:nvPicPr>
+        <p:blipFill>
+          <a:blip r:embed="rId2"/>
+          <a:stretch>
+            <a:fillRect/>
+          </a:stretch>
+        </p:blipFill>
+        <p:spPr>
+          <a:xfrm>
+            <a:off x="246674" y="0"/>
+            <a:ext cx="11542284" cy="6858000"/>
+          </a:xfrm>
+          <a:prstGeom prst="rect">
+            <a:avLst/>
+          </a:prstGeom>
+        </p:spPr>
+      </p:pic>
+    </p:spTree>
+    <p:extLst>
+      <p:ext uri="{BB962C8B-B14F-4D97-AF65-F5344CB8AC3E}">
+        <p14:creationId xmlns:p14="http://schemas.microsoft.com/office/powerpoint/2010/main" val="3378374967"/>
+      </p:ext>
+    </p:extLst>
+  </p:cSld>
+  <p:clrMapOvr>
+    <a:masterClrMapping/>
+  </p:clrMapOvr>
+</p:sld>
+</file>
+
+<file path=ppt/slides/slide2.xml><?xml version="1.0" encoding="utf-8"?>
+<p:sld xmlns:a="http://schemas.openxmlformats.org/drawingml/2006/main" xmlns:r="http://schemas.openxmlformats.org/officeDocument/2006/relationships" xmlns:p="http://schemas.openxmlformats.org/presentationml/2006/main">
+  <p:cSld>
+    <p:spTree>
+      <p:nvGrpSpPr>
+        <p:cNvPr id="1" name=""/>
+        <p:cNvGrpSpPr/>
+        <p:nvPr/>
+      </p:nvGrpSpPr>
+      <p:grpSpPr>
+        <a:xfrm>
+          <a:off x="0" y="0"/>
+          <a:ext cx="0" cy="0"/>
+          <a:chOff x="0" y="0"/>
+          <a:chExt cx="0" cy="0"/>
+        </a:xfrm>
+      </p:grpSpPr>
+      <p:sp>
+        <p:nvSpPr>
+          <p:cNvPr id="2" name="제목 1"/>
+          <p:cNvSpPr>
+            <a:spLocks noGrp="1"/>
+          </p:cNvSpPr>
+          <p:nvPr>
+            <p:ph type="title"/>
+          </p:nvPr>
+        </p:nvSpPr>
+        <p:spPr>
+          <a:xfrm>
+            <a:off x="0" y="0"/>
+            <a:ext cx="12192000" cy="1016000"/>
+          </a:xfrm>
+        </p:spPr>
+        <p:txBody>
+          <a:bodyPr/>
+          <a:lstStyle/>
+          <a:p>
+            <a:r>
+              <a:rPr lang="en-US" altLang="ko-KR" dirty="0" smtClean="0"/>
+              <a:t>Contents</a:t>
+            </a:r>
+            <a:endParaRPr lang="ko-KR" altLang="en-US" dirty="0"/>
+          </a:p>
+        </p:txBody>
+      </p:sp>
+      <p:sp>
+        <p:nvSpPr>
+          <p:cNvPr id="3" name="내용 개체 틀 2"/>
+          <p:cNvSpPr>
+            <a:spLocks noGrp="1"/>
+          </p:cNvSpPr>
+          <p:nvPr>
+            <p:ph idx="1"/>
+          </p:nvPr>
+        </p:nvSpPr>
+        <p:spPr/>
+        <p:txBody>
+          <a:bodyPr>
+            <a:normAutofit/>
+          </a:bodyPr>
+          <a:lstStyle/>
+          <a:p>
+            <a:r>
+              <a:rPr lang="en-US" altLang="ko-KR" smtClean="0"/>
+              <a:t>selective sphingosine 1-phosphate (S1P) modulator</a:t>
+            </a:r>
+          </a:p>
+          <a:p>
+            <a:pPr lvl="1"/>
+            <a:r>
+              <a:rPr lang="en-US" altLang="ko-KR" smtClean="0"/>
+              <a:t>siponimod</a:t>
+            </a:r>
+          </a:p>
+          <a:p>
+            <a:pPr lvl="1"/>
+            <a:r>
+              <a:rPr lang="en-US" altLang="ko-KR" smtClean="0"/>
+              <a:t>ozanimod</a:t>
+            </a:r>
+          </a:p>
+          <a:p>
+            <a:pPr lvl="1"/>
+            <a:r>
+              <a:rPr lang="en-US" altLang="ko-KR" smtClean="0"/>
+              <a:t>ponesimod</a:t>
+            </a:r>
+          </a:p>
+          <a:p>
+            <a:pPr lvl="1"/>
+            <a:r>
+              <a:rPr lang="en-US" altLang="ko-KR" smtClean="0"/>
+              <a:t>amiselimod</a:t>
+            </a:r>
+          </a:p>
+          <a:p>
+            <a:pPr lvl="1"/>
+            <a:r>
+              <a:rPr lang="en-US" altLang="ko-KR" smtClean="0"/>
+              <a:t>ceralifimod, CS-0777</a:t>
+            </a:r>
+          </a:p>
+          <a:p>
+            <a:r>
+              <a:rPr lang="en-US" altLang="ko-KR" smtClean="0"/>
+              <a:t>Monomethyl fumarate</a:t>
+            </a:r>
+          </a:p>
+          <a:p>
+            <a:r>
+              <a:rPr lang="en-US" altLang="ko-KR" smtClean="0"/>
+              <a:t>Mionocycline</a:t>
+            </a:r>
+          </a:p>
+          <a:p>
+            <a:r>
+              <a:rPr lang="en-US" altLang="ko-KR" smtClean="0"/>
+              <a:t>Tyrosine kinase inhibitor (Bruton's tyrosine kinase inhibitors)</a:t>
+            </a:r>
+          </a:p>
+          <a:p>
+            <a:pPr lvl="1"/>
+            <a:r>
+              <a:rPr lang="en-US" altLang="ko-KR" smtClean="0"/>
+              <a:t>Evobrutinib</a:t>
+            </a:r>
+          </a:p>
+          <a:p>
+            <a:r>
+              <a:rPr lang="en-US" altLang="ko-KR" smtClean="0"/>
+              <a:t>Laquinimod </a:t>
+            </a:r>
+            <a:endParaRPr lang="ko-KR" altLang="en-US" dirty="0"/>
+          </a:p>
+        </p:txBody>
+      </p:sp>
+    </p:spTree>
+    <p:extLst>
+      <p:ext uri="{BB962C8B-B14F-4D97-AF65-F5344CB8AC3E}">
+        <p14:creationId xmlns:p14="http://schemas.microsoft.com/office/powerpoint/2010/main" val="942372626"/>
+      </p:ext>
+    </p:extLst>
+  </p:cSld>
+  <p:clrMapOvr>
+    <a:masterClrMapping/>
+  </p:clrMapOvr>
+  <p:timing>
+    <p:tnLst>
+      <p:par>
+        <p:cTn id="1" dur="indefinite" restart="never" nodeType="tmRoot"/>
+      </p:par>
+    </p:tnLst>
+  </p:timing>
+</p:sld>
+</file>
+
+<file path=ppt/slides/slide20.xml><?xml version="1.0" encoding="utf-8"?>
+<p:sld xmlns:a="http://schemas.openxmlformats.org/drawingml/2006/main" xmlns:r="http://schemas.openxmlformats.org/officeDocument/2006/relationships" xmlns:p="http://schemas.openxmlformats.org/presentationml/2006/main">
+  <p:cSld>
+    <p:spTree>
+      <p:nvGrpSpPr>
+        <p:cNvPr id="1" name=""/>
+        <p:cNvGrpSpPr/>
+        <p:nvPr/>
+      </p:nvGrpSpPr>
+      <p:grpSpPr>
+        <a:xfrm>
+          <a:off x="0" y="0"/>
+          <a:ext cx="0" cy="0"/>
+          <a:chOff x="0" y="0"/>
+          <a:chExt cx="0" cy="0"/>
+        </a:xfrm>
+      </p:grpSpPr>
+      <p:sp>
+        <p:nvSpPr>
+          <p:cNvPr id="2" name="제목 1"/>
+          <p:cNvSpPr>
+            <a:spLocks noGrp="1"/>
+          </p:cNvSpPr>
+          <p:nvPr>
+            <p:ph type="title"/>
+          </p:nvPr>
+        </p:nvSpPr>
+        <p:spPr/>
+        <p:txBody>
+          <a:bodyPr/>
+          <a:lstStyle/>
+          <a:p>
+            <a:endParaRPr lang="ko-KR" altLang="en-US"/>
+          </a:p>
+        </p:txBody>
+      </p:sp>
+      <p:sp>
+        <p:nvSpPr>
+          <p:cNvPr id="3" name="내용 개체 틀 2"/>
+          <p:cNvSpPr>
+            <a:spLocks noGrp="1"/>
+          </p:cNvSpPr>
+          <p:nvPr>
+            <p:ph idx="1"/>
+          </p:nvPr>
+        </p:nvSpPr>
+        <p:spPr/>
+        <p:txBody>
+          <a:bodyPr/>
+          <a:lstStyle/>
+          <a:p>
+            <a:endParaRPr lang="ko-KR" altLang="en-US"/>
+          </a:p>
+        </p:txBody>
+      </p:sp>
+      <p:pic>
+        <p:nvPicPr>
+          <p:cNvPr id="4" name="그림 3"/>
+          <p:cNvPicPr>
+            <a:picLocks noChangeAspect="1"/>
+          </p:cNvPicPr>
+          <p:nvPr/>
+        </p:nvPicPr>
+        <p:blipFill>
+          <a:blip r:embed="rId2"/>
+          <a:stretch>
+            <a:fillRect/>
+          </a:stretch>
+        </p:blipFill>
+        <p:spPr>
+          <a:xfrm>
+            <a:off x="574274" y="89506"/>
+            <a:ext cx="10479806" cy="6739532"/>
+          </a:xfrm>
+          <a:prstGeom prst="rect">
+            <a:avLst/>
+          </a:prstGeom>
+        </p:spPr>
+      </p:pic>
+    </p:spTree>
+    <p:extLst>
+      <p:ext uri="{BB962C8B-B14F-4D97-AF65-F5344CB8AC3E}">
+        <p14:creationId xmlns:p14="http://schemas.microsoft.com/office/powerpoint/2010/main" val="2081673413"/>
+      </p:ext>
+    </p:extLst>
+  </p:cSld>
+  <p:clrMapOvr>
+    <a:masterClrMapping/>
+  </p:clrMapOvr>
+</p:sld>
+</file>
+
+<file path=ppt/slides/slide21.xml><?xml version="1.0" encoding="utf-8"?>
+<p:sld xmlns:a="http://schemas.openxmlformats.org/drawingml/2006/main" xmlns:r="http://schemas.openxmlformats.org/officeDocument/2006/relationships" xmlns:p="http://schemas.openxmlformats.org/presentationml/2006/main">
+  <p:cSld>
+    <p:spTree>
+      <p:nvGrpSpPr>
+        <p:cNvPr id="1" name=""/>
+        <p:cNvGrpSpPr/>
+        <p:nvPr/>
+      </p:nvGrpSpPr>
+      <p:grpSpPr>
+        <a:xfrm>
+          <a:off x="0" y="0"/>
+          <a:ext cx="0" cy="0"/>
+          <a:chOff x="0" y="0"/>
+          <a:chExt cx="0" cy="0"/>
+        </a:xfrm>
+      </p:grpSpPr>
+      <p:sp>
+        <p:nvSpPr>
+          <p:cNvPr id="2" name="제목 1"/>
+          <p:cNvSpPr>
+            <a:spLocks noGrp="1"/>
+          </p:cNvSpPr>
+          <p:nvPr>
+            <p:ph type="title"/>
+          </p:nvPr>
+        </p:nvSpPr>
+        <p:spPr/>
+        <p:txBody>
+          <a:bodyPr/>
+          <a:lstStyle/>
+          <a:p>
+            <a:endParaRPr lang="ko-KR" altLang="en-US"/>
+          </a:p>
+        </p:txBody>
+      </p:sp>
+      <p:sp>
+        <p:nvSpPr>
+          <p:cNvPr id="3" name="내용 개체 틀 2"/>
+          <p:cNvSpPr>
+            <a:spLocks noGrp="1"/>
+          </p:cNvSpPr>
+          <p:nvPr>
+            <p:ph idx="1"/>
+          </p:nvPr>
+        </p:nvSpPr>
+        <p:spPr/>
+        <p:txBody>
+          <a:bodyPr/>
+          <a:lstStyle/>
+          <a:p>
+            <a:endParaRPr lang="ko-KR" altLang="en-US"/>
+          </a:p>
+        </p:txBody>
+      </p:sp>
+      <p:pic>
+        <p:nvPicPr>
+          <p:cNvPr id="4" name="그림 3"/>
+          <p:cNvPicPr>
+            <a:picLocks noChangeAspect="1"/>
+          </p:cNvPicPr>
+          <p:nvPr/>
+        </p:nvPicPr>
+        <p:blipFill>
+          <a:blip r:embed="rId2"/>
+          <a:stretch>
+            <a:fillRect/>
+          </a:stretch>
+        </p:blipFill>
+        <p:spPr>
+          <a:xfrm>
+            <a:off x="0" y="1"/>
+            <a:ext cx="11257546" cy="6857999"/>
+          </a:xfrm>
+          <a:prstGeom prst="rect">
+            <a:avLst/>
+          </a:prstGeom>
+        </p:spPr>
+      </p:pic>
+    </p:spTree>
+    <p:extLst>
+      <p:ext uri="{BB962C8B-B14F-4D97-AF65-F5344CB8AC3E}">
+        <p14:creationId xmlns:p14="http://schemas.microsoft.com/office/powerpoint/2010/main" val="408387044"/>
+      </p:ext>
+    </p:extLst>
+  </p:cSld>
+  <p:clrMapOvr>
+    <a:masterClrMapping/>
+  </p:clrMapOvr>
+</p:sld>
+</file>
+
+<file path=ppt/slides/slide22.xml><?xml version="1.0" encoding="utf-8"?>
+<p:sld xmlns:a="http://schemas.openxmlformats.org/drawingml/2006/main" xmlns:r="http://schemas.openxmlformats.org/officeDocument/2006/relationships" xmlns:p="http://schemas.openxmlformats.org/presentationml/2006/main">
+  <p:cSld>
+    <p:spTree>
+      <p:nvGrpSpPr>
+        <p:cNvPr id="1" name=""/>
+        <p:cNvGrpSpPr/>
+        <p:nvPr/>
+      </p:nvGrpSpPr>
+      <p:grpSpPr>
+        <a:xfrm>
+          <a:off x="0" y="0"/>
+          <a:ext cx="0" cy="0"/>
+          <a:chOff x="0" y="0"/>
+          <a:chExt cx="0" cy="0"/>
+        </a:xfrm>
+      </p:grpSpPr>
+      <p:sp>
+        <p:nvSpPr>
+          <p:cNvPr id="2" name="제목 1"/>
+          <p:cNvSpPr>
+            <a:spLocks noGrp="1"/>
+          </p:cNvSpPr>
+          <p:nvPr>
+            <p:ph type="title"/>
+          </p:nvPr>
+        </p:nvSpPr>
+        <p:spPr/>
+        <p:txBody>
+          <a:bodyPr/>
+          <a:lstStyle/>
+          <a:p>
+            <a:endParaRPr lang="ko-KR" altLang="en-US"/>
+          </a:p>
+        </p:txBody>
+      </p:sp>
+      <p:sp>
+        <p:nvSpPr>
+          <p:cNvPr id="3" name="내용 개체 틀 2"/>
+          <p:cNvSpPr>
+            <a:spLocks noGrp="1"/>
+          </p:cNvSpPr>
+          <p:nvPr>
+            <p:ph idx="1"/>
+          </p:nvPr>
+        </p:nvSpPr>
+        <p:spPr/>
+        <p:txBody>
+          <a:bodyPr/>
+          <a:lstStyle/>
+          <a:p>
+            <a:endParaRPr lang="ko-KR" altLang="en-US"/>
+          </a:p>
+        </p:txBody>
+      </p:sp>
+      <p:grpSp>
+        <p:nvGrpSpPr>
+          <p:cNvPr id="6" name="그룹 5"/>
+          <p:cNvGrpSpPr/>
+          <p:nvPr/>
+        </p:nvGrpSpPr>
+        <p:grpSpPr>
+          <a:xfrm>
+            <a:off x="0" y="0"/>
+            <a:ext cx="8950960" cy="6857999"/>
+            <a:chOff x="0" y="1"/>
+            <a:chExt cx="8458351" cy="6566134"/>
+          </a:xfrm>
+        </p:grpSpPr>
+        <p:pic>
+          <p:nvPicPr>
+            <p:cNvPr id="4" name="그림 3"/>
+            <p:cNvPicPr>
+              <a:picLocks noChangeAspect="1"/>
+            </p:cNvPicPr>
+            <p:nvPr/>
+          </p:nvPicPr>
+          <p:blipFill>
+            <a:blip r:embed="rId2"/>
+            <a:stretch>
+              <a:fillRect/>
+            </a:stretch>
+          </p:blipFill>
+          <p:spPr>
+            <a:xfrm>
+              <a:off x="0" y="1"/>
+              <a:ext cx="8458351" cy="601867"/>
+            </a:xfrm>
+            <a:prstGeom prst="rect">
+              <a:avLst/>
+            </a:prstGeom>
+          </p:spPr>
+        </p:pic>
+        <p:pic>
+          <p:nvPicPr>
+            <p:cNvPr id="5" name="그림 4"/>
+            <p:cNvPicPr>
+              <a:picLocks noChangeAspect="1"/>
+            </p:cNvPicPr>
+            <p:nvPr/>
+          </p:nvPicPr>
+          <p:blipFill>
+            <a:blip r:embed="rId3"/>
+            <a:stretch>
+              <a:fillRect/>
+            </a:stretch>
+          </p:blipFill>
+          <p:spPr>
+            <a:xfrm>
+              <a:off x="0" y="508001"/>
+              <a:ext cx="8458351" cy="6058134"/>
+            </a:xfrm>
+            <a:prstGeom prst="rect">
+              <a:avLst/>
+            </a:prstGeom>
+          </p:spPr>
+        </p:pic>
+      </p:grpSp>
+    </p:spTree>
+    <p:extLst>
+      <p:ext uri="{BB962C8B-B14F-4D97-AF65-F5344CB8AC3E}">
+        <p14:creationId xmlns:p14="http://schemas.microsoft.com/office/powerpoint/2010/main" val="1043929458"/>
+      </p:ext>
+    </p:extLst>
+  </p:cSld>
+  <p:clrMapOvr>
+    <a:masterClrMapping/>
+  </p:clrMapOvr>
+</p:sld>
+</file>
+
+<file path=ppt/slides/slide23.xml><?xml version="1.0" encoding="utf-8"?>
+<p:sld xmlns:a="http://schemas.openxmlformats.org/drawingml/2006/main" xmlns:r="http://schemas.openxmlformats.org/officeDocument/2006/relationships" xmlns:p="http://schemas.openxmlformats.org/presentationml/2006/main">
+  <p:cSld>
+    <p:spTree>
+      <p:nvGrpSpPr>
+        <p:cNvPr id="1" name=""/>
+        <p:cNvGrpSpPr/>
+        <p:nvPr/>
+      </p:nvGrpSpPr>
+      <p:grpSpPr>
+        <a:xfrm>
+          <a:off x="0" y="0"/>
+          <a:ext cx="0" cy="0"/>
+          <a:chOff x="0" y="0"/>
+          <a:chExt cx="0" cy="0"/>
+        </a:xfrm>
+      </p:grpSpPr>
+      <p:sp>
+        <p:nvSpPr>
+          <p:cNvPr id="2" name="제목 1"/>
+          <p:cNvSpPr>
+            <a:spLocks noGrp="1"/>
+          </p:cNvSpPr>
+          <p:nvPr>
+            <p:ph type="title"/>
+          </p:nvPr>
+        </p:nvSpPr>
+        <p:spPr/>
+        <p:txBody>
           <a:bodyPr/>
           <a:lstStyle/>
           <a:p>
@@ -3935,7 +5862,7 @@
 </p:sld>
 </file>
 
-<file path=ppt/slides/slide11.xml><?xml version="1.0" encoding="utf-8"?>
+<file path=ppt/slides/slide24.xml><?xml version="1.0" encoding="utf-8"?>
 <p:sld xmlns:a="http://schemas.openxmlformats.org/drawingml/2006/main" xmlns:r="http://schemas.openxmlformats.org/officeDocument/2006/relationships" xmlns:p="http://schemas.openxmlformats.org/presentationml/2006/main">
   <p:cSld>
     <p:spTree>
@@ -4066,7 +5993,7 @@
 </p:sld>
 </file>
 
-<file path=ppt/slides/slide12.xml><?xml version="1.0" encoding="utf-8"?>
+<file path=ppt/slides/slide25.xml><?xml version="1.0" encoding="utf-8"?>
 <p:sld xmlns:a="http://schemas.openxmlformats.org/drawingml/2006/main" xmlns:r="http://schemas.openxmlformats.org/officeDocument/2006/relationships" xmlns:p="http://schemas.openxmlformats.org/presentationml/2006/main">
   <p:cSld>
     <p:spTree>
@@ -4197,7 +6124,7 @@
 </p:sld>
 </file>
 
-<file path=ppt/slides/slide13.xml><?xml version="1.0" encoding="utf-8"?>
+<file path=ppt/slides/slide26.xml><?xml version="1.0" encoding="utf-8"?>
 <p:sld xmlns:a="http://schemas.openxmlformats.org/drawingml/2006/main" xmlns:r="http://schemas.openxmlformats.org/officeDocument/2006/relationships" xmlns:p="http://schemas.openxmlformats.org/presentationml/2006/main">
   <p:cSld>
     <p:spTree>
@@ -4265,705 +6192,7 @@
 </p:sld>
 </file>
 
-<file path=ppt/slides/slide14.xml><?xml version="1.0" encoding="utf-8"?>
-<p:sld xmlns:a="http://schemas.openxmlformats.org/drawingml/2006/main" xmlns:r="http://schemas.openxmlformats.org/officeDocument/2006/relationships" xmlns:p="http://schemas.openxmlformats.org/presentationml/2006/main">
-  <p:cSld>
-    <p:spTree>
-      <p:nvGrpSpPr>
-        <p:cNvPr id="1" name=""/>
-        <p:cNvGrpSpPr/>
-        <p:nvPr/>
-      </p:nvGrpSpPr>
-      <p:grpSpPr>
-        <a:xfrm>
-          <a:off x="0" y="0"/>
-          <a:ext cx="0" cy="0"/>
-          <a:chOff x="0" y="0"/>
-          <a:chExt cx="0" cy="0"/>
-        </a:xfrm>
-      </p:grpSpPr>
-      <p:sp>
-        <p:nvSpPr>
-          <p:cNvPr id="2" name="제목 1"/>
-          <p:cNvSpPr>
-            <a:spLocks noGrp="1"/>
-          </p:cNvSpPr>
-          <p:nvPr>
-            <p:ph type="title"/>
-          </p:nvPr>
-        </p:nvSpPr>
-        <p:spPr/>
-        <p:txBody>
-          <a:bodyPr/>
-          <a:lstStyle/>
-          <a:p>
-            <a:endParaRPr lang="ko-KR" altLang="en-US"/>
-          </a:p>
-        </p:txBody>
-      </p:sp>
-      <p:sp>
-        <p:nvSpPr>
-          <p:cNvPr id="3" name="내용 개체 틀 2"/>
-          <p:cNvSpPr>
-            <a:spLocks noGrp="1"/>
-          </p:cNvSpPr>
-          <p:nvPr>
-            <p:ph idx="1"/>
-          </p:nvPr>
-        </p:nvSpPr>
-        <p:spPr/>
-        <p:txBody>
-          <a:bodyPr/>
-          <a:lstStyle/>
-          <a:p>
-            <a:endParaRPr lang="ko-KR" altLang="en-US"/>
-          </a:p>
-        </p:txBody>
-      </p:sp>
-    </p:spTree>
-    <p:extLst>
-      <p:ext uri="{BB962C8B-B14F-4D97-AF65-F5344CB8AC3E}">
-        <p14:creationId xmlns:p14="http://schemas.microsoft.com/office/powerpoint/2010/main" val="1207060916"/>
-      </p:ext>
-    </p:extLst>
-  </p:cSld>
-  <p:clrMapOvr>
-    <a:masterClrMapping/>
-  </p:clrMapOvr>
-</p:sld>
-</file>
-
-<file path=ppt/slides/slide15.xml><?xml version="1.0" encoding="utf-8"?>
-<p:sld xmlns:a="http://schemas.openxmlformats.org/drawingml/2006/main" xmlns:r="http://schemas.openxmlformats.org/officeDocument/2006/relationships" xmlns:p="http://schemas.openxmlformats.org/presentationml/2006/main">
-  <p:cSld>
-    <p:spTree>
-      <p:nvGrpSpPr>
-        <p:cNvPr id="1" name=""/>
-        <p:cNvGrpSpPr/>
-        <p:nvPr/>
-      </p:nvGrpSpPr>
-      <p:grpSpPr>
-        <a:xfrm>
-          <a:off x="0" y="0"/>
-          <a:ext cx="0" cy="0"/>
-          <a:chOff x="0" y="0"/>
-          <a:chExt cx="0" cy="0"/>
-        </a:xfrm>
-      </p:grpSpPr>
-      <p:sp>
-        <p:nvSpPr>
-          <p:cNvPr id="2" name="제목 1"/>
-          <p:cNvSpPr>
-            <a:spLocks noGrp="1"/>
-          </p:cNvSpPr>
-          <p:nvPr>
-            <p:ph type="title"/>
-          </p:nvPr>
-        </p:nvSpPr>
-        <p:spPr/>
-        <p:txBody>
-          <a:bodyPr/>
-          <a:lstStyle/>
-          <a:p>
-            <a:endParaRPr lang="ko-KR" altLang="en-US"/>
-          </a:p>
-        </p:txBody>
-      </p:sp>
-      <p:sp>
-        <p:nvSpPr>
-          <p:cNvPr id="3" name="내용 개체 틀 2"/>
-          <p:cNvSpPr>
-            <a:spLocks noGrp="1"/>
-          </p:cNvSpPr>
-          <p:nvPr>
-            <p:ph idx="1"/>
-          </p:nvPr>
-        </p:nvSpPr>
-        <p:spPr/>
-        <p:txBody>
-          <a:bodyPr/>
-          <a:lstStyle/>
-          <a:p>
-            <a:endParaRPr lang="ko-KR" altLang="en-US"/>
-          </a:p>
-        </p:txBody>
-      </p:sp>
-    </p:spTree>
-    <p:extLst>
-      <p:ext uri="{BB962C8B-B14F-4D97-AF65-F5344CB8AC3E}">
-        <p14:creationId xmlns:p14="http://schemas.microsoft.com/office/powerpoint/2010/main" val="414252677"/>
-      </p:ext>
-    </p:extLst>
-  </p:cSld>
-  <p:clrMapOvr>
-    <a:masterClrMapping/>
-  </p:clrMapOvr>
-</p:sld>
-</file>
-
-<file path=ppt/slides/slide16.xml><?xml version="1.0" encoding="utf-8"?>
-<p:sld xmlns:a="http://schemas.openxmlformats.org/drawingml/2006/main" xmlns:r="http://schemas.openxmlformats.org/officeDocument/2006/relationships" xmlns:p="http://schemas.openxmlformats.org/presentationml/2006/main">
-  <p:cSld>
-    <p:spTree>
-      <p:nvGrpSpPr>
-        <p:cNvPr id="1" name=""/>
-        <p:cNvGrpSpPr/>
-        <p:nvPr/>
-      </p:nvGrpSpPr>
-      <p:grpSpPr>
-        <a:xfrm>
-          <a:off x="0" y="0"/>
-          <a:ext cx="0" cy="0"/>
-          <a:chOff x="0" y="0"/>
-          <a:chExt cx="0" cy="0"/>
-        </a:xfrm>
-      </p:grpSpPr>
-      <p:sp>
-        <p:nvSpPr>
-          <p:cNvPr id="2" name="제목 1"/>
-          <p:cNvSpPr>
-            <a:spLocks noGrp="1"/>
-          </p:cNvSpPr>
-          <p:nvPr>
-            <p:ph type="title"/>
-          </p:nvPr>
-        </p:nvSpPr>
-        <p:spPr/>
-        <p:txBody>
-          <a:bodyPr/>
-          <a:lstStyle/>
-          <a:p>
-            <a:endParaRPr lang="ko-KR" altLang="en-US"/>
-          </a:p>
-        </p:txBody>
-      </p:sp>
-      <p:sp>
-        <p:nvSpPr>
-          <p:cNvPr id="3" name="내용 개체 틀 2"/>
-          <p:cNvSpPr>
-            <a:spLocks noGrp="1"/>
-          </p:cNvSpPr>
-          <p:nvPr>
-            <p:ph idx="1"/>
-          </p:nvPr>
-        </p:nvSpPr>
-        <p:spPr/>
-        <p:txBody>
-          <a:bodyPr/>
-          <a:lstStyle/>
-          <a:p>
-            <a:endParaRPr lang="ko-KR" altLang="en-US"/>
-          </a:p>
-        </p:txBody>
-      </p:sp>
-    </p:spTree>
-    <p:extLst>
-      <p:ext uri="{BB962C8B-B14F-4D97-AF65-F5344CB8AC3E}">
-        <p14:creationId xmlns:p14="http://schemas.microsoft.com/office/powerpoint/2010/main" val="3018194402"/>
-      </p:ext>
-    </p:extLst>
-  </p:cSld>
-  <p:clrMapOvr>
-    <a:masterClrMapping/>
-  </p:clrMapOvr>
-</p:sld>
-</file>
-
-<file path=ppt/slides/slide17.xml><?xml version="1.0" encoding="utf-8"?>
-<p:sld xmlns:a="http://schemas.openxmlformats.org/drawingml/2006/main" xmlns:r="http://schemas.openxmlformats.org/officeDocument/2006/relationships" xmlns:p="http://schemas.openxmlformats.org/presentationml/2006/main">
-  <p:cSld>
-    <p:spTree>
-      <p:nvGrpSpPr>
-        <p:cNvPr id="1" name=""/>
-        <p:cNvGrpSpPr/>
-        <p:nvPr/>
-      </p:nvGrpSpPr>
-      <p:grpSpPr>
-        <a:xfrm>
-          <a:off x="0" y="0"/>
-          <a:ext cx="0" cy="0"/>
-          <a:chOff x="0" y="0"/>
-          <a:chExt cx="0" cy="0"/>
-        </a:xfrm>
-      </p:grpSpPr>
-      <p:sp>
-        <p:nvSpPr>
-          <p:cNvPr id="2" name="제목 1"/>
-          <p:cNvSpPr>
-            <a:spLocks noGrp="1"/>
-          </p:cNvSpPr>
-          <p:nvPr>
-            <p:ph type="title"/>
-          </p:nvPr>
-        </p:nvSpPr>
-        <p:spPr/>
-        <p:txBody>
-          <a:bodyPr/>
-          <a:lstStyle/>
-          <a:p>
-            <a:endParaRPr lang="ko-KR" altLang="en-US"/>
-          </a:p>
-        </p:txBody>
-      </p:sp>
-      <p:sp>
-        <p:nvSpPr>
-          <p:cNvPr id="3" name="내용 개체 틀 2"/>
-          <p:cNvSpPr>
-            <a:spLocks noGrp="1"/>
-          </p:cNvSpPr>
-          <p:nvPr>
-            <p:ph idx="1"/>
-          </p:nvPr>
-        </p:nvSpPr>
-        <p:spPr/>
-        <p:txBody>
-          <a:bodyPr/>
-          <a:lstStyle/>
-          <a:p>
-            <a:endParaRPr lang="ko-KR" altLang="en-US"/>
-          </a:p>
-        </p:txBody>
-      </p:sp>
-    </p:spTree>
-    <p:extLst>
-      <p:ext uri="{BB962C8B-B14F-4D97-AF65-F5344CB8AC3E}">
-        <p14:creationId xmlns:p14="http://schemas.microsoft.com/office/powerpoint/2010/main" val="4182344960"/>
-      </p:ext>
-    </p:extLst>
-  </p:cSld>
-  <p:clrMapOvr>
-    <a:masterClrMapping/>
-  </p:clrMapOvr>
-</p:sld>
-</file>
-
-<file path=ppt/slides/slide18.xml><?xml version="1.0" encoding="utf-8"?>
-<p:sld xmlns:a="http://schemas.openxmlformats.org/drawingml/2006/main" xmlns:r="http://schemas.openxmlformats.org/officeDocument/2006/relationships" xmlns:p="http://schemas.openxmlformats.org/presentationml/2006/main">
-  <p:cSld>
-    <p:spTree>
-      <p:nvGrpSpPr>
-        <p:cNvPr id="1" name=""/>
-        <p:cNvGrpSpPr/>
-        <p:nvPr/>
-      </p:nvGrpSpPr>
-      <p:grpSpPr>
-        <a:xfrm>
-          <a:off x="0" y="0"/>
-          <a:ext cx="0" cy="0"/>
-          <a:chOff x="0" y="0"/>
-          <a:chExt cx="0" cy="0"/>
-        </a:xfrm>
-      </p:grpSpPr>
-      <p:sp>
-        <p:nvSpPr>
-          <p:cNvPr id="2" name="제목 1"/>
-          <p:cNvSpPr>
-            <a:spLocks noGrp="1"/>
-          </p:cNvSpPr>
-          <p:nvPr>
-            <p:ph type="title"/>
-          </p:nvPr>
-        </p:nvSpPr>
-        <p:spPr/>
-        <p:txBody>
-          <a:bodyPr/>
-          <a:lstStyle/>
-          <a:p>
-            <a:endParaRPr lang="ko-KR" altLang="en-US"/>
-          </a:p>
-        </p:txBody>
-      </p:sp>
-      <p:sp>
-        <p:nvSpPr>
-          <p:cNvPr id="3" name="내용 개체 틀 2"/>
-          <p:cNvSpPr>
-            <a:spLocks noGrp="1"/>
-          </p:cNvSpPr>
-          <p:nvPr>
-            <p:ph idx="1"/>
-          </p:nvPr>
-        </p:nvSpPr>
-        <p:spPr/>
-        <p:txBody>
-          <a:bodyPr/>
-          <a:lstStyle/>
-          <a:p>
-            <a:endParaRPr lang="ko-KR" altLang="en-US"/>
-          </a:p>
-        </p:txBody>
-      </p:sp>
-    </p:spTree>
-    <p:extLst>
-      <p:ext uri="{BB962C8B-B14F-4D97-AF65-F5344CB8AC3E}">
-        <p14:creationId xmlns:p14="http://schemas.microsoft.com/office/powerpoint/2010/main" val="1276758553"/>
-      </p:ext>
-    </p:extLst>
-  </p:cSld>
-  <p:clrMapOvr>
-    <a:masterClrMapping/>
-  </p:clrMapOvr>
-</p:sld>
-</file>
-
-<file path=ppt/slides/slide19.xml><?xml version="1.0" encoding="utf-8"?>
-<p:sld xmlns:a="http://schemas.openxmlformats.org/drawingml/2006/main" xmlns:r="http://schemas.openxmlformats.org/officeDocument/2006/relationships" xmlns:p="http://schemas.openxmlformats.org/presentationml/2006/main">
-  <p:cSld>
-    <p:spTree>
-      <p:nvGrpSpPr>
-        <p:cNvPr id="1" name=""/>
-        <p:cNvGrpSpPr/>
-        <p:nvPr/>
-      </p:nvGrpSpPr>
-      <p:grpSpPr>
-        <a:xfrm>
-          <a:off x="0" y="0"/>
-          <a:ext cx="0" cy="0"/>
-          <a:chOff x="0" y="0"/>
-          <a:chExt cx="0" cy="0"/>
-        </a:xfrm>
-      </p:grpSpPr>
-      <p:sp>
-        <p:nvSpPr>
-          <p:cNvPr id="2" name="제목 1"/>
-          <p:cNvSpPr>
-            <a:spLocks noGrp="1"/>
-          </p:cNvSpPr>
-          <p:nvPr>
-            <p:ph type="title"/>
-          </p:nvPr>
-        </p:nvSpPr>
-        <p:spPr/>
-        <p:txBody>
-          <a:bodyPr/>
-          <a:lstStyle/>
-          <a:p>
-            <a:endParaRPr lang="ko-KR" altLang="en-US"/>
-          </a:p>
-        </p:txBody>
-      </p:sp>
-      <p:sp>
-        <p:nvSpPr>
-          <p:cNvPr id="3" name="내용 개체 틀 2"/>
-          <p:cNvSpPr>
-            <a:spLocks noGrp="1"/>
-          </p:cNvSpPr>
-          <p:nvPr>
-            <p:ph idx="1"/>
-          </p:nvPr>
-        </p:nvSpPr>
-        <p:spPr/>
-        <p:txBody>
-          <a:bodyPr/>
-          <a:lstStyle/>
-          <a:p>
-            <a:endParaRPr lang="ko-KR" altLang="en-US"/>
-          </a:p>
-        </p:txBody>
-      </p:sp>
-    </p:spTree>
-    <p:extLst>
-      <p:ext uri="{BB962C8B-B14F-4D97-AF65-F5344CB8AC3E}">
-        <p14:creationId xmlns:p14="http://schemas.microsoft.com/office/powerpoint/2010/main" val="2260917067"/>
-      </p:ext>
-    </p:extLst>
-  </p:cSld>
-  <p:clrMapOvr>
-    <a:masterClrMapping/>
-  </p:clrMapOvr>
-</p:sld>
-</file>
-
-<file path=ppt/slides/slide2.xml><?xml version="1.0" encoding="utf-8"?>
-<p:sld xmlns:a="http://schemas.openxmlformats.org/drawingml/2006/main" xmlns:r="http://schemas.openxmlformats.org/officeDocument/2006/relationships" xmlns:p="http://schemas.openxmlformats.org/presentationml/2006/main">
-  <p:cSld>
-    <p:spTree>
-      <p:nvGrpSpPr>
-        <p:cNvPr id="1" name=""/>
-        <p:cNvGrpSpPr/>
-        <p:nvPr/>
-      </p:nvGrpSpPr>
-      <p:grpSpPr>
-        <a:xfrm>
-          <a:off x="0" y="0"/>
-          <a:ext cx="0" cy="0"/>
-          <a:chOff x="0" y="0"/>
-          <a:chExt cx="0" cy="0"/>
-        </a:xfrm>
-      </p:grpSpPr>
-      <p:sp>
-        <p:nvSpPr>
-          <p:cNvPr id="2" name="제목 1"/>
-          <p:cNvSpPr>
-            <a:spLocks noGrp="1"/>
-          </p:cNvSpPr>
-          <p:nvPr>
-            <p:ph type="title"/>
-          </p:nvPr>
-        </p:nvSpPr>
-        <p:spPr>
-          <a:xfrm>
-            <a:off x="0" y="0"/>
-            <a:ext cx="12192000" cy="1016000"/>
-          </a:xfrm>
-        </p:spPr>
-        <p:txBody>
-          <a:bodyPr/>
-          <a:lstStyle/>
-          <a:p>
-            <a:r>
-              <a:rPr lang="en-US" altLang="ko-KR" dirty="0" smtClean="0"/>
-              <a:t>Contents</a:t>
-            </a:r>
-            <a:endParaRPr lang="ko-KR" altLang="en-US" dirty="0"/>
-          </a:p>
-        </p:txBody>
-      </p:sp>
-      <p:sp>
-        <p:nvSpPr>
-          <p:cNvPr id="3" name="내용 개체 틀 2"/>
-          <p:cNvSpPr>
-            <a:spLocks noGrp="1"/>
-          </p:cNvSpPr>
-          <p:nvPr>
-            <p:ph idx="1"/>
-          </p:nvPr>
-        </p:nvSpPr>
-        <p:spPr/>
-        <p:txBody>
-          <a:bodyPr>
-            <a:normAutofit/>
-          </a:bodyPr>
-          <a:lstStyle/>
-          <a:p>
-            <a:endParaRPr lang="ko-KR" altLang="en-US" dirty="0"/>
-          </a:p>
-        </p:txBody>
-      </p:sp>
-    </p:spTree>
-    <p:extLst>
-      <p:ext uri="{BB962C8B-B14F-4D97-AF65-F5344CB8AC3E}">
-        <p14:creationId xmlns:p14="http://schemas.microsoft.com/office/powerpoint/2010/main" val="942372626"/>
-      </p:ext>
-    </p:extLst>
-  </p:cSld>
-  <p:clrMapOvr>
-    <a:masterClrMapping/>
-  </p:clrMapOvr>
-  <p:timing>
-    <p:tnLst>
-      <p:par>
-        <p:cTn id="1" dur="indefinite" restart="never" nodeType="tmRoot"/>
-      </p:par>
-    </p:tnLst>
-  </p:timing>
-</p:sld>
-</file>
-
-<file path=ppt/slides/slide20.xml><?xml version="1.0" encoding="utf-8"?>
-<p:sld xmlns:a="http://schemas.openxmlformats.org/drawingml/2006/main" xmlns:r="http://schemas.openxmlformats.org/officeDocument/2006/relationships" xmlns:p="http://schemas.openxmlformats.org/presentationml/2006/main">
-  <p:cSld>
-    <p:spTree>
-      <p:nvGrpSpPr>
-        <p:cNvPr id="1" name=""/>
-        <p:cNvGrpSpPr/>
-        <p:nvPr/>
-      </p:nvGrpSpPr>
-      <p:grpSpPr>
-        <a:xfrm>
-          <a:off x="0" y="0"/>
-          <a:ext cx="0" cy="0"/>
-          <a:chOff x="0" y="0"/>
-          <a:chExt cx="0" cy="0"/>
-        </a:xfrm>
-      </p:grpSpPr>
-      <p:sp>
-        <p:nvSpPr>
-          <p:cNvPr id="2" name="제목 1"/>
-          <p:cNvSpPr>
-            <a:spLocks noGrp="1"/>
-          </p:cNvSpPr>
-          <p:nvPr>
-            <p:ph type="title"/>
-          </p:nvPr>
-        </p:nvSpPr>
-        <p:spPr/>
-        <p:txBody>
-          <a:bodyPr/>
-          <a:lstStyle/>
-          <a:p>
-            <a:endParaRPr lang="ko-KR" altLang="en-US"/>
-          </a:p>
-        </p:txBody>
-      </p:sp>
-      <p:sp>
-        <p:nvSpPr>
-          <p:cNvPr id="3" name="내용 개체 틀 2"/>
-          <p:cNvSpPr>
-            <a:spLocks noGrp="1"/>
-          </p:cNvSpPr>
-          <p:nvPr>
-            <p:ph idx="1"/>
-          </p:nvPr>
-        </p:nvSpPr>
-        <p:spPr/>
-        <p:txBody>
-          <a:bodyPr/>
-          <a:lstStyle/>
-          <a:p>
-            <a:endParaRPr lang="ko-KR" altLang="en-US"/>
-          </a:p>
-        </p:txBody>
-      </p:sp>
-    </p:spTree>
-    <p:extLst>
-      <p:ext uri="{BB962C8B-B14F-4D97-AF65-F5344CB8AC3E}">
-        <p14:creationId xmlns:p14="http://schemas.microsoft.com/office/powerpoint/2010/main" val="286599968"/>
-      </p:ext>
-    </p:extLst>
-  </p:cSld>
-  <p:clrMapOvr>
-    <a:masterClrMapping/>
-  </p:clrMapOvr>
-</p:sld>
-</file>
-
-<file path=ppt/slides/slide21.xml><?xml version="1.0" encoding="utf-8"?>
-<p:sld xmlns:a="http://schemas.openxmlformats.org/drawingml/2006/main" xmlns:r="http://schemas.openxmlformats.org/officeDocument/2006/relationships" xmlns:p="http://schemas.openxmlformats.org/presentationml/2006/main">
-  <p:cSld>
-    <p:spTree>
-      <p:nvGrpSpPr>
-        <p:cNvPr id="1" name=""/>
-        <p:cNvGrpSpPr/>
-        <p:nvPr/>
-      </p:nvGrpSpPr>
-      <p:grpSpPr>
-        <a:xfrm>
-          <a:off x="0" y="0"/>
-          <a:ext cx="0" cy="0"/>
-          <a:chOff x="0" y="0"/>
-          <a:chExt cx="0" cy="0"/>
-        </a:xfrm>
-      </p:grpSpPr>
-      <p:sp>
-        <p:nvSpPr>
-          <p:cNvPr id="2" name="제목 1"/>
-          <p:cNvSpPr>
-            <a:spLocks noGrp="1"/>
-          </p:cNvSpPr>
-          <p:nvPr>
-            <p:ph type="title"/>
-          </p:nvPr>
-        </p:nvSpPr>
-        <p:spPr/>
-        <p:txBody>
-          <a:bodyPr/>
-          <a:lstStyle/>
-          <a:p>
-            <a:endParaRPr lang="ko-KR" altLang="en-US"/>
-          </a:p>
-        </p:txBody>
-      </p:sp>
-      <p:sp>
-        <p:nvSpPr>
-          <p:cNvPr id="3" name="내용 개체 틀 2"/>
-          <p:cNvSpPr>
-            <a:spLocks noGrp="1"/>
-          </p:cNvSpPr>
-          <p:nvPr>
-            <p:ph idx="1"/>
-          </p:nvPr>
-        </p:nvSpPr>
-        <p:spPr/>
-        <p:txBody>
-          <a:bodyPr/>
-          <a:lstStyle/>
-          <a:p>
-            <a:endParaRPr lang="ko-KR" altLang="en-US"/>
-          </a:p>
-        </p:txBody>
-      </p:sp>
-    </p:spTree>
-    <p:extLst>
-      <p:ext uri="{BB962C8B-B14F-4D97-AF65-F5344CB8AC3E}">
-        <p14:creationId xmlns:p14="http://schemas.microsoft.com/office/powerpoint/2010/main" val="2830988331"/>
-      </p:ext>
-    </p:extLst>
-  </p:cSld>
-  <p:clrMapOvr>
-    <a:masterClrMapping/>
-  </p:clrMapOvr>
-</p:sld>
-</file>
-
-<file path=ppt/slides/slide22.xml><?xml version="1.0" encoding="utf-8"?>
-<p:sld xmlns:a="http://schemas.openxmlformats.org/drawingml/2006/main" xmlns:r="http://schemas.openxmlformats.org/officeDocument/2006/relationships" xmlns:p="http://schemas.openxmlformats.org/presentationml/2006/main">
-  <p:cSld>
-    <p:spTree>
-      <p:nvGrpSpPr>
-        <p:cNvPr id="1" name=""/>
-        <p:cNvGrpSpPr/>
-        <p:nvPr/>
-      </p:nvGrpSpPr>
-      <p:grpSpPr>
-        <a:xfrm>
-          <a:off x="0" y="0"/>
-          <a:ext cx="0" cy="0"/>
-          <a:chOff x="0" y="0"/>
-          <a:chExt cx="0" cy="0"/>
-        </a:xfrm>
-      </p:grpSpPr>
-      <p:sp>
-        <p:nvSpPr>
-          <p:cNvPr id="2" name="제목 1"/>
-          <p:cNvSpPr>
-            <a:spLocks noGrp="1"/>
-          </p:cNvSpPr>
-          <p:nvPr>
-            <p:ph type="title"/>
-          </p:nvPr>
-        </p:nvSpPr>
-        <p:spPr/>
-        <p:txBody>
-          <a:bodyPr/>
-          <a:lstStyle/>
-          <a:p>
-            <a:endParaRPr lang="ko-KR" altLang="en-US"/>
-          </a:p>
-        </p:txBody>
-      </p:sp>
-      <p:sp>
-        <p:nvSpPr>
-          <p:cNvPr id="3" name="내용 개체 틀 2"/>
-          <p:cNvSpPr>
-            <a:spLocks noGrp="1"/>
-          </p:cNvSpPr>
-          <p:nvPr>
-            <p:ph idx="1"/>
-          </p:nvPr>
-        </p:nvSpPr>
-        <p:spPr/>
-        <p:txBody>
-          <a:bodyPr/>
-          <a:lstStyle/>
-          <a:p>
-            <a:endParaRPr lang="ko-KR" altLang="en-US"/>
-          </a:p>
-        </p:txBody>
-      </p:sp>
-    </p:spTree>
-    <p:extLst>
-      <p:ext uri="{BB962C8B-B14F-4D97-AF65-F5344CB8AC3E}">
-        <p14:creationId xmlns:p14="http://schemas.microsoft.com/office/powerpoint/2010/main" val="884678168"/>
-      </p:ext>
-    </p:extLst>
-  </p:cSld>
-  <p:clrMapOvr>
-    <a:masterClrMapping/>
-  </p:clrMapOvr>
-</p:sld>
-</file>
-
-<file path=ppt/slides/slide23.xml><?xml version="1.0" encoding="utf-8"?>
+<file path=ppt/slides/slide27.xml><?xml version="1.0" encoding="utf-8"?>
 <p:sld xmlns:a="http://schemas.openxmlformats.org/drawingml/2006/main" xmlns:r="http://schemas.openxmlformats.org/officeDocument/2006/relationships" xmlns:p="http://schemas.openxmlformats.org/presentationml/2006/main">
   <p:cSld>
     <p:spTree>
@@ -5602,9 +6831,22 @@
         </p:nvSpPr>
         <p:spPr/>
         <p:txBody>
-          <a:bodyPr/>
-          <a:lstStyle/>
-          <a:p>
+          <a:bodyPr>
+            <a:normAutofit fontScale="90000"/>
+          </a:bodyPr>
+          <a:lstStyle/>
+          <a:p>
+            <a:r>
+              <a:rPr lang="en-US" altLang="ko-KR" smtClean="0"/>
+              <a:t>SIP modulator </a:t>
+            </a:r>
+            <a:br>
+              <a:rPr lang="en-US" altLang="ko-KR" smtClean="0"/>
+            </a:br>
+            <a:r>
+              <a:rPr lang="en-US" altLang="ko-KR" smtClean="0"/>
+              <a:t>siponimod</a:t>
+            </a:r>
             <a:endParaRPr lang="ko-KR" altLang="en-US"/>
           </a:p>
         </p:txBody>
@@ -5624,38 +6866,96 @@
           <a:bodyPr/>
           <a:lstStyle/>
           <a:p>
-            <a:endParaRPr lang="ko-KR" altLang="en-US"/>
-          </a:p>
-        </p:txBody>
-      </p:sp>
-      <p:pic>
-        <p:nvPicPr>
-          <p:cNvPr id="4" name="그림 3"/>
-          <p:cNvPicPr>
-            <a:picLocks noChangeAspect="1"/>
-          </p:cNvPicPr>
-          <p:nvPr/>
-        </p:nvPicPr>
-        <p:blipFill>
-          <a:blip r:embed="rId2"/>
-          <a:stretch>
-            <a:fillRect/>
-          </a:stretch>
-        </p:blipFill>
-        <p:spPr>
-          <a:xfrm>
-            <a:off x="396240" y="119172"/>
-            <a:ext cx="10733873" cy="6738828"/>
-          </a:xfrm>
-          <a:prstGeom prst="rect">
-            <a:avLst/>
-          </a:prstGeom>
-        </p:spPr>
-      </p:pic>
+            <a:r>
+              <a:rPr lang="en-US" altLang="ko-KR" smtClean="0"/>
+              <a:t>fingolimod: bind to 4 of 5 S1P receptor (S1PR1-5). concurrence of AV block in first dose </a:t>
+            </a:r>
+          </a:p>
+          <a:p>
+            <a:r>
+              <a:rPr lang="en-US" altLang="ko-KR" smtClean="0"/>
+              <a:t>need for more selective S1P inhibitor (specifically S1PR1, S1PR5), shorter half-life</a:t>
+            </a:r>
+          </a:p>
+          <a:p>
+            <a:r>
+              <a:rPr lang="en-US" altLang="ko-KR" smtClean="0"/>
+              <a:t>bind S1PR1 and S1PR5 with high selectivity, dose not require phosphorylation, shorter half-life (30 hours)</a:t>
+            </a:r>
+          </a:p>
+          <a:p>
+            <a:r>
+              <a:rPr lang="en-US" altLang="ko-KR" smtClean="0">
+                <a:solidFill>
+                  <a:srgbClr val="FFFF00"/>
+                </a:solidFill>
+              </a:rPr>
+              <a:t>10mg, 2mg, 1.25mg</a:t>
+            </a:r>
+            <a:r>
+              <a:rPr lang="en-US" altLang="ko-KR" smtClean="0"/>
+              <a:t>, 0.5mg, 0.25mg  doses were assessed in phase 2. </a:t>
+            </a:r>
+          </a:p>
+          <a:p>
+            <a:r>
+              <a:rPr lang="en-US" altLang="ko-KR" smtClean="0"/>
+              <a:t>titration: </a:t>
+            </a:r>
+            <a:r>
+              <a:rPr lang="en-US" altLang="ko-KR"/>
+              <a:t>0.25mg on day </a:t>
+            </a:r>
+            <a:r>
+              <a:rPr lang="en-US" altLang="ko-KR"/>
+              <a:t>1 </a:t>
+            </a:r>
+            <a:r>
+              <a:rPr lang="en-US" altLang="ko-KR" smtClean="0"/>
+              <a:t>, risk of bradycardia</a:t>
+            </a:r>
+            <a:r>
+              <a:rPr lang="en-US" altLang="ko-KR" smtClean="0">
+                <a:latin typeface="맑은 고딕" panose="020B0503020000020004" pitchFamily="50" charset="-127"/>
+                <a:ea typeface="맑은 고딕" panose="020B0503020000020004" pitchFamily="50" charset="-127"/>
+              </a:rPr>
+              <a:t>↓</a:t>
+            </a:r>
+            <a:r>
+              <a:rPr lang="en-US" altLang="ko-KR" smtClean="0"/>
+              <a:t>, AV block (-)</a:t>
+            </a:r>
+          </a:p>
+          <a:p>
+            <a:r>
+              <a:rPr lang="en-US" altLang="ko-KR" smtClean="0"/>
+              <a:t>SPMS: risk of disability progression at 3 and 6 months</a:t>
+            </a:r>
+            <a:r>
+              <a:rPr lang="en-US" altLang="ko-KR" smtClean="0">
+                <a:latin typeface="맑은 고딕" panose="020B0503020000020004" pitchFamily="50" charset="-127"/>
+                <a:ea typeface="맑은 고딕" panose="020B0503020000020004" pitchFamily="50" charset="-127"/>
+              </a:rPr>
+              <a:t>↓</a:t>
+            </a:r>
+            <a:r>
+              <a:rPr lang="en-US" altLang="ko-KR" smtClean="0"/>
+              <a:t>, inflammatory MRI activity, brain volume loss</a:t>
+            </a:r>
+          </a:p>
+          <a:p>
+            <a:r>
+              <a:rPr lang="en-US" altLang="ko-KR" smtClean="0"/>
+              <a:t>approved by FDA at March 2019 for Tx of CIS, RMS, SPMS</a:t>
+            </a:r>
+            <a:endParaRPr lang="ko-KR" altLang="en-US"/>
+          </a:p>
+        </p:txBody>
+      </p:sp>
     </p:spTree>
     <p:extLst>
       <p:ext uri="{BB962C8B-B14F-4D97-AF65-F5344CB8AC3E}">
-        <p14:creationId xmlns:p14="http://schemas.microsoft.com/office/powerpoint/2010/main" val="2871856668"/>
+        <p14:creationId xmlns:p14="http://schemas.microsoft.com/office/powerpoint/2010/main" val="1207060916"/>
       </p:ext>
     </p:extLst>
   </p:cSld>
@@ -5694,9 +6994,22 @@
         </p:nvSpPr>
         <p:spPr/>
         <p:txBody>
-          <a:bodyPr/>
-          <a:lstStyle/>
-          <a:p>
+          <a:bodyPr>
+            <a:normAutofit fontScale="90000"/>
+          </a:bodyPr>
+          <a:lstStyle/>
+          <a:p>
+            <a:r>
+              <a:rPr lang="en-US" altLang="ko-KR" smtClean="0"/>
+              <a:t>SIP modulator </a:t>
+            </a:r>
+            <a:br>
+              <a:rPr lang="en-US" altLang="ko-KR" smtClean="0"/>
+            </a:br>
+            <a:r>
+              <a:rPr lang="en-US" altLang="ko-KR" smtClean="0"/>
+              <a:t>Ozanimod</a:t>
+            </a:r>
             <a:endParaRPr lang="ko-KR" altLang="en-US"/>
           </a:p>
         </p:txBody>
@@ -5716,38 +7029,32 @@
           <a:bodyPr/>
           <a:lstStyle/>
           <a:p>
-            <a:endParaRPr lang="ko-KR" altLang="en-US"/>
-          </a:p>
-        </p:txBody>
-      </p:sp>
-      <p:pic>
-        <p:nvPicPr>
-          <p:cNvPr id="4" name="그림 3"/>
-          <p:cNvPicPr>
-            <a:picLocks noChangeAspect="1"/>
-          </p:cNvPicPr>
-          <p:nvPr/>
-        </p:nvPicPr>
-        <p:blipFill>
-          <a:blip r:embed="rId2"/>
-          <a:stretch>
-            <a:fillRect/>
-          </a:stretch>
-        </p:blipFill>
-        <p:spPr>
-          <a:xfrm>
-            <a:off x="647530" y="50939"/>
-            <a:ext cx="9288950" cy="6812703"/>
-          </a:xfrm>
-          <a:prstGeom prst="rect">
-            <a:avLst/>
-          </a:prstGeom>
-        </p:spPr>
-      </p:pic>
+            <a:r>
+              <a:rPr lang="en-US" altLang="ko-KR" smtClean="0"/>
+              <a:t>bind to S1PR1, S1PR5. doen't need phosphorylation</a:t>
+            </a:r>
+          </a:p>
+          <a:p>
+            <a:r>
+              <a:rPr lang="en-US" altLang="ko-KR" smtClean="0"/>
+              <a:t>half-life: 21 hours. effective half-life: 11 days (active metabolite CC112273)</a:t>
+            </a:r>
+          </a:p>
+          <a:p>
+            <a:r>
+              <a:rPr lang="en-US" altLang="ko-KR" smtClean="0"/>
+              <a:t>cumulative number of GE lesions at weeks 12-24.</a:t>
+            </a:r>
+          </a:p>
+          <a:p>
+            <a:endParaRPr lang="ko-KR" altLang="en-US"/>
+          </a:p>
+        </p:txBody>
+      </p:sp>
     </p:spTree>
     <p:extLst>
       <p:ext uri="{BB962C8B-B14F-4D97-AF65-F5344CB8AC3E}">
-        <p14:creationId xmlns:p14="http://schemas.microsoft.com/office/powerpoint/2010/main" val="3286386400"/>
+        <p14:creationId xmlns:p14="http://schemas.microsoft.com/office/powerpoint/2010/main" val="1929023745"/>
       </p:ext>
     </p:extLst>
   </p:cSld>
@@ -5786,9 +7093,22 @@
         </p:nvSpPr>
         <p:spPr/>
         <p:txBody>
-          <a:bodyPr/>
-          <a:lstStyle/>
-          <a:p>
+          <a:bodyPr>
+            <a:normAutofit fontScale="90000"/>
+          </a:bodyPr>
+          <a:lstStyle/>
+          <a:p>
+            <a:r>
+              <a:rPr lang="en-US" altLang="ko-KR" smtClean="0"/>
+              <a:t>SIP modulator </a:t>
+            </a:r>
+            <a:br>
+              <a:rPr lang="en-US" altLang="ko-KR" smtClean="0"/>
+            </a:br>
+            <a:r>
+              <a:rPr lang="en-US" altLang="ko-KR" smtClean="0"/>
+              <a:t>Ponesimod</a:t>
+            </a:r>
             <a:endParaRPr lang="ko-KR" altLang="en-US"/>
           </a:p>
         </p:txBody>
@@ -5812,34 +7132,10 @@
           </a:p>
         </p:txBody>
       </p:sp>
-      <p:pic>
-        <p:nvPicPr>
-          <p:cNvPr id="4" name="그림 3"/>
-          <p:cNvPicPr>
-            <a:picLocks noChangeAspect="1"/>
-          </p:cNvPicPr>
-          <p:nvPr/>
-        </p:nvPicPr>
-        <p:blipFill>
-          <a:blip r:embed="rId2"/>
-          <a:stretch>
-            <a:fillRect/>
-          </a:stretch>
-        </p:blipFill>
-        <p:spPr>
-          <a:xfrm>
-            <a:off x="307634" y="97079"/>
-            <a:ext cx="11745957" cy="6760921"/>
-          </a:xfrm>
-          <a:prstGeom prst="rect">
-            <a:avLst/>
-          </a:prstGeom>
-        </p:spPr>
-      </p:pic>
     </p:spTree>
     <p:extLst>
       <p:ext uri="{BB962C8B-B14F-4D97-AF65-F5344CB8AC3E}">
-        <p14:creationId xmlns:p14="http://schemas.microsoft.com/office/powerpoint/2010/main" val="3013402769"/>
+        <p14:creationId xmlns:p14="http://schemas.microsoft.com/office/powerpoint/2010/main" val="3995704789"/>
       </p:ext>
     </p:extLst>
   </p:cSld>
@@ -5878,9 +7174,22 @@
         </p:nvSpPr>
         <p:spPr/>
         <p:txBody>
-          <a:bodyPr/>
-          <a:lstStyle/>
-          <a:p>
+          <a:bodyPr>
+            <a:normAutofit fontScale="90000"/>
+          </a:bodyPr>
+          <a:lstStyle/>
+          <a:p>
+            <a:r>
+              <a:rPr lang="en-US" altLang="ko-KR" smtClean="0"/>
+              <a:t>SIP modulator </a:t>
+            </a:r>
+            <a:br>
+              <a:rPr lang="en-US" altLang="ko-KR" smtClean="0"/>
+            </a:br>
+            <a:r>
+              <a:rPr lang="en-US" altLang="ko-KR" smtClean="0"/>
+              <a:t>Amiselimod</a:t>
+            </a:r>
             <a:endParaRPr lang="ko-KR" altLang="en-US"/>
           </a:p>
         </p:txBody>
@@ -5904,34 +7213,10 @@
           </a:p>
         </p:txBody>
       </p:sp>
-      <p:pic>
-        <p:nvPicPr>
-          <p:cNvPr id="4" name="그림 3"/>
-          <p:cNvPicPr>
-            <a:picLocks noChangeAspect="1"/>
-          </p:cNvPicPr>
-          <p:nvPr/>
-        </p:nvPicPr>
-        <p:blipFill>
-          <a:blip r:embed="rId2"/>
-          <a:stretch>
-            <a:fillRect/>
-          </a:stretch>
-        </p:blipFill>
-        <p:spPr>
-          <a:xfrm>
-            <a:off x="246674" y="0"/>
-            <a:ext cx="11542284" cy="6858000"/>
-          </a:xfrm>
-          <a:prstGeom prst="rect">
-            <a:avLst/>
-          </a:prstGeom>
-        </p:spPr>
-      </p:pic>
     </p:spTree>
     <p:extLst>
       <p:ext uri="{BB962C8B-B14F-4D97-AF65-F5344CB8AC3E}">
-        <p14:creationId xmlns:p14="http://schemas.microsoft.com/office/powerpoint/2010/main" val="3378374967"/>
+        <p14:creationId xmlns:p14="http://schemas.microsoft.com/office/powerpoint/2010/main" val="930275175"/>
       </p:ext>
     </p:extLst>
   </p:cSld>
@@ -5970,9 +7255,22 @@
         </p:nvSpPr>
         <p:spPr/>
         <p:txBody>
-          <a:bodyPr/>
-          <a:lstStyle/>
-          <a:p>
+          <a:bodyPr>
+            <a:normAutofit fontScale="90000"/>
+          </a:bodyPr>
+          <a:lstStyle/>
+          <a:p>
+            <a:r>
+              <a:rPr lang="en-US" altLang="ko-KR" smtClean="0"/>
+              <a:t>SIP modulator </a:t>
+            </a:r>
+            <a:br>
+              <a:rPr lang="en-US" altLang="ko-KR" smtClean="0"/>
+            </a:br>
+            <a:r>
+              <a:rPr lang="en-US" altLang="ko-KR" smtClean="0"/>
+              <a:t>Cerelifimod and CS-0777</a:t>
+            </a:r>
             <a:endParaRPr lang="ko-KR" altLang="en-US"/>
           </a:p>
         </p:txBody>
@@ -5996,34 +7294,10 @@
           </a:p>
         </p:txBody>
       </p:sp>
-      <p:pic>
-        <p:nvPicPr>
-          <p:cNvPr id="4" name="그림 3"/>
-          <p:cNvPicPr>
-            <a:picLocks noChangeAspect="1"/>
-          </p:cNvPicPr>
-          <p:nvPr/>
-        </p:nvPicPr>
-        <p:blipFill>
-          <a:blip r:embed="rId2"/>
-          <a:stretch>
-            <a:fillRect/>
-          </a:stretch>
-        </p:blipFill>
-        <p:spPr>
-          <a:xfrm>
-            <a:off x="574274" y="89506"/>
-            <a:ext cx="10479806" cy="6739532"/>
-          </a:xfrm>
-          <a:prstGeom prst="rect">
-            <a:avLst/>
-          </a:prstGeom>
-        </p:spPr>
-      </p:pic>
     </p:spTree>
     <p:extLst>
       <p:ext uri="{BB962C8B-B14F-4D97-AF65-F5344CB8AC3E}">
-        <p14:creationId xmlns:p14="http://schemas.microsoft.com/office/powerpoint/2010/main" val="2081673413"/>
+        <p14:creationId xmlns:p14="http://schemas.microsoft.com/office/powerpoint/2010/main" val="386118301"/>
       </p:ext>
     </p:extLst>
   </p:cSld>
@@ -6065,6 +7339,10 @@
           <a:bodyPr/>
           <a:lstStyle/>
           <a:p>
+            <a:r>
+              <a:rPr lang="en-US" altLang="ko-KR" smtClean="0"/>
+              <a:t>Monomethy fumarate</a:t>
+            </a:r>
             <a:endParaRPr lang="ko-KR" altLang="en-US"/>
           </a:p>
         </p:txBody>
@@ -6088,34 +7366,10 @@
           </a:p>
         </p:txBody>
       </p:sp>
-      <p:pic>
-        <p:nvPicPr>
-          <p:cNvPr id="4" name="그림 3"/>
-          <p:cNvPicPr>
-            <a:picLocks noChangeAspect="1"/>
-          </p:cNvPicPr>
-          <p:nvPr/>
-        </p:nvPicPr>
-        <p:blipFill>
-          <a:blip r:embed="rId2"/>
-          <a:stretch>
-            <a:fillRect/>
-          </a:stretch>
-        </p:blipFill>
-        <p:spPr>
-          <a:xfrm>
-            <a:off x="0" y="1"/>
-            <a:ext cx="11257546" cy="6857999"/>
-          </a:xfrm>
-          <a:prstGeom prst="rect">
-            <a:avLst/>
-          </a:prstGeom>
-        </p:spPr>
-      </p:pic>
     </p:spTree>
     <p:extLst>
       <p:ext uri="{BB962C8B-B14F-4D97-AF65-F5344CB8AC3E}">
-        <p14:creationId xmlns:p14="http://schemas.microsoft.com/office/powerpoint/2010/main" val="408387044"/>
+        <p14:creationId xmlns:p14="http://schemas.microsoft.com/office/powerpoint/2010/main" val="414252677"/>
       </p:ext>
     </p:extLst>
   </p:cSld>
@@ -6157,6 +7411,10 @@
           <a:bodyPr/>
           <a:lstStyle/>
           <a:p>
+            <a:r>
+              <a:rPr lang="en-US" altLang="ko-KR" smtClean="0"/>
+              <a:t>Minocycline</a:t>
+            </a:r>
             <a:endParaRPr lang="ko-KR" altLang="en-US"/>
           </a:p>
         </p:txBody>
@@ -6180,73 +7438,10 @@
           </a:p>
         </p:txBody>
       </p:sp>
-      <p:grpSp>
-        <p:nvGrpSpPr>
-          <p:cNvPr id="6" name="그룹 5"/>
-          <p:cNvGrpSpPr/>
-          <p:nvPr/>
-        </p:nvGrpSpPr>
-        <p:grpSpPr>
-          <a:xfrm>
-            <a:off x="0" y="0"/>
-            <a:ext cx="8950960" cy="6857999"/>
-            <a:chOff x="0" y="1"/>
-            <a:chExt cx="8458351" cy="6566134"/>
-          </a:xfrm>
-        </p:grpSpPr>
-        <p:pic>
-          <p:nvPicPr>
-            <p:cNvPr id="4" name="그림 3"/>
-            <p:cNvPicPr>
-              <a:picLocks noChangeAspect="1"/>
-            </p:cNvPicPr>
-            <p:nvPr/>
-          </p:nvPicPr>
-          <p:blipFill>
-            <a:blip r:embed="rId2"/>
-            <a:stretch>
-              <a:fillRect/>
-            </a:stretch>
-          </p:blipFill>
-          <p:spPr>
-            <a:xfrm>
-              <a:off x="0" y="1"/>
-              <a:ext cx="8458351" cy="601867"/>
-            </a:xfrm>
-            <a:prstGeom prst="rect">
-              <a:avLst/>
-            </a:prstGeom>
-          </p:spPr>
-        </p:pic>
-        <p:pic>
-          <p:nvPicPr>
-            <p:cNvPr id="5" name="그림 4"/>
-            <p:cNvPicPr>
-              <a:picLocks noChangeAspect="1"/>
-            </p:cNvPicPr>
-            <p:nvPr/>
-          </p:nvPicPr>
-          <p:blipFill>
-            <a:blip r:embed="rId3"/>
-            <a:stretch>
-              <a:fillRect/>
-            </a:stretch>
-          </p:blipFill>
-          <p:spPr>
-            <a:xfrm>
-              <a:off x="0" y="508001"/>
-              <a:ext cx="8458351" cy="6058134"/>
-            </a:xfrm>
-            <a:prstGeom prst="rect">
-              <a:avLst/>
-            </a:prstGeom>
-          </p:spPr>
-        </p:pic>
-      </p:grpSp>
     </p:spTree>
     <p:extLst>
       <p:ext uri="{BB962C8B-B14F-4D97-AF65-F5344CB8AC3E}">
-        <p14:creationId xmlns:p14="http://schemas.microsoft.com/office/powerpoint/2010/main" val="1043929458"/>
+        <p14:creationId xmlns:p14="http://schemas.microsoft.com/office/powerpoint/2010/main" val="3018194402"/>
       </p:ext>
     </p:extLst>
   </p:cSld>

--- a/2020.12.07 유일한 임상저널리뷰.pptx
+++ b/2020.12.07 유일한 임상저널리뷰.pptx
@@ -5,10 +5,10 @@
     <p:sldMasterId id="2147483660" r:id="rId1"/>
   </p:sldMasterIdLst>
   <p:notesMasterIdLst>
-    <p:notesMasterId r:id="rId29"/>
+    <p:notesMasterId r:id="rId30"/>
   </p:notesMasterIdLst>
   <p:handoutMasterIdLst>
-    <p:handoutMasterId r:id="rId30"/>
+    <p:handoutMasterId r:id="rId31"/>
   </p:handoutMasterIdLst>
   <p:sldIdLst>
     <p:sldId id="256" r:id="rId2"/>
@@ -18,26 +18,27 @@
     <p:sldId id="355" r:id="rId6"/>
     <p:sldId id="356" r:id="rId7"/>
     <p:sldId id="357" r:id="rId8"/>
-    <p:sldId id="344" r:id="rId9"/>
-    <p:sldId id="345" r:id="rId10"/>
-    <p:sldId id="346" r:id="rId11"/>
-    <p:sldId id="347" r:id="rId12"/>
-    <p:sldId id="348" r:id="rId13"/>
-    <p:sldId id="349" r:id="rId14"/>
-    <p:sldId id="350" r:id="rId15"/>
-    <p:sldId id="351" r:id="rId16"/>
-    <p:sldId id="334" r:id="rId17"/>
-    <p:sldId id="353" r:id="rId18"/>
-    <p:sldId id="352" r:id="rId19"/>
-    <p:sldId id="335" r:id="rId20"/>
-    <p:sldId id="336" r:id="rId21"/>
-    <p:sldId id="337" r:id="rId22"/>
-    <p:sldId id="338" r:id="rId23"/>
-    <p:sldId id="339" r:id="rId24"/>
-    <p:sldId id="340" r:id="rId25"/>
-    <p:sldId id="341" r:id="rId26"/>
-    <p:sldId id="342" r:id="rId27"/>
-    <p:sldId id="306" r:id="rId28"/>
+    <p:sldId id="358" r:id="rId9"/>
+    <p:sldId id="344" r:id="rId10"/>
+    <p:sldId id="345" r:id="rId11"/>
+    <p:sldId id="346" r:id="rId12"/>
+    <p:sldId id="347" r:id="rId13"/>
+    <p:sldId id="348" r:id="rId14"/>
+    <p:sldId id="349" r:id="rId15"/>
+    <p:sldId id="350" r:id="rId16"/>
+    <p:sldId id="351" r:id="rId17"/>
+    <p:sldId id="334" r:id="rId18"/>
+    <p:sldId id="353" r:id="rId19"/>
+    <p:sldId id="352" r:id="rId20"/>
+    <p:sldId id="335" r:id="rId21"/>
+    <p:sldId id="336" r:id="rId22"/>
+    <p:sldId id="337" r:id="rId23"/>
+    <p:sldId id="338" r:id="rId24"/>
+    <p:sldId id="339" r:id="rId25"/>
+    <p:sldId id="340" r:id="rId26"/>
+    <p:sldId id="341" r:id="rId27"/>
+    <p:sldId id="342" r:id="rId28"/>
+    <p:sldId id="306" r:id="rId29"/>
   </p:sldIdLst>
   <p:sldSz cx="12192000" cy="6858000"/>
   <p:notesSz cx="9928225" cy="6797675"/>
@@ -755,6 +756,874 @@
 </p:notes>
 </file>
 
+<file path=ppt/notesSlides/notesSlide10.xml><?xml version="1.0" encoding="utf-8"?>
+<p:notes xmlns:a="http://schemas.openxmlformats.org/drawingml/2006/main" xmlns:r="http://schemas.openxmlformats.org/officeDocument/2006/relationships" xmlns:p="http://schemas.openxmlformats.org/presentationml/2006/main">
+  <p:cSld>
+    <p:spTree>
+      <p:nvGrpSpPr>
+        <p:cNvPr id="1" name=""/>
+        <p:cNvGrpSpPr/>
+        <p:nvPr/>
+      </p:nvGrpSpPr>
+      <p:grpSpPr>
+        <a:xfrm>
+          <a:off x="0" y="0"/>
+          <a:ext cx="0" cy="0"/>
+          <a:chOff x="0" y="0"/>
+          <a:chExt cx="0" cy="0"/>
+        </a:xfrm>
+      </p:grpSpPr>
+      <p:sp>
+        <p:nvSpPr>
+          <p:cNvPr id="2" name="슬라이드 이미지 개체 틀 1"/>
+          <p:cNvSpPr>
+            <a:spLocks noGrp="1" noRot="1" noChangeAspect="1"/>
+          </p:cNvSpPr>
+          <p:nvPr>
+            <p:ph type="sldImg"/>
+          </p:nvPr>
+        </p:nvSpPr>
+        <p:spPr/>
+      </p:sp>
+      <p:sp>
+        <p:nvSpPr>
+          <p:cNvPr id="3" name="슬라이드 노트 개체 틀 2"/>
+          <p:cNvSpPr>
+            <a:spLocks noGrp="1"/>
+          </p:cNvSpPr>
+          <p:nvPr>
+            <p:ph type="body" idx="1"/>
+          </p:nvPr>
+        </p:nvSpPr>
+        <p:spPr/>
+        <p:txBody>
+          <a:bodyPr/>
+          <a:lstStyle/>
+          <a:p>
+            <a:r>
+              <a:rPr lang="en-US" altLang="ko-KR" smtClean="0"/>
+              <a:t>tyrosine</a:t>
+            </a:r>
+            <a:r>
+              <a:rPr lang="en-US" altLang="ko-KR" baseline="0" smtClean="0"/>
+              <a:t> kinase</a:t>
+            </a:r>
+            <a:r>
+              <a:rPr lang="ko-KR" altLang="en-US" baseline="0" smtClean="0"/>
+              <a:t>는 기존적인 세포의 증식</a:t>
+            </a:r>
+            <a:r>
+              <a:rPr lang="en-US" altLang="ko-KR" baseline="0" smtClean="0"/>
+              <a:t>, </a:t>
+            </a:r>
+            <a:r>
+              <a:rPr lang="ko-KR" altLang="en-US" baseline="0" smtClean="0"/>
+              <a:t>분화</a:t>
+            </a:r>
+            <a:r>
+              <a:rPr lang="en-US" altLang="ko-KR" baseline="0" smtClean="0"/>
+              <a:t>, </a:t>
+            </a:r>
+            <a:r>
+              <a:rPr lang="ko-KR" altLang="en-US" baseline="0" smtClean="0"/>
+              <a:t>성장</a:t>
+            </a:r>
+            <a:r>
+              <a:rPr lang="en-US" altLang="ko-KR" baseline="0" smtClean="0"/>
+              <a:t>, </a:t>
+            </a:r>
+            <a:r>
+              <a:rPr lang="ko-KR" altLang="en-US" baseline="0" smtClean="0"/>
+              <a:t>대사등의 과정을 조절합니다</a:t>
+            </a:r>
+            <a:r>
+              <a:rPr lang="en-US" altLang="ko-KR" baseline="0" smtClean="0"/>
+              <a:t>. </a:t>
+            </a:r>
+            <a:r>
+              <a:rPr lang="ko-KR" altLang="en-US" baseline="0" smtClean="0"/>
+              <a:t>또한 </a:t>
+            </a:r>
+            <a:r>
+              <a:rPr lang="en-US" altLang="ko-KR" baseline="0" smtClean="0"/>
+              <a:t>B, T cell receptor</a:t>
+            </a:r>
+            <a:r>
+              <a:rPr lang="ko-KR" altLang="en-US" baseline="0" smtClean="0"/>
+              <a:t>의 신호전달을 매개하고 다른 면역 세포의 활성화에 관여합니다</a:t>
+            </a:r>
+            <a:r>
+              <a:rPr lang="en-US" altLang="ko-KR" baseline="0" smtClean="0"/>
+              <a:t>. Bruton's tyrosine kinase inhibitor</a:t>
+            </a:r>
+            <a:r>
+              <a:rPr lang="ko-KR" altLang="en-US" baseline="0" smtClean="0"/>
+              <a:t>인 </a:t>
+            </a:r>
+            <a:r>
+              <a:rPr lang="en-US" altLang="ko-KR" baseline="0" smtClean="0"/>
+              <a:t>evobrutinib</a:t>
+            </a:r>
+            <a:r>
+              <a:rPr lang="ko-KR" altLang="en-US" baseline="0" smtClean="0"/>
+              <a:t>을 </a:t>
+            </a:r>
+            <a:r>
+              <a:rPr lang="en-US" altLang="ko-KR" baseline="0" smtClean="0"/>
+              <a:t>267</a:t>
+            </a:r>
+            <a:r>
+              <a:rPr lang="ko-KR" altLang="en-US" baseline="0" smtClean="0"/>
+              <a:t>명의 </a:t>
+            </a:r>
+            <a:r>
+              <a:rPr lang="en-US" altLang="ko-KR" baseline="0" smtClean="0"/>
+              <a:t>RMS</a:t>
+            </a:r>
+            <a:r>
+              <a:rPr lang="ko-KR" altLang="en-US" baseline="0" smtClean="0"/>
+              <a:t>환자를 대상으로 ㅜㅌ여하여 </a:t>
+            </a:r>
+            <a:r>
+              <a:rPr lang="en-US" altLang="ko-KR" baseline="0" smtClean="0"/>
+              <a:t>placebo</a:t>
+            </a:r>
+            <a:r>
+              <a:rPr lang="ko-KR" altLang="en-US" baseline="0" smtClean="0"/>
+              <a:t>와 그리고 </a:t>
+            </a:r>
+            <a:r>
+              <a:rPr lang="en-US" altLang="ko-KR" baseline="0" smtClean="0"/>
+              <a:t>open-label</a:t>
+            </a:r>
+            <a:r>
+              <a:rPr lang="ko-KR" altLang="en-US" baseline="0" smtClean="0"/>
+              <a:t>로 </a:t>
+            </a:r>
+            <a:r>
+              <a:rPr lang="en-US" altLang="ko-KR" baseline="0" smtClean="0"/>
+              <a:t>dimethyl fumarate</a:t>
+            </a:r>
+            <a:r>
+              <a:rPr lang="ko-KR" altLang="en-US" baseline="0" smtClean="0"/>
+              <a:t>와 비교하는 연구가 진행됐고 </a:t>
+            </a:r>
+            <a:r>
+              <a:rPr lang="en-US" altLang="ko-KR" baseline="0" smtClean="0"/>
+              <a:t>12</a:t>
+            </a:r>
+            <a:r>
+              <a:rPr lang="ko-KR" altLang="en-US" baseline="0" smtClean="0"/>
+              <a:t>주에서 </a:t>
+            </a:r>
+            <a:r>
+              <a:rPr lang="en-US" altLang="ko-KR" baseline="0" smtClean="0"/>
+              <a:t>24</a:t>
+            </a:r>
+            <a:r>
+              <a:rPr lang="ko-KR" altLang="en-US" baseline="0" smtClean="0"/>
+              <a:t>주째까지는 </a:t>
+            </a:r>
+            <a:r>
+              <a:rPr lang="en-US" altLang="ko-KR" baseline="0" smtClean="0"/>
+              <a:t>primary end point</a:t>
+            </a:r>
+            <a:r>
+              <a:rPr lang="ko-KR" altLang="en-US" baseline="0" smtClean="0"/>
+              <a:t>인 가돌리늄 조영증강 병변감소가 확인됐는데 </a:t>
+            </a:r>
+            <a:r>
+              <a:rPr lang="en-US" altLang="ko-KR" baseline="0" smtClean="0"/>
+              <a:t>test</a:t>
+            </a:r>
+            <a:r>
+              <a:rPr lang="ko-KR" altLang="en-US" baseline="0" smtClean="0"/>
+              <a:t>가 진행된 </a:t>
+            </a:r>
+            <a:r>
+              <a:rPr lang="en-US" altLang="ko-KR" baseline="0" smtClean="0"/>
+              <a:t>3</a:t>
+            </a:r>
+            <a:r>
+              <a:rPr lang="ko-KR" altLang="en-US" baseline="0" smtClean="0"/>
+              <a:t>개 용량 중 </a:t>
+            </a:r>
+            <a:r>
+              <a:rPr lang="en-US" altLang="ko-KR" baseline="0" smtClean="0"/>
+              <a:t>75mg</a:t>
+            </a:r>
+            <a:r>
+              <a:rPr lang="ko-KR" altLang="en-US" baseline="0" smtClean="0"/>
+              <a:t>을 투여하는 군에서만 확인되었습니다</a:t>
+            </a:r>
+            <a:r>
+              <a:rPr lang="en-US" altLang="ko-KR" baseline="0" smtClean="0"/>
+              <a:t>. </a:t>
+            </a:r>
+            <a:r>
+              <a:rPr lang="ko-KR" altLang="en-US" baseline="0" smtClean="0"/>
+              <a:t>하지만 </a:t>
+            </a:r>
+            <a:r>
+              <a:rPr lang="en-US" altLang="ko-KR" baseline="0" smtClean="0"/>
+              <a:t>ARR</a:t>
+            </a:r>
+            <a:r>
+              <a:rPr lang="ko-KR" altLang="en-US" baseline="0" smtClean="0"/>
+              <a:t>이나 </a:t>
+            </a:r>
+            <a:r>
+              <a:rPr lang="en-US" altLang="ko-KR" baseline="0" smtClean="0"/>
+              <a:t>disability</a:t>
+            </a:r>
+            <a:r>
+              <a:rPr lang="ko-KR" altLang="en-US" baseline="0" smtClean="0"/>
+              <a:t>의 진행에는 효과가 없는것으로 나타났습니다</a:t>
+            </a:r>
+            <a:r>
+              <a:rPr lang="en-US" altLang="ko-KR" baseline="0" smtClean="0"/>
+              <a:t>. </a:t>
+            </a:r>
+            <a:r>
+              <a:rPr lang="ko-KR" altLang="en-US" baseline="0" smtClean="0"/>
+              <a:t>이러한 </a:t>
+            </a:r>
+            <a:r>
+              <a:rPr lang="en-US" altLang="ko-KR" baseline="0" smtClean="0"/>
+              <a:t>2</a:t>
+            </a:r>
+            <a:r>
+              <a:rPr lang="ko-KR" altLang="en-US" baseline="0" smtClean="0"/>
+              <a:t>상에서의 긍정적 효과를 가지고 </a:t>
+            </a:r>
+            <a:r>
+              <a:rPr lang="en-US" altLang="ko-KR" baseline="0" smtClean="0"/>
+              <a:t>2</a:t>
+            </a:r>
+            <a:r>
+              <a:rPr lang="ko-KR" altLang="en-US" baseline="0" smtClean="0"/>
+              <a:t>개의 </a:t>
+            </a:r>
+            <a:r>
+              <a:rPr lang="en-US" altLang="ko-KR" baseline="0" smtClean="0"/>
+              <a:t>3</a:t>
+            </a:r>
+            <a:r>
+              <a:rPr lang="ko-KR" altLang="en-US" baseline="0" smtClean="0"/>
+              <a:t>상시험이 시작되었습니다</a:t>
+            </a:r>
+            <a:r>
+              <a:rPr lang="en-US" altLang="ko-KR" baseline="0" smtClean="0"/>
+              <a:t>. </a:t>
+            </a:r>
+            <a:endParaRPr lang="ko-KR" altLang="en-US"/>
+          </a:p>
+        </p:txBody>
+      </p:sp>
+      <p:sp>
+        <p:nvSpPr>
+          <p:cNvPr id="4" name="슬라이드 번호 개체 틀 3"/>
+          <p:cNvSpPr>
+            <a:spLocks noGrp="1"/>
+          </p:cNvSpPr>
+          <p:nvPr>
+            <p:ph type="sldNum" sz="quarter" idx="10"/>
+          </p:nvPr>
+        </p:nvSpPr>
+        <p:spPr/>
+        <p:txBody>
+          <a:bodyPr/>
+          <a:lstStyle/>
+          <a:p>
+            <a:fld id="{5300484B-27A3-436C-B9FA-AB9E74CF67CC}" type="slidenum">
+              <a:rPr lang="ko-KR" altLang="en-US" smtClean="0"/>
+              <a:t>11</a:t>
+            </a:fld>
+            <a:endParaRPr lang="ko-KR" altLang="en-US"/>
+          </a:p>
+        </p:txBody>
+      </p:sp>
+    </p:spTree>
+    <p:extLst>
+      <p:ext uri="{BB962C8B-B14F-4D97-AF65-F5344CB8AC3E}">
+        <p14:creationId xmlns:p14="http://schemas.microsoft.com/office/powerpoint/2010/main" val="4276947607"/>
+      </p:ext>
+    </p:extLst>
+  </p:cSld>
+  <p:clrMapOvr>
+    <a:masterClrMapping/>
+  </p:clrMapOvr>
+</p:notes>
+</file>
+
+<file path=ppt/notesSlides/notesSlide11.xml><?xml version="1.0" encoding="utf-8"?>
+<p:notes xmlns:a="http://schemas.openxmlformats.org/drawingml/2006/main" xmlns:r="http://schemas.openxmlformats.org/officeDocument/2006/relationships" xmlns:p="http://schemas.openxmlformats.org/presentationml/2006/main">
+  <p:cSld>
+    <p:spTree>
+      <p:nvGrpSpPr>
+        <p:cNvPr id="1" name=""/>
+        <p:cNvGrpSpPr/>
+        <p:nvPr/>
+      </p:nvGrpSpPr>
+      <p:grpSpPr>
+        <a:xfrm>
+          <a:off x="0" y="0"/>
+          <a:ext cx="0" cy="0"/>
+          <a:chOff x="0" y="0"/>
+          <a:chExt cx="0" cy="0"/>
+        </a:xfrm>
+      </p:grpSpPr>
+      <p:sp>
+        <p:nvSpPr>
+          <p:cNvPr id="2" name="슬라이드 이미지 개체 틀 1"/>
+          <p:cNvSpPr>
+            <a:spLocks noGrp="1" noRot="1" noChangeAspect="1"/>
+          </p:cNvSpPr>
+          <p:nvPr>
+            <p:ph type="sldImg"/>
+          </p:nvPr>
+        </p:nvSpPr>
+        <p:spPr/>
+      </p:sp>
+      <p:sp>
+        <p:nvSpPr>
+          <p:cNvPr id="3" name="슬라이드 노트 개체 틀 2"/>
+          <p:cNvSpPr>
+            <a:spLocks noGrp="1"/>
+          </p:cNvSpPr>
+          <p:nvPr>
+            <p:ph type="body" idx="1"/>
+          </p:nvPr>
+        </p:nvSpPr>
+        <p:spPr/>
+        <p:txBody>
+          <a:bodyPr/>
+          <a:lstStyle/>
+          <a:p>
+            <a:r>
+              <a:rPr lang="en-US" altLang="ko-KR" smtClean="0"/>
+              <a:t>RMS</a:t>
+            </a:r>
+            <a:r>
+              <a:rPr lang="ko-KR" altLang="en-US" smtClean="0"/>
+              <a:t>를 대상으로 한 </a:t>
+            </a:r>
+            <a:r>
+              <a:rPr lang="en-US" altLang="ko-KR" smtClean="0"/>
+              <a:t>3</a:t>
+            </a:r>
+            <a:r>
+              <a:rPr lang="ko-KR" altLang="en-US" smtClean="0"/>
+              <a:t>상 시험에서는 재발감소와 </a:t>
+            </a:r>
+            <a:r>
+              <a:rPr lang="en-US" altLang="ko-KR" smtClean="0"/>
+              <a:t>MRI inflammation</a:t>
+            </a:r>
+            <a:r>
+              <a:rPr lang="ko-KR" altLang="en-US" smtClean="0"/>
+              <a:t>의 측면에서 </a:t>
+            </a:r>
+            <a:r>
+              <a:rPr lang="en-US" altLang="ko-KR" smtClean="0"/>
+              <a:t>conflicting</a:t>
+            </a:r>
+            <a:r>
+              <a:rPr lang="ko-KR" altLang="en-US" smtClean="0"/>
+              <a:t>한 결과가 나왔습니다</a:t>
+            </a:r>
+            <a:r>
+              <a:rPr lang="en-US" altLang="ko-KR" smtClean="0"/>
+              <a:t>. </a:t>
+            </a:r>
+            <a:r>
+              <a:rPr lang="ko-KR" altLang="en-US" smtClean="0"/>
+              <a:t>그리고 다른 </a:t>
+            </a:r>
+            <a:r>
+              <a:rPr lang="en-US" altLang="ko-KR" smtClean="0"/>
+              <a:t>3</a:t>
+            </a:r>
+            <a:r>
+              <a:rPr lang="ko-KR" altLang="en-US" smtClean="0"/>
+              <a:t>상 시험인 </a:t>
+            </a:r>
+            <a:r>
+              <a:rPr lang="en-US" altLang="ko-KR" smtClean="0"/>
+              <a:t>concerto</a:t>
+            </a:r>
+            <a:r>
+              <a:rPr lang="ko-KR" altLang="en-US" smtClean="0"/>
+              <a:t>연구에서는 </a:t>
+            </a:r>
+            <a:r>
+              <a:rPr lang="en-US" altLang="ko-KR" smtClean="0"/>
+              <a:t>3</a:t>
+            </a:r>
+            <a:r>
+              <a:rPr lang="ko-KR" altLang="en-US" smtClean="0"/>
+              <a:t>개월째의 장애</a:t>
+            </a:r>
+            <a:r>
+              <a:rPr lang="ko-KR" altLang="en-US" baseline="0" smtClean="0"/>
+              <a:t> 진행을 감소시키는지를 평가했을때 기준을 만족하지 못했습니다</a:t>
+            </a:r>
+            <a:r>
+              <a:rPr lang="en-US" altLang="ko-KR" baseline="0" smtClean="0"/>
+              <a:t>.</a:t>
+            </a:r>
+          </a:p>
+          <a:p>
+            <a:r>
+              <a:rPr lang="en-US" altLang="ko-KR" baseline="0" smtClean="0"/>
+              <a:t>PPMS</a:t>
+            </a:r>
+            <a:r>
+              <a:rPr lang="ko-KR" altLang="en-US" baseline="0" smtClean="0"/>
+              <a:t>를 대상으로 한 </a:t>
+            </a:r>
+            <a:r>
+              <a:rPr lang="en-US" altLang="ko-KR" baseline="0" smtClean="0"/>
+              <a:t>2</a:t>
+            </a:r>
+            <a:r>
+              <a:rPr lang="ko-KR" altLang="en-US" baseline="0" smtClean="0"/>
+              <a:t>개의 </a:t>
+            </a:r>
+            <a:r>
+              <a:rPr lang="en-US" altLang="ko-KR" baseline="0" smtClean="0"/>
+              <a:t>2</a:t>
+            </a:r>
+            <a:r>
+              <a:rPr lang="ko-KR" altLang="en-US" baseline="0" smtClean="0"/>
+              <a:t>상시험에서는 </a:t>
+            </a:r>
+            <a:r>
+              <a:rPr lang="en-US" altLang="ko-KR" baseline="0" smtClean="0"/>
+              <a:t>brain volume loss</a:t>
+            </a:r>
+            <a:r>
+              <a:rPr lang="ko-KR" altLang="en-US" baseline="0" smtClean="0"/>
+              <a:t>감소의 </a:t>
+            </a:r>
+            <a:r>
+              <a:rPr lang="en-US" altLang="ko-KR" baseline="0" smtClean="0"/>
+              <a:t>primary endpoint</a:t>
+            </a:r>
+            <a:r>
+              <a:rPr lang="ko-KR" altLang="en-US" baseline="0" smtClean="0"/>
+              <a:t>를 만족하지 못했습니다</a:t>
+            </a:r>
+            <a:r>
+              <a:rPr lang="en-US" altLang="ko-KR" baseline="0" smtClean="0"/>
+              <a:t>.  </a:t>
+            </a:r>
+            <a:endParaRPr lang="ko-KR" altLang="en-US"/>
+          </a:p>
+        </p:txBody>
+      </p:sp>
+      <p:sp>
+        <p:nvSpPr>
+          <p:cNvPr id="4" name="슬라이드 번호 개체 틀 3"/>
+          <p:cNvSpPr>
+            <a:spLocks noGrp="1"/>
+          </p:cNvSpPr>
+          <p:nvPr>
+            <p:ph type="sldNum" sz="quarter" idx="10"/>
+          </p:nvPr>
+        </p:nvSpPr>
+        <p:spPr/>
+        <p:txBody>
+          <a:bodyPr/>
+          <a:lstStyle/>
+          <a:p>
+            <a:fld id="{5300484B-27A3-436C-B9FA-AB9E74CF67CC}" type="slidenum">
+              <a:rPr lang="ko-KR" altLang="en-US" smtClean="0"/>
+              <a:t>12</a:t>
+            </a:fld>
+            <a:endParaRPr lang="ko-KR" altLang="en-US"/>
+          </a:p>
+        </p:txBody>
+      </p:sp>
+    </p:spTree>
+    <p:extLst>
+      <p:ext uri="{BB962C8B-B14F-4D97-AF65-F5344CB8AC3E}">
+        <p14:creationId xmlns:p14="http://schemas.microsoft.com/office/powerpoint/2010/main" val="511823852"/>
+      </p:ext>
+    </p:extLst>
+  </p:cSld>
+  <p:clrMapOvr>
+    <a:masterClrMapping/>
+  </p:clrMapOvr>
+</p:notes>
+</file>
+
+<file path=ppt/notesSlides/notesSlide12.xml><?xml version="1.0" encoding="utf-8"?>
+<p:notes xmlns:a="http://schemas.openxmlformats.org/drawingml/2006/main" xmlns:r="http://schemas.openxmlformats.org/officeDocument/2006/relationships" xmlns:p="http://schemas.openxmlformats.org/presentationml/2006/main">
+  <p:cSld>
+    <p:spTree>
+      <p:nvGrpSpPr>
+        <p:cNvPr id="1" name=""/>
+        <p:cNvGrpSpPr/>
+        <p:nvPr/>
+      </p:nvGrpSpPr>
+      <p:grpSpPr>
+        <a:xfrm>
+          <a:off x="0" y="0"/>
+          <a:ext cx="0" cy="0"/>
+          <a:chOff x="0" y="0"/>
+          <a:chExt cx="0" cy="0"/>
+        </a:xfrm>
+      </p:grpSpPr>
+      <p:sp>
+        <p:nvSpPr>
+          <p:cNvPr id="2" name="슬라이드 이미지 개체 틀 1"/>
+          <p:cNvSpPr>
+            <a:spLocks noGrp="1" noRot="1" noChangeAspect="1"/>
+          </p:cNvSpPr>
+          <p:nvPr>
+            <p:ph type="sldImg"/>
+          </p:nvPr>
+        </p:nvSpPr>
+        <p:spPr/>
+      </p:sp>
+      <p:sp>
+        <p:nvSpPr>
+          <p:cNvPr id="3" name="슬라이드 노트 개체 틀 2"/>
+          <p:cNvSpPr>
+            <a:spLocks noGrp="1"/>
+          </p:cNvSpPr>
+          <p:nvPr>
+            <p:ph type="body" idx="1"/>
+          </p:nvPr>
+        </p:nvSpPr>
+        <p:spPr/>
+        <p:txBody>
+          <a:bodyPr/>
+          <a:lstStyle/>
+          <a:p>
+            <a:r>
+              <a:rPr lang="en-US" altLang="ko-KR" smtClean="0"/>
+              <a:t>siponimod, amiselimod, ozanimod </a:t>
+            </a:r>
+            <a:r>
+              <a:rPr lang="ko-KR" altLang="en-US" smtClean="0"/>
+              <a:t>모두 </a:t>
+            </a:r>
+            <a:r>
+              <a:rPr lang="en-US" altLang="ko-KR" smtClean="0"/>
+              <a:t>selective</a:t>
+            </a:r>
+            <a:r>
+              <a:rPr lang="ko-KR" altLang="en-US" smtClean="0"/>
+              <a:t>한 </a:t>
+            </a:r>
+            <a:r>
+              <a:rPr lang="en-US" altLang="ko-KR" smtClean="0"/>
+              <a:t>S1PR modulator</a:t>
+            </a:r>
+            <a:r>
+              <a:rPr lang="ko-KR" altLang="en-US" smtClean="0"/>
+              <a:t>이므로 </a:t>
+            </a:r>
+            <a:r>
+              <a:rPr lang="en-US" altLang="ko-KR" smtClean="0"/>
+              <a:t>cardiac side effect</a:t>
+            </a:r>
+            <a:r>
+              <a:rPr lang="ko-KR" altLang="en-US" smtClean="0"/>
+              <a:t>가 덜 생기고 </a:t>
+            </a:r>
+            <a:r>
+              <a:rPr lang="en-US" altLang="ko-KR" smtClean="0"/>
+              <a:t>siponimod</a:t>
+            </a:r>
+            <a:r>
+              <a:rPr lang="ko-KR" altLang="en-US" smtClean="0"/>
+              <a:t>는 </a:t>
+            </a:r>
+            <a:r>
+              <a:rPr lang="en-US" altLang="ko-KR" smtClean="0"/>
+              <a:t>dose-titration</a:t>
+            </a:r>
+            <a:r>
+              <a:rPr lang="en-US" altLang="ko-KR" baseline="0" smtClean="0"/>
+              <a:t> regimen</a:t>
+            </a:r>
+            <a:r>
+              <a:rPr lang="ko-KR" altLang="en-US" baseline="0" smtClean="0"/>
+              <a:t>을 사용한다면 이전에 심장질환을 갖고있지 않았다면 처음 투여시에 </a:t>
+            </a:r>
+            <a:r>
+              <a:rPr lang="en-US" altLang="ko-KR" baseline="0" smtClean="0"/>
+              <a:t>monitoring</a:t>
+            </a:r>
+            <a:r>
+              <a:rPr lang="ko-KR" altLang="en-US" baseline="0" smtClean="0"/>
+              <a:t>이 필요없습니다</a:t>
+            </a:r>
+            <a:r>
+              <a:rPr lang="en-US" altLang="ko-KR" baseline="0" smtClean="0"/>
+              <a:t>. BTK inhibitor</a:t>
+            </a:r>
+            <a:r>
+              <a:rPr lang="ko-KR" altLang="en-US" baseline="0" smtClean="0"/>
+              <a:t>는 </a:t>
+            </a:r>
+            <a:r>
+              <a:rPr lang="en-US" altLang="ko-KR" baseline="0" smtClean="0"/>
+              <a:t>MS</a:t>
+            </a:r>
+            <a:r>
+              <a:rPr lang="ko-KR" altLang="en-US" baseline="0" smtClean="0"/>
+              <a:t>치료에 새로운 기전을 제시하여 </a:t>
+            </a:r>
+            <a:r>
+              <a:rPr lang="en-US" altLang="ko-KR" baseline="0" smtClean="0"/>
+              <a:t>combination therapy</a:t>
+            </a:r>
+            <a:r>
+              <a:rPr lang="ko-KR" altLang="en-US" baseline="0" smtClean="0"/>
+              <a:t>로 사용될 수 있을 것이고 현재 </a:t>
+            </a:r>
+            <a:r>
+              <a:rPr lang="en-US" altLang="ko-KR" baseline="0" smtClean="0"/>
+              <a:t>ponesimod, dimethyl fumarate</a:t>
+            </a:r>
+            <a:r>
+              <a:rPr lang="ko-KR" altLang="en-US" baseline="0" smtClean="0"/>
+              <a:t>와의 병합요법에 대해 연구중에 있습니다</a:t>
+            </a:r>
+            <a:r>
+              <a:rPr lang="en-US" altLang="ko-KR" baseline="0" smtClean="0"/>
+              <a:t>. </a:t>
+            </a:r>
+          </a:p>
+          <a:p>
+            <a:r>
+              <a:rPr lang="en-US" altLang="ko-KR" smtClean="0"/>
+              <a:t>MS</a:t>
+            </a:r>
+            <a:r>
+              <a:rPr lang="ko-KR" altLang="en-US" smtClean="0"/>
+              <a:t>의 경구약제를 정하는데 있어서 이전에 갖고있던 질환</a:t>
+            </a:r>
+            <a:r>
+              <a:rPr lang="en-US" altLang="ko-KR" smtClean="0"/>
+              <a:t>, </a:t>
+            </a:r>
+            <a:r>
+              <a:rPr lang="ko-KR" altLang="en-US" smtClean="0"/>
+              <a:t>장애정도</a:t>
+            </a:r>
+            <a:r>
+              <a:rPr lang="en-US" altLang="ko-KR" smtClean="0"/>
+              <a:t>, </a:t>
+            </a:r>
+            <a:r>
+              <a:rPr lang="ko-KR" altLang="en-US" smtClean="0"/>
+              <a:t>이전에 어떤 </a:t>
+            </a:r>
+            <a:r>
+              <a:rPr lang="en-US" altLang="ko-KR" smtClean="0"/>
+              <a:t>DMT</a:t>
+            </a:r>
+            <a:r>
+              <a:rPr lang="ko-KR" altLang="en-US" smtClean="0"/>
+              <a:t>를 사용했는지</a:t>
+            </a:r>
+            <a:r>
+              <a:rPr lang="en-US" altLang="ko-KR" smtClean="0"/>
+              <a:t>, </a:t>
+            </a:r>
+            <a:r>
+              <a:rPr lang="ko-KR" altLang="en-US" smtClean="0"/>
+              <a:t>다른 동반질환</a:t>
+            </a:r>
+            <a:r>
+              <a:rPr lang="en-US" altLang="ko-KR" smtClean="0"/>
+              <a:t>, </a:t>
+            </a:r>
+            <a:r>
+              <a:rPr lang="ko-KR" altLang="en-US" smtClean="0"/>
+              <a:t>나이</a:t>
+            </a:r>
+            <a:r>
+              <a:rPr lang="en-US" altLang="ko-KR" smtClean="0"/>
+              <a:t>, </a:t>
+            </a:r>
+            <a:r>
+              <a:rPr lang="ko-KR" altLang="en-US" smtClean="0"/>
+              <a:t>임신가능성</a:t>
+            </a:r>
+            <a:r>
+              <a:rPr lang="en-US" altLang="ko-KR" smtClean="0"/>
+              <a:t>, </a:t>
+            </a:r>
+            <a:r>
+              <a:rPr lang="ko-KR" altLang="en-US" smtClean="0"/>
+              <a:t>림프구나 </a:t>
+            </a:r>
+            <a:r>
+              <a:rPr lang="en-US" altLang="ko-KR" smtClean="0"/>
+              <a:t>Ig</a:t>
+            </a:r>
+            <a:r>
+              <a:rPr lang="ko-KR" altLang="en-US" smtClean="0"/>
+              <a:t>결핍과 같은 면역이상여부가 치료에 영향을 미칩니다</a:t>
+            </a:r>
+            <a:r>
+              <a:rPr lang="en-US" altLang="ko-KR" smtClean="0"/>
+              <a:t>. </a:t>
+            </a:r>
+            <a:r>
+              <a:rPr lang="ko-KR" altLang="en-US" smtClean="0"/>
+              <a:t>아직까지는 어떤 치료법이 최고의 치료법인지 밝혀져 있지 않은데 현재 모집중인 </a:t>
+            </a:r>
+            <a:r>
+              <a:rPr lang="en-US" altLang="ko-KR" smtClean="0"/>
+              <a:t>DELIVER-MS trial</a:t>
+            </a:r>
+            <a:r>
+              <a:rPr lang="ko-KR" altLang="en-US" smtClean="0"/>
+              <a:t>이 처음부터 강한 효력의 약을 쓰는 경우와 단계를 올리는 </a:t>
+            </a:r>
+            <a:r>
+              <a:rPr lang="en-US" altLang="ko-KR" smtClean="0"/>
+              <a:t>escalating</a:t>
+            </a:r>
+            <a:r>
+              <a:rPr lang="ko-KR" altLang="en-US" smtClean="0"/>
+              <a:t>치료 중 어떤것이 나은지에 대해서 어느정도 해답을 줄 것입니다</a:t>
+            </a:r>
+            <a:r>
+              <a:rPr lang="en-US" altLang="ko-KR" smtClean="0"/>
+              <a:t>. </a:t>
+            </a:r>
+            <a:endParaRPr lang="ko-KR" altLang="en-US"/>
+          </a:p>
+        </p:txBody>
+      </p:sp>
+      <p:sp>
+        <p:nvSpPr>
+          <p:cNvPr id="4" name="슬라이드 번호 개체 틀 3"/>
+          <p:cNvSpPr>
+            <a:spLocks noGrp="1"/>
+          </p:cNvSpPr>
+          <p:nvPr>
+            <p:ph type="sldNum" sz="quarter" idx="10"/>
+          </p:nvPr>
+        </p:nvSpPr>
+        <p:spPr/>
+        <p:txBody>
+          <a:bodyPr/>
+          <a:lstStyle/>
+          <a:p>
+            <a:fld id="{5300484B-27A3-436C-B9FA-AB9E74CF67CC}" type="slidenum">
+              <a:rPr lang="ko-KR" altLang="en-US" smtClean="0"/>
+              <a:t>13</a:t>
+            </a:fld>
+            <a:endParaRPr lang="ko-KR" altLang="en-US"/>
+          </a:p>
+        </p:txBody>
+      </p:sp>
+    </p:spTree>
+    <p:extLst>
+      <p:ext uri="{BB962C8B-B14F-4D97-AF65-F5344CB8AC3E}">
+        <p14:creationId xmlns:p14="http://schemas.microsoft.com/office/powerpoint/2010/main" val="1924279613"/>
+      </p:ext>
+    </p:extLst>
+  </p:cSld>
+  <p:clrMapOvr>
+    <a:masterClrMapping/>
+  </p:clrMapOvr>
+</p:notes>
+</file>
+
+<file path=ppt/notesSlides/notesSlide13.xml><?xml version="1.0" encoding="utf-8"?>
+<p:notes xmlns:a="http://schemas.openxmlformats.org/drawingml/2006/main" xmlns:r="http://schemas.openxmlformats.org/officeDocument/2006/relationships" xmlns:p="http://schemas.openxmlformats.org/presentationml/2006/main">
+  <p:cSld>
+    <p:spTree>
+      <p:nvGrpSpPr>
+        <p:cNvPr id="1" name=""/>
+        <p:cNvGrpSpPr/>
+        <p:nvPr/>
+      </p:nvGrpSpPr>
+      <p:grpSpPr>
+        <a:xfrm>
+          <a:off x="0" y="0"/>
+          <a:ext cx="0" cy="0"/>
+          <a:chOff x="0" y="0"/>
+          <a:chExt cx="0" cy="0"/>
+        </a:xfrm>
+      </p:grpSpPr>
+      <p:sp>
+        <p:nvSpPr>
+          <p:cNvPr id="2" name="슬라이드 이미지 개체 틀 1"/>
+          <p:cNvSpPr>
+            <a:spLocks noGrp="1" noRot="1" noChangeAspect="1"/>
+          </p:cNvSpPr>
+          <p:nvPr>
+            <p:ph type="sldImg"/>
+          </p:nvPr>
+        </p:nvSpPr>
+        <p:spPr/>
+      </p:sp>
+      <p:sp>
+        <p:nvSpPr>
+          <p:cNvPr id="3" name="슬라이드 노트 개체 틀 2"/>
+          <p:cNvSpPr>
+            <a:spLocks noGrp="1"/>
+          </p:cNvSpPr>
+          <p:nvPr>
+            <p:ph type="body" idx="1"/>
+          </p:nvPr>
+        </p:nvSpPr>
+        <p:spPr/>
+        <p:txBody>
+          <a:bodyPr/>
+          <a:lstStyle/>
+          <a:p>
+            <a:endParaRPr lang="ko-KR" altLang="en-US"/>
+          </a:p>
+        </p:txBody>
+      </p:sp>
+      <p:sp>
+        <p:nvSpPr>
+          <p:cNvPr id="4" name="슬라이드 번호 개체 틀 3"/>
+          <p:cNvSpPr>
+            <a:spLocks noGrp="1"/>
+          </p:cNvSpPr>
+          <p:nvPr>
+            <p:ph type="sldNum" sz="quarter" idx="10"/>
+          </p:nvPr>
+        </p:nvSpPr>
+        <p:spPr/>
+        <p:txBody>
+          <a:bodyPr/>
+          <a:lstStyle/>
+          <a:p>
+            <a:fld id="{5300484B-27A3-436C-B9FA-AB9E74CF67CC}" type="slidenum">
+              <a:rPr lang="ko-KR" altLang="en-US" smtClean="0"/>
+              <a:t>28</a:t>
+            </a:fld>
+            <a:endParaRPr lang="ko-KR" altLang="en-US"/>
+          </a:p>
+        </p:txBody>
+      </p:sp>
+    </p:spTree>
+    <p:extLst>
+      <p:ext uri="{BB962C8B-B14F-4D97-AF65-F5344CB8AC3E}">
+        <p14:creationId xmlns:p14="http://schemas.microsoft.com/office/powerpoint/2010/main" val="2814439431"/>
+      </p:ext>
+    </p:extLst>
+  </p:cSld>
+  <p:clrMapOvr>
+    <a:masterClrMapping/>
+  </p:clrMapOvr>
+</p:notes>
+</file>
+
 <file path=ppt/notesSlides/notesSlide2.xml><?xml version="1.0" encoding="utf-8"?>
 <p:notes xmlns:a="http://schemas.openxmlformats.org/drawingml/2006/main" xmlns:r="http://schemas.openxmlformats.org/officeDocument/2006/relationships" xmlns:p="http://schemas.openxmlformats.org/presentationml/2006/main">
   <p:cSld>
@@ -1122,7 +1991,284 @@
           <a:bodyPr/>
           <a:lstStyle/>
           <a:p>
-            <a:endParaRPr lang="en-US" altLang="ko-KR" baseline="0" smtClean="0"/>
+            <a:r>
+              <a:rPr lang="en-US" altLang="ko-KR" baseline="0" smtClean="0"/>
+              <a:t>ozanimod</a:t>
+            </a:r>
+            <a:r>
+              <a:rPr lang="ko-KR" altLang="en-US" baseline="0" smtClean="0"/>
+              <a:t>또한 </a:t>
+            </a:r>
+            <a:r>
+              <a:rPr lang="en-US" altLang="ko-KR" baseline="0" smtClean="0"/>
+              <a:t>siponimod</a:t>
+            </a:r>
+            <a:r>
+              <a:rPr lang="ko-KR" altLang="en-US" baseline="0" smtClean="0"/>
+              <a:t>와 마찬가지로 </a:t>
+            </a:r>
+            <a:r>
+              <a:rPr lang="en-US" altLang="ko-KR" baseline="0" smtClean="0"/>
+              <a:t>S1P receptor 1</a:t>
+            </a:r>
+            <a:r>
+              <a:rPr lang="ko-KR" altLang="en-US" baseline="0" smtClean="0"/>
+              <a:t>과 </a:t>
+            </a:r>
+            <a:r>
+              <a:rPr lang="en-US" altLang="ko-KR" baseline="0" smtClean="0"/>
+              <a:t>5</a:t>
+            </a:r>
+            <a:r>
+              <a:rPr lang="ko-KR" altLang="en-US" baseline="0" smtClean="0"/>
+              <a:t>에 붙고 인산화가 필요없습니다</a:t>
+            </a:r>
+            <a:r>
+              <a:rPr lang="en-US" altLang="ko-KR" baseline="0" smtClean="0"/>
+              <a:t>. </a:t>
+            </a:r>
+            <a:r>
+              <a:rPr lang="ko-KR" altLang="en-US" baseline="0" smtClean="0"/>
+              <a:t>반감기는 약 </a:t>
+            </a:r>
+            <a:r>
+              <a:rPr lang="en-US" altLang="ko-KR" baseline="0" smtClean="0"/>
+              <a:t>21</a:t>
+            </a:r>
+            <a:r>
+              <a:rPr lang="ko-KR" altLang="en-US" baseline="0" smtClean="0"/>
+              <a:t>시간이지만 주된 활성화대사물인 </a:t>
+            </a:r>
+            <a:r>
+              <a:rPr lang="en-US" altLang="ko-KR" baseline="0" smtClean="0"/>
+              <a:t>CC112273</a:t>
+            </a:r>
+            <a:r>
+              <a:rPr lang="ko-KR" altLang="en-US" baseline="0" smtClean="0"/>
+              <a:t>때문에 실제로 작용하는 시간의 반감기는 </a:t>
+            </a:r>
+            <a:r>
+              <a:rPr lang="en-US" altLang="ko-KR" baseline="0" smtClean="0"/>
+              <a:t>11</a:t>
+            </a:r>
+            <a:r>
+              <a:rPr lang="ko-KR" altLang="en-US" baseline="0" smtClean="0"/>
+              <a:t>일입니다</a:t>
+            </a:r>
+            <a:r>
+              <a:rPr lang="en-US" altLang="ko-KR" baseline="0" smtClean="0"/>
+              <a:t>. RRMS</a:t>
+            </a:r>
+            <a:r>
+              <a:rPr lang="ko-KR" altLang="en-US" baseline="0" smtClean="0"/>
+              <a:t>에서는 </a:t>
+            </a:r>
+            <a:r>
+              <a:rPr lang="en-US" altLang="ko-KR" baseline="0" smtClean="0"/>
+              <a:t>ozanimod</a:t>
+            </a:r>
+            <a:r>
+              <a:rPr lang="ko-KR" altLang="en-US" baseline="0" smtClean="0"/>
+              <a:t>로 치료했을때 </a:t>
+            </a:r>
+            <a:r>
+              <a:rPr lang="en-US" altLang="ko-KR" baseline="0" smtClean="0"/>
+              <a:t>12</a:t>
+            </a:r>
+            <a:r>
+              <a:rPr lang="ko-KR" altLang="en-US" baseline="0" smtClean="0"/>
+              <a:t>주째와 </a:t>
+            </a:r>
+            <a:r>
+              <a:rPr lang="en-US" altLang="ko-KR" baseline="0" smtClean="0"/>
+              <a:t>24</a:t>
+            </a:r>
+            <a:r>
+              <a:rPr lang="ko-KR" altLang="en-US" baseline="0" smtClean="0"/>
+              <a:t>주째의 가돌리늄 조영증강 병변의 평균 숫자가 </a:t>
+            </a:r>
+            <a:r>
+              <a:rPr lang="en-US" altLang="ko-KR" baseline="0" smtClean="0"/>
+              <a:t>11.1</a:t>
+            </a:r>
+            <a:r>
+              <a:rPr lang="ko-KR" altLang="en-US" baseline="0" smtClean="0"/>
+              <a:t>에서 </a:t>
+            </a:r>
+            <a:r>
+              <a:rPr lang="en-US" altLang="ko-KR" baseline="0" smtClean="0"/>
+              <a:t>1.5</a:t>
+            </a:r>
+            <a:r>
+              <a:rPr lang="ko-KR" altLang="en-US" baseline="0" smtClean="0"/>
+              <a:t>로 감소한 효과가 확인됐습니다</a:t>
+            </a:r>
+            <a:r>
+              <a:rPr lang="en-US" altLang="ko-KR" baseline="0" smtClean="0"/>
+              <a:t>. </a:t>
+            </a:r>
+            <a:r>
+              <a:rPr lang="ko-KR" altLang="en-US" baseline="0" smtClean="0"/>
+              <a:t>처음 주입했을때 심장박동의 변화가 적었고 분당 </a:t>
+            </a:r>
+            <a:r>
+              <a:rPr lang="en-US" altLang="ko-KR" baseline="0" smtClean="0"/>
+              <a:t>45</a:t>
+            </a:r>
+            <a:r>
+              <a:rPr lang="ko-KR" altLang="en-US" baseline="0" smtClean="0"/>
+              <a:t>회이하로 떨어지지 않았으며 </a:t>
+            </a:r>
+            <a:r>
+              <a:rPr lang="en-US" altLang="ko-KR" baseline="0" smtClean="0"/>
+              <a:t>2</a:t>
+            </a:r>
+            <a:r>
+              <a:rPr lang="ko-KR" altLang="en-US" baseline="0" smtClean="0"/>
+              <a:t>도이상의 </a:t>
+            </a:r>
+            <a:r>
+              <a:rPr lang="en-US" altLang="ko-KR" baseline="0" smtClean="0"/>
+              <a:t>AV block</a:t>
+            </a:r>
+            <a:r>
+              <a:rPr lang="ko-KR" altLang="en-US" baseline="0" smtClean="0"/>
+              <a:t>도 없었습니다</a:t>
+            </a:r>
+            <a:r>
+              <a:rPr lang="en-US" altLang="ko-KR" baseline="0" smtClean="0"/>
+              <a:t>. </a:t>
+            </a:r>
+          </a:p>
+          <a:p>
+            <a:r>
+              <a:rPr lang="ko-KR" altLang="en-US" baseline="0" smtClean="0"/>
+              <a:t>림프구의 변화는 </a:t>
+            </a:r>
+            <a:r>
+              <a:rPr lang="en-US" altLang="ko-KR" baseline="0" smtClean="0"/>
+              <a:t>0.5mg</a:t>
+            </a:r>
+            <a:r>
+              <a:rPr lang="ko-KR" altLang="en-US" baseline="0" smtClean="0"/>
+              <a:t>을 줬을때는 </a:t>
+            </a:r>
+            <a:r>
+              <a:rPr lang="en-US" altLang="ko-KR" baseline="0" smtClean="0"/>
+              <a:t>50%</a:t>
+            </a:r>
+            <a:r>
+              <a:rPr lang="ko-KR" altLang="en-US" baseline="0" smtClean="0"/>
+              <a:t>감소</a:t>
+            </a:r>
+            <a:r>
+              <a:rPr lang="en-US" altLang="ko-KR" baseline="0" smtClean="0"/>
+              <a:t>, 1mg</a:t>
+            </a:r>
+            <a:r>
+              <a:rPr lang="ko-KR" altLang="en-US" baseline="0" smtClean="0"/>
+              <a:t>을 줬을때는 </a:t>
+            </a:r>
+            <a:r>
+              <a:rPr lang="en-US" altLang="ko-KR" baseline="0" smtClean="0"/>
+              <a:t>59%</a:t>
+            </a:r>
+            <a:r>
+              <a:rPr lang="ko-KR" altLang="en-US" baseline="0" smtClean="0"/>
+              <a:t>감소였습니다</a:t>
+            </a:r>
+            <a:r>
+              <a:rPr lang="en-US" altLang="ko-KR" baseline="0" smtClean="0"/>
+              <a:t>. 1</a:t>
+            </a:r>
+            <a:r>
+              <a:rPr lang="ko-KR" altLang="en-US" baseline="0" smtClean="0"/>
+              <a:t>주일에 </a:t>
+            </a:r>
+            <a:r>
+              <a:rPr lang="en-US" altLang="ko-KR" baseline="0" smtClean="0"/>
+              <a:t>1</a:t>
+            </a:r>
+            <a:r>
+              <a:rPr lang="ko-KR" altLang="en-US" baseline="0" smtClean="0"/>
+              <a:t>번 </a:t>
+            </a:r>
+            <a:r>
+              <a:rPr lang="en-US" altLang="ko-KR" baseline="0" smtClean="0"/>
+              <a:t>interferon</a:t>
+            </a:r>
+            <a:r>
+              <a:rPr lang="ko-KR" altLang="en-US" baseline="0" smtClean="0"/>
+              <a:t>을 준 그룹과 비교했을때 </a:t>
+            </a:r>
+            <a:r>
+              <a:rPr lang="en-US" altLang="ko-KR" baseline="0" smtClean="0"/>
+              <a:t>annual relapse rate</a:t>
+            </a:r>
+            <a:r>
+              <a:rPr lang="ko-KR" altLang="en-US" baseline="0" smtClean="0"/>
+              <a:t>와 가돌리늄 조영병변</a:t>
+            </a:r>
+            <a:r>
+              <a:rPr lang="en-US" altLang="ko-KR" baseline="0" smtClean="0"/>
+              <a:t>, T2 high signal </a:t>
+            </a:r>
+            <a:r>
+              <a:rPr lang="ko-KR" altLang="en-US" baseline="0" smtClean="0"/>
+              <a:t>병변</a:t>
+            </a:r>
+            <a:r>
+              <a:rPr lang="en-US" altLang="ko-KR" baseline="0" smtClean="0"/>
+              <a:t>, </a:t>
+            </a:r>
+            <a:r>
+              <a:rPr lang="ko-KR" altLang="en-US" baseline="0" smtClean="0"/>
+              <a:t>뇌위축속도에서 모두 나은 결과를 보였습니다</a:t>
+            </a:r>
+            <a:r>
+              <a:rPr lang="en-US" altLang="ko-KR" baseline="0" smtClean="0"/>
+              <a:t>. </a:t>
+            </a:r>
+            <a:r>
+              <a:rPr lang="ko-KR" altLang="en-US" baseline="0" smtClean="0"/>
+              <a:t>이 논문이 나올당시에는 아직 승인이 안됐는데 </a:t>
+            </a:r>
+            <a:r>
+              <a:rPr lang="en-US" altLang="ko-KR" baseline="0" smtClean="0"/>
+              <a:t>2020</a:t>
+            </a:r>
+            <a:r>
+              <a:rPr lang="ko-KR" altLang="en-US" baseline="0" smtClean="0"/>
+              <a:t>년 </a:t>
+            </a:r>
+            <a:r>
+              <a:rPr lang="en-US" altLang="ko-KR" baseline="0" smtClean="0"/>
+              <a:t>3</a:t>
+            </a:r>
+            <a:r>
+              <a:rPr lang="ko-KR" altLang="en-US" baseline="0" smtClean="0"/>
+              <a:t>월에 </a:t>
+            </a:r>
+            <a:r>
+              <a:rPr lang="en-US" altLang="ko-KR" baseline="0" smtClean="0"/>
+              <a:t>relapsing MS</a:t>
+            </a:r>
+            <a:r>
+              <a:rPr lang="ko-KR" altLang="en-US" baseline="0" smtClean="0"/>
+              <a:t>에 </a:t>
+            </a:r>
+            <a:r>
+              <a:rPr lang="en-US" altLang="ko-KR" baseline="0" smtClean="0"/>
+              <a:t>FDA</a:t>
+            </a:r>
+            <a:r>
+              <a:rPr lang="ko-KR" altLang="en-US" baseline="0" smtClean="0"/>
+              <a:t>승인을 받았습니다</a:t>
+            </a:r>
+            <a:r>
+              <a:rPr lang="en-US" altLang="ko-KR" baseline="0" smtClean="0"/>
+              <a:t>. </a:t>
+            </a:r>
           </a:p>
         </p:txBody>
       </p:sp>
@@ -1206,7 +2352,164 @@
           <a:bodyPr/>
           <a:lstStyle/>
           <a:p>
-            <a:endParaRPr lang="en-US" altLang="ko-KR" baseline="0" smtClean="0"/>
+            <a:r>
+              <a:rPr lang="en-US" altLang="ko-KR" baseline="0" smtClean="0"/>
+              <a:t>ponesimod</a:t>
+            </a:r>
+            <a:r>
+              <a:rPr lang="ko-KR" altLang="en-US" baseline="0" smtClean="0"/>
+              <a:t>는 </a:t>
+            </a:r>
+            <a:r>
+              <a:rPr lang="en-US" altLang="ko-KR" baseline="0" smtClean="0"/>
+              <a:t>S1PR1</a:t>
+            </a:r>
+            <a:r>
+              <a:rPr lang="ko-KR" altLang="en-US" baseline="0" smtClean="0"/>
+              <a:t>에 강한 친화성을 보이며 반감기가 </a:t>
+            </a:r>
+            <a:r>
+              <a:rPr lang="en-US" altLang="ko-KR" baseline="0" smtClean="0"/>
+              <a:t>32</a:t>
+            </a:r>
+            <a:r>
+              <a:rPr lang="ko-KR" altLang="en-US" baseline="0" smtClean="0"/>
+              <a:t>시간이고 중단했을때 림프구숫자가 </a:t>
+            </a:r>
+            <a:r>
+              <a:rPr lang="en-US" altLang="ko-KR" baseline="0" smtClean="0"/>
+              <a:t>7</a:t>
+            </a:r>
+            <a:r>
+              <a:rPr lang="ko-KR" altLang="en-US" baseline="0" smtClean="0"/>
+              <a:t>일이내 정상화됩니다</a:t>
+            </a:r>
+            <a:r>
+              <a:rPr lang="en-US" altLang="ko-KR" baseline="0" smtClean="0"/>
+              <a:t>. relapsing MS</a:t>
+            </a:r>
+            <a:r>
+              <a:rPr lang="ko-KR" altLang="en-US" baseline="0" smtClean="0"/>
+              <a:t>를 대상으로 </a:t>
+            </a:r>
+            <a:r>
+              <a:rPr lang="en-US" altLang="ko-KR" baseline="0" smtClean="0"/>
+              <a:t>10,20,40mg</a:t>
+            </a:r>
+            <a:r>
+              <a:rPr lang="ko-KR" altLang="en-US" baseline="0" smtClean="0"/>
+              <a:t>을 투여했을때 </a:t>
+            </a:r>
+            <a:r>
+              <a:rPr lang="en-US" altLang="ko-KR" baseline="0" smtClean="0"/>
+              <a:t>primary end point</a:t>
+            </a:r>
+            <a:r>
+              <a:rPr lang="ko-KR" altLang="en-US" baseline="0" smtClean="0"/>
+              <a:t>인 가돌리늄조영증강병변의 감소가 있었습니다</a:t>
+            </a:r>
+            <a:r>
+              <a:rPr lang="en-US" altLang="ko-KR" baseline="0" smtClean="0"/>
+              <a:t>. </a:t>
+            </a:r>
+          </a:p>
+          <a:p>
+            <a:r>
+              <a:rPr lang="ko-KR" altLang="en-US" baseline="0" smtClean="0"/>
+              <a:t>용량의존적으로 호흡곤란이나 호흡기 증상을 보였고 이때문에 </a:t>
+            </a:r>
+            <a:r>
+              <a:rPr lang="en-US" altLang="ko-KR" baseline="0" smtClean="0"/>
+              <a:t>trial</a:t>
+            </a:r>
+            <a:r>
+              <a:rPr lang="ko-KR" altLang="en-US" baseline="0" smtClean="0"/>
+              <a:t>이 중단된 경우가 있었습니다</a:t>
+            </a:r>
+            <a:r>
+              <a:rPr lang="en-US" altLang="ko-KR" baseline="0" smtClean="0"/>
+              <a:t>. </a:t>
+            </a:r>
+            <a:r>
+              <a:rPr lang="ko-KR" altLang="en-US" baseline="0" smtClean="0"/>
+              <a:t>현재 </a:t>
+            </a:r>
+            <a:r>
+              <a:rPr lang="en-US" altLang="ko-KR" baseline="0" smtClean="0"/>
+              <a:t>relapsing MS</a:t>
+            </a:r>
+            <a:r>
+              <a:rPr lang="ko-KR" altLang="en-US" baseline="0" smtClean="0"/>
+              <a:t>를 대상으로 </a:t>
+            </a:r>
+            <a:r>
+              <a:rPr lang="en-US" altLang="ko-KR" baseline="0" smtClean="0"/>
+              <a:t>teriflunomide</a:t>
+            </a:r>
+            <a:r>
+              <a:rPr lang="ko-KR" altLang="en-US" baseline="0" smtClean="0"/>
+              <a:t>와 효과를 비교하는 </a:t>
+            </a:r>
+            <a:r>
+              <a:rPr lang="en-US" altLang="ko-KR" baseline="0" smtClean="0"/>
+              <a:t>3</a:t>
+            </a:r>
+            <a:r>
+              <a:rPr lang="ko-KR" altLang="en-US" baseline="0" smtClean="0"/>
+              <a:t>상 임상시험이 진행중이고 </a:t>
+            </a:r>
+            <a:r>
+              <a:rPr lang="en-US" altLang="ko-KR" baseline="0" smtClean="0"/>
+              <a:t>dimethyl fumarate</a:t>
+            </a:r>
+            <a:r>
+              <a:rPr lang="ko-KR" altLang="en-US" baseline="0" smtClean="0"/>
+              <a:t>단독과 </a:t>
+            </a:r>
+            <a:r>
+              <a:rPr lang="en-US" altLang="ko-KR" baseline="0" smtClean="0"/>
+              <a:t>dimethyl fumarate</a:t>
+            </a:r>
+            <a:r>
+              <a:rPr lang="ko-KR" altLang="en-US" baseline="0" smtClean="0"/>
+              <a:t>와 </a:t>
+            </a:r>
+            <a:r>
+              <a:rPr lang="en-US" altLang="ko-KR" baseline="0" smtClean="0"/>
+              <a:t>ponesimod</a:t>
+            </a:r>
+            <a:r>
+              <a:rPr lang="ko-KR" altLang="en-US" baseline="0" smtClean="0"/>
+              <a:t>를 같이 사용하는 </a:t>
+            </a:r>
+            <a:r>
+              <a:rPr lang="en-US" altLang="ko-KR" baseline="0" smtClean="0"/>
+              <a:t>combination therapy</a:t>
+            </a:r>
+            <a:r>
+              <a:rPr lang="ko-KR" altLang="en-US" baseline="0" smtClean="0"/>
+              <a:t>을 비교하는 </a:t>
+            </a:r>
+            <a:r>
+              <a:rPr lang="en-US" altLang="ko-KR" baseline="0" smtClean="0"/>
+              <a:t>3</a:t>
+            </a:r>
+            <a:r>
+              <a:rPr lang="ko-KR" altLang="en-US" baseline="0" smtClean="0"/>
+              <a:t>상 임상시험의 치료효과</a:t>
+            </a:r>
+            <a:r>
+              <a:rPr lang="en-US" altLang="ko-KR" baseline="0" smtClean="0"/>
+              <a:t>, </a:t>
+            </a:r>
+            <a:r>
+              <a:rPr lang="ko-KR" altLang="en-US" baseline="0" smtClean="0"/>
+              <a:t>안전성에 대한 평가가 진행중입니다</a:t>
+            </a:r>
+            <a:r>
+              <a:rPr lang="en-US" altLang="ko-KR" baseline="0" smtClean="0"/>
+              <a:t>. </a:t>
+            </a:r>
           </a:p>
         </p:txBody>
       </p:sp>
@@ -1290,7 +2593,74 @@
           <a:bodyPr/>
           <a:lstStyle/>
           <a:p>
-            <a:endParaRPr lang="en-US" altLang="ko-KR" baseline="0" smtClean="0"/>
+            <a:r>
+              <a:rPr lang="en-US" altLang="ko-KR" baseline="0" smtClean="0"/>
+              <a:t>0.2</a:t>
+            </a:r>
+            <a:r>
+              <a:rPr lang="ko-KR" altLang="en-US" baseline="0" smtClean="0"/>
+              <a:t>와 </a:t>
+            </a:r>
+            <a:r>
+              <a:rPr lang="en-US" altLang="ko-KR" baseline="0" smtClean="0"/>
+              <a:t>0.4mg</a:t>
+            </a:r>
+            <a:r>
+              <a:rPr lang="ko-KR" altLang="en-US" baseline="0" smtClean="0"/>
+              <a:t>을 사용했을때 가돌리늄 조영증강 병변이 감소하는 </a:t>
+            </a:r>
+            <a:r>
+              <a:rPr lang="en-US" altLang="ko-KR" baseline="0" smtClean="0"/>
+              <a:t>primary endpoint</a:t>
+            </a:r>
+            <a:r>
+              <a:rPr lang="ko-KR" altLang="en-US" baseline="0" smtClean="0"/>
+              <a:t>에 도달했습니다</a:t>
+            </a:r>
+            <a:r>
+              <a:rPr lang="en-US" altLang="ko-KR" baseline="0" smtClean="0"/>
+              <a:t>. </a:t>
+            </a:r>
+            <a:r>
+              <a:rPr lang="ko-KR" altLang="en-US" baseline="0" smtClean="0"/>
+              <a:t>치료효과를 연장시켜서 평가했을때 용량의존적인 효과가 </a:t>
+            </a:r>
+            <a:r>
+              <a:rPr lang="en-US" altLang="ko-KR" baseline="0" smtClean="0"/>
+              <a:t>96</a:t>
+            </a:r>
+            <a:r>
+              <a:rPr lang="ko-KR" altLang="en-US" baseline="0" smtClean="0"/>
+              <a:t>주째까지 유지되는것이 확인됐습니다</a:t>
+            </a:r>
+            <a:r>
+              <a:rPr lang="en-US" altLang="ko-KR" baseline="0" smtClean="0"/>
+              <a:t>. </a:t>
+            </a:r>
+            <a:r>
+              <a:rPr lang="ko-KR" altLang="en-US" baseline="0" smtClean="0"/>
+              <a:t>심장과 관련된 </a:t>
+            </a:r>
+            <a:r>
+              <a:rPr lang="en-US" altLang="ko-KR" baseline="0" smtClean="0"/>
+              <a:t>adverse event</a:t>
+            </a:r>
+            <a:r>
+              <a:rPr lang="ko-KR" altLang="en-US" baseline="0" smtClean="0"/>
+              <a:t>는 없었습니다</a:t>
+            </a:r>
+            <a:r>
+              <a:rPr lang="en-US" altLang="ko-KR" baseline="0" smtClean="0"/>
+              <a:t>. </a:t>
+            </a:r>
+            <a:r>
+              <a:rPr lang="ko-KR" altLang="en-US" baseline="0" smtClean="0"/>
+              <a:t>따라서 이러한 점은 심장질환의 과거력이 있거나 위험인자가 있는 환자에게 우선적으로 고려할 수 있는 장점이 되겠습니다</a:t>
+            </a:r>
+            <a:r>
+              <a:rPr lang="en-US" altLang="ko-KR" baseline="0" smtClean="0"/>
+              <a:t>. </a:t>
+            </a:r>
           </a:p>
         </p:txBody>
       </p:sp>
@@ -1374,7 +2744,42 @@
           <a:bodyPr/>
           <a:lstStyle/>
           <a:p>
-            <a:endParaRPr lang="en-US" altLang="ko-KR" baseline="0" smtClean="0"/>
+            <a:r>
+              <a:rPr lang="en-US" altLang="ko-KR" baseline="0" smtClean="0"/>
+              <a:t>primary endpoint</a:t>
+            </a:r>
+            <a:r>
+              <a:rPr lang="ko-KR" altLang="en-US" baseline="0" smtClean="0"/>
+              <a:t>인 가돌리늄 조영증강 병변을 </a:t>
+            </a:r>
+            <a:r>
+              <a:rPr lang="en-US" altLang="ko-KR" baseline="0" smtClean="0"/>
+              <a:t>26</a:t>
+            </a:r>
+            <a:r>
+              <a:rPr lang="ko-KR" altLang="en-US" baseline="0" smtClean="0"/>
+              <a:t>주째까지 </a:t>
+            </a:r>
+            <a:r>
+              <a:rPr lang="en-US" altLang="ko-KR" baseline="0" smtClean="0"/>
+              <a:t>77</a:t>
+            </a:r>
+            <a:r>
+              <a:rPr lang="ko-KR" altLang="en-US" baseline="0" smtClean="0"/>
+              <a:t>에서 </a:t>
+            </a:r>
+            <a:r>
+              <a:rPr lang="en-US" altLang="ko-KR" baseline="0" smtClean="0"/>
+              <a:t>92%</a:t>
+            </a:r>
+            <a:r>
+              <a:rPr lang="ko-KR" altLang="en-US" baseline="0" smtClean="0"/>
+              <a:t>정도까지 감소시켰습니다</a:t>
+            </a:r>
+            <a:r>
+              <a:rPr lang="en-US" altLang="ko-KR" baseline="0" smtClean="0"/>
+              <a:t>. </a:t>
+            </a:r>
           </a:p>
         </p:txBody>
       </p:sp>
@@ -1458,7 +2863,66 @@
           <a:bodyPr/>
           <a:lstStyle/>
           <a:p>
-            <a:endParaRPr lang="ko-KR" altLang="en-US"/>
+            <a:r>
+              <a:rPr lang="en-US" altLang="ko-KR" baseline="0" smtClean="0"/>
+              <a:t>fingolimod</a:t>
+            </a:r>
+            <a:r>
+              <a:rPr lang="ko-KR" altLang="en-US" baseline="0" smtClean="0"/>
+              <a:t>보다 </a:t>
+            </a:r>
+            <a:r>
+              <a:rPr lang="en-US" altLang="ko-KR" baseline="0" smtClean="0"/>
+              <a:t>S1PR1</a:t>
+            </a:r>
+            <a:r>
+              <a:rPr lang="ko-KR" altLang="en-US" baseline="0" smtClean="0"/>
+              <a:t>에 대한 선택적인 작용이 더 강화됐고 반감기는 </a:t>
+            </a:r>
+            <a:r>
+              <a:rPr lang="en-US" altLang="ko-KR" baseline="0" smtClean="0"/>
+              <a:t>8</a:t>
+            </a:r>
+            <a:r>
+              <a:rPr lang="ko-KR" altLang="en-US" baseline="0" smtClean="0"/>
+              <a:t>일로 비슷하지만 활성화된 대사물은 </a:t>
+            </a:r>
+            <a:r>
+              <a:rPr lang="en-US" altLang="ko-KR" baseline="0" smtClean="0"/>
+              <a:t>20</a:t>
+            </a:r>
+            <a:r>
+              <a:rPr lang="ko-KR" altLang="en-US" baseline="0" smtClean="0"/>
+              <a:t>배정도 더 많습니다</a:t>
+            </a:r>
+            <a:r>
+              <a:rPr lang="en-US" altLang="ko-KR" baseline="0" smtClean="0"/>
+              <a:t>. </a:t>
+            </a:r>
+            <a:r>
+              <a:rPr lang="ko-KR" altLang="en-US" baseline="0" smtClean="0"/>
+              <a:t>따라서 혈중에 오래 남아있게 되고 투약 간격을 더 길게 잡을 수 있습니다</a:t>
+            </a:r>
+            <a:r>
+              <a:rPr lang="en-US" altLang="ko-KR" baseline="0" smtClean="0"/>
+              <a:t>. </a:t>
+            </a:r>
+            <a:r>
+              <a:rPr lang="ko-KR" altLang="en-US" baseline="0" smtClean="0"/>
+              <a:t>용량의존적으로 투약하고나서 </a:t>
+            </a:r>
+            <a:r>
+              <a:rPr lang="en-US" altLang="ko-KR" baseline="0" smtClean="0"/>
+              <a:t>12</a:t>
+            </a:r>
+            <a:r>
+              <a:rPr lang="ko-KR" altLang="en-US" baseline="0" smtClean="0"/>
+              <a:t>시간이내에 혈중 림프구를 감소시켰습니다</a:t>
+            </a:r>
+            <a:r>
+              <a:rPr lang="en-US" altLang="ko-KR" baseline="0" smtClean="0"/>
+              <a:t>. </a:t>
+            </a:r>
           </a:p>
         </p:txBody>
       </p:sp>
@@ -1479,7 +2943,7 @@
           <a:p>
             <a:fld id="{5300484B-27A3-436C-B9FA-AB9E74CF67CC}" type="slidenum">
               <a:rPr lang="ko-KR" altLang="en-US" smtClean="0"/>
-              <a:t>27</a:t>
+              <a:t>8</a:t>
             </a:fld>
             <a:endParaRPr lang="ko-KR" altLang="en-US"/>
           </a:p>
@@ -1488,7 +2952,573 @@
     </p:spTree>
     <p:extLst>
       <p:ext uri="{BB962C8B-B14F-4D97-AF65-F5344CB8AC3E}">
-        <p14:creationId xmlns:p14="http://schemas.microsoft.com/office/powerpoint/2010/main" val="2814439431"/>
+        <p14:creationId xmlns:p14="http://schemas.microsoft.com/office/powerpoint/2010/main" val="3690854410"/>
+      </p:ext>
+    </p:extLst>
+  </p:cSld>
+  <p:clrMapOvr>
+    <a:masterClrMapping/>
+  </p:clrMapOvr>
+</p:notes>
+</file>
+
+<file path=ppt/notesSlides/notesSlide8.xml><?xml version="1.0" encoding="utf-8"?>
+<p:notes xmlns:a="http://schemas.openxmlformats.org/drawingml/2006/main" xmlns:r="http://schemas.openxmlformats.org/officeDocument/2006/relationships" xmlns:p="http://schemas.openxmlformats.org/presentationml/2006/main">
+  <p:cSld>
+    <p:spTree>
+      <p:nvGrpSpPr>
+        <p:cNvPr id="1" name=""/>
+        <p:cNvGrpSpPr/>
+        <p:nvPr/>
+      </p:nvGrpSpPr>
+      <p:grpSpPr>
+        <a:xfrm>
+          <a:off x="0" y="0"/>
+          <a:ext cx="0" cy="0"/>
+          <a:chOff x="0" y="0"/>
+          <a:chExt cx="0" cy="0"/>
+        </a:xfrm>
+      </p:grpSpPr>
+      <p:sp>
+        <p:nvSpPr>
+          <p:cNvPr id="2" name="슬라이드 이미지 개체 틀 1"/>
+          <p:cNvSpPr>
+            <a:spLocks noGrp="1" noRot="1" noChangeAspect="1"/>
+          </p:cNvSpPr>
+          <p:nvPr>
+            <p:ph type="sldImg"/>
+          </p:nvPr>
+        </p:nvSpPr>
+        <p:spPr/>
+      </p:sp>
+      <p:sp>
+        <p:nvSpPr>
+          <p:cNvPr id="3" name="슬라이드 노트 개체 틀 2"/>
+          <p:cNvSpPr>
+            <a:spLocks noGrp="1"/>
+          </p:cNvSpPr>
+          <p:nvPr>
+            <p:ph type="body" idx="1"/>
+          </p:nvPr>
+        </p:nvSpPr>
+        <p:spPr/>
+        <p:txBody>
+          <a:bodyPr/>
+          <a:lstStyle/>
+          <a:p>
+            <a:r>
+              <a:rPr lang="en-US" altLang="ko-KR" smtClean="0"/>
+              <a:t>monomethyl fumarate</a:t>
+            </a:r>
+            <a:r>
+              <a:rPr lang="ko-KR" altLang="en-US" smtClean="0"/>
+              <a:t>는 </a:t>
+            </a:r>
+            <a:r>
+              <a:rPr lang="en-US" altLang="ko-KR" smtClean="0"/>
+              <a:t>dimethyl fumarate</a:t>
+            </a:r>
+            <a:r>
+              <a:rPr lang="ko-KR" altLang="en-US" smtClean="0"/>
+              <a:t>가 몇분내에 대사되서 생기는 활성화 대사물입니다</a:t>
+            </a:r>
+            <a:r>
+              <a:rPr lang="en-US" altLang="ko-KR" smtClean="0"/>
+              <a:t>. dimethyl fumarate</a:t>
+            </a:r>
+            <a:r>
+              <a:rPr lang="ko-KR" altLang="en-US" smtClean="0"/>
+              <a:t>의 소화기계통 관련된 부작용을 줄이기 위해 작은 분자인 </a:t>
+            </a:r>
+            <a:r>
+              <a:rPr lang="en-US" altLang="ko-KR" smtClean="0"/>
+              <a:t>diroximel fumarate</a:t>
+            </a:r>
+            <a:r>
+              <a:rPr lang="ko-KR" altLang="en-US" smtClean="0"/>
+              <a:t>이 개발중이고</a:t>
+            </a:r>
+            <a:endParaRPr lang="en-US" altLang="ko-KR" smtClean="0"/>
+          </a:p>
+          <a:p>
+            <a:r>
+              <a:rPr lang="en-US" altLang="ko-KR" smtClean="0"/>
+              <a:t>dimethyl fumarate</a:t>
+            </a:r>
+            <a:r>
+              <a:rPr lang="ko-KR" altLang="en-US" smtClean="0"/>
+              <a:t>와 </a:t>
+            </a:r>
+            <a:r>
+              <a:rPr lang="en-US" altLang="ko-KR" smtClean="0"/>
+              <a:t>head-to-head</a:t>
+            </a:r>
+            <a:r>
+              <a:rPr lang="ko-KR" altLang="en-US" smtClean="0"/>
+              <a:t>로 </a:t>
+            </a:r>
+            <a:r>
+              <a:rPr lang="en-US" altLang="ko-KR" smtClean="0"/>
+              <a:t>GI </a:t>
+            </a:r>
+            <a:r>
+              <a:rPr lang="ko-KR" altLang="en-US" smtClean="0"/>
+              <a:t>이상반응과 관련해서 비교가 진행중입니다</a:t>
+            </a:r>
+            <a:r>
+              <a:rPr lang="en-US" altLang="ko-KR" smtClean="0"/>
+              <a:t>. </a:t>
+            </a:r>
+            <a:r>
+              <a:rPr lang="ko-KR" altLang="en-US" smtClean="0"/>
+              <a:t>만약 이러한 이상반응이 </a:t>
+            </a:r>
+            <a:r>
+              <a:rPr lang="en-US" altLang="ko-KR" smtClean="0"/>
+              <a:t>dimethyl</a:t>
+            </a:r>
+            <a:r>
+              <a:rPr lang="en-US" altLang="ko-KR" baseline="0" smtClean="0"/>
+              <a:t> fumarate</a:t>
+            </a:r>
+            <a:r>
+              <a:rPr lang="ko-KR" altLang="en-US" baseline="0" smtClean="0"/>
+              <a:t>보다 더 적다면 </a:t>
+            </a:r>
+            <a:r>
+              <a:rPr lang="en-US" altLang="ko-KR" baseline="0" smtClean="0"/>
+              <a:t>diroximel fumarate</a:t>
+            </a:r>
+            <a:r>
+              <a:rPr lang="ko-KR" altLang="en-US" baseline="0" smtClean="0"/>
+              <a:t>가 </a:t>
+            </a:r>
+            <a:r>
+              <a:rPr lang="en-US" altLang="ko-KR" baseline="0" smtClean="0"/>
+              <a:t>dimethyl fumarate</a:t>
+            </a:r>
+            <a:r>
+              <a:rPr lang="ko-KR" altLang="en-US" baseline="0" smtClean="0"/>
+              <a:t>의 좋은 대안이 될 수 있을 것입니다</a:t>
+            </a:r>
+            <a:r>
+              <a:rPr lang="en-US" altLang="ko-KR" baseline="0" smtClean="0"/>
+              <a:t>. </a:t>
+            </a:r>
+            <a:endParaRPr lang="ko-KR" altLang="en-US"/>
+          </a:p>
+        </p:txBody>
+      </p:sp>
+      <p:sp>
+        <p:nvSpPr>
+          <p:cNvPr id="4" name="슬라이드 번호 개체 틀 3"/>
+          <p:cNvSpPr>
+            <a:spLocks noGrp="1"/>
+          </p:cNvSpPr>
+          <p:nvPr>
+            <p:ph type="sldNum" sz="quarter" idx="10"/>
+          </p:nvPr>
+        </p:nvSpPr>
+        <p:spPr/>
+        <p:txBody>
+          <a:bodyPr/>
+          <a:lstStyle/>
+          <a:p>
+            <a:fld id="{5300484B-27A3-436C-B9FA-AB9E74CF67CC}" type="slidenum">
+              <a:rPr lang="ko-KR" altLang="en-US" smtClean="0"/>
+              <a:t>9</a:t>
+            </a:fld>
+            <a:endParaRPr lang="ko-KR" altLang="en-US"/>
+          </a:p>
+        </p:txBody>
+      </p:sp>
+    </p:spTree>
+    <p:extLst>
+      <p:ext uri="{BB962C8B-B14F-4D97-AF65-F5344CB8AC3E}">
+        <p14:creationId xmlns:p14="http://schemas.microsoft.com/office/powerpoint/2010/main" val="171295767"/>
+      </p:ext>
+    </p:extLst>
+  </p:cSld>
+  <p:clrMapOvr>
+    <a:masterClrMapping/>
+  </p:clrMapOvr>
+</p:notes>
+</file>
+
+<file path=ppt/notesSlides/notesSlide9.xml><?xml version="1.0" encoding="utf-8"?>
+<p:notes xmlns:a="http://schemas.openxmlformats.org/drawingml/2006/main" xmlns:r="http://schemas.openxmlformats.org/officeDocument/2006/relationships" xmlns:p="http://schemas.openxmlformats.org/presentationml/2006/main">
+  <p:cSld>
+    <p:spTree>
+      <p:nvGrpSpPr>
+        <p:cNvPr id="1" name=""/>
+        <p:cNvGrpSpPr/>
+        <p:nvPr/>
+      </p:nvGrpSpPr>
+      <p:grpSpPr>
+        <a:xfrm>
+          <a:off x="0" y="0"/>
+          <a:ext cx="0" cy="0"/>
+          <a:chOff x="0" y="0"/>
+          <a:chExt cx="0" cy="0"/>
+        </a:xfrm>
+      </p:grpSpPr>
+      <p:sp>
+        <p:nvSpPr>
+          <p:cNvPr id="2" name="슬라이드 이미지 개체 틀 1"/>
+          <p:cNvSpPr>
+            <a:spLocks noGrp="1" noRot="1" noChangeAspect="1"/>
+          </p:cNvSpPr>
+          <p:nvPr>
+            <p:ph type="sldImg"/>
+          </p:nvPr>
+        </p:nvSpPr>
+        <p:spPr/>
+      </p:sp>
+      <p:sp>
+        <p:nvSpPr>
+          <p:cNvPr id="3" name="슬라이드 노트 개체 틀 2"/>
+          <p:cNvSpPr>
+            <a:spLocks noGrp="1"/>
+          </p:cNvSpPr>
+          <p:nvPr>
+            <p:ph type="body" idx="1"/>
+          </p:nvPr>
+        </p:nvSpPr>
+        <p:spPr/>
+        <p:txBody>
+          <a:bodyPr/>
+          <a:lstStyle/>
+          <a:p>
+            <a:r>
+              <a:rPr lang="en-US" altLang="ko-KR" smtClean="0"/>
+              <a:t>minocycline</a:t>
+            </a:r>
+            <a:r>
+              <a:rPr lang="ko-KR" altLang="en-US" smtClean="0"/>
+              <a:t>은 </a:t>
+            </a:r>
+            <a:r>
+              <a:rPr lang="en-US" altLang="ko-KR" smtClean="0"/>
+              <a:t>tetracyclic</a:t>
+            </a:r>
+            <a:r>
+              <a:rPr lang="en-US" altLang="ko-KR" baseline="0" smtClean="0"/>
+              <a:t> </a:t>
+            </a:r>
+            <a:r>
+              <a:rPr lang="ko-KR" altLang="en-US" baseline="0" smtClean="0"/>
+              <a:t>타입의 항생제로 사용되던 물질인데 </a:t>
+            </a:r>
+            <a:r>
+              <a:rPr lang="en-US" altLang="ko-KR" baseline="0" smtClean="0"/>
+              <a:t>MMP</a:t>
+            </a:r>
+            <a:r>
+              <a:rPr lang="ko-KR" altLang="en-US" baseline="0" smtClean="0"/>
+              <a:t>의 활성을 낮춰주고 </a:t>
+            </a:r>
+            <a:r>
+              <a:rPr lang="en-US" altLang="ko-KR" baseline="0" smtClean="0"/>
+              <a:t>glutamate </a:t>
+            </a:r>
+            <a:r>
+              <a:rPr lang="ko-KR" altLang="en-US" baseline="0" smtClean="0"/>
+              <a:t>흥분성을 감소시키고 </a:t>
+            </a:r>
+            <a:r>
+              <a:rPr lang="en-US" altLang="ko-KR" baseline="0" smtClean="0"/>
+              <a:t>free oxygen radical</a:t>
+            </a:r>
+            <a:r>
+              <a:rPr lang="ko-KR" altLang="en-US" baseline="0" smtClean="0"/>
+              <a:t>의 방출을 감소시키는 작용기전을 갖습니다</a:t>
+            </a:r>
+            <a:r>
+              <a:rPr lang="en-US" altLang="ko-KR" baseline="0" smtClean="0"/>
+              <a:t>. </a:t>
+            </a:r>
+          </a:p>
+          <a:p>
+            <a:r>
+              <a:rPr lang="en-US" altLang="ko-KR" baseline="0" smtClean="0"/>
+              <a:t>glatiramer actate </a:t>
+            </a:r>
+            <a:r>
+              <a:rPr lang="ko-KR" altLang="en-US" baseline="0" smtClean="0"/>
+              <a:t>와 같이 투약하는 </a:t>
+            </a:r>
+            <a:r>
+              <a:rPr lang="en-US" altLang="ko-KR" baseline="0" smtClean="0"/>
+              <a:t>2</a:t>
+            </a:r>
+            <a:r>
+              <a:rPr lang="ko-KR" altLang="en-US" baseline="0" smtClean="0"/>
+              <a:t>상 임상시험에서 가돌리늄 조영증강 병변과 </a:t>
+            </a:r>
+            <a:r>
+              <a:rPr lang="en-US" altLang="ko-KR" baseline="0" smtClean="0"/>
+              <a:t>T2 </a:t>
+            </a:r>
+            <a:r>
+              <a:rPr lang="ko-KR" altLang="en-US" baseline="0" smtClean="0"/>
+              <a:t>병변감소 그리고 </a:t>
+            </a:r>
+            <a:r>
+              <a:rPr lang="en-US" altLang="ko-KR" baseline="0" smtClean="0"/>
+              <a:t>9</a:t>
+            </a:r>
+            <a:r>
+              <a:rPr lang="ko-KR" altLang="en-US" baseline="0" smtClean="0"/>
+              <a:t>달째의 재발감소에 뚜렷한 감소효과가 없었습니다</a:t>
+            </a:r>
+            <a:r>
+              <a:rPr lang="en-US" altLang="ko-KR" baseline="0" smtClean="0"/>
+              <a:t>. </a:t>
+            </a:r>
+            <a:r>
+              <a:rPr lang="ko-KR" altLang="en-US" baseline="0" smtClean="0"/>
+              <a:t>또한 인터페론베타와 같이 투약하는 </a:t>
+            </a:r>
+            <a:r>
+              <a:rPr lang="en-US" altLang="ko-KR" baseline="0" smtClean="0"/>
+              <a:t>2</a:t>
+            </a:r>
+            <a:r>
+              <a:rPr lang="ko-KR" altLang="en-US" baseline="0" smtClean="0"/>
+              <a:t>상 임상시험에서도 </a:t>
+            </a:r>
+            <a:endParaRPr lang="en-US" altLang="ko-KR" baseline="0" smtClean="0"/>
+          </a:p>
+          <a:p>
+            <a:r>
+              <a:rPr lang="en-US" altLang="ko-KR" baseline="0" smtClean="0"/>
+              <a:t>primary endpoint</a:t>
+            </a:r>
+            <a:r>
+              <a:rPr lang="ko-KR" altLang="en-US" baseline="0" smtClean="0"/>
+              <a:t>인 첫 재발과 두번째 재발</a:t>
+            </a:r>
+            <a:r>
+              <a:rPr lang="en-US" altLang="ko-KR" baseline="0" smtClean="0"/>
+              <a:t>, MRI</a:t>
+            </a:r>
+            <a:r>
+              <a:rPr lang="ko-KR" altLang="en-US" baseline="0" smtClean="0"/>
+              <a:t>에서의 </a:t>
+            </a:r>
+            <a:r>
+              <a:rPr lang="en-US" altLang="ko-KR" baseline="0" smtClean="0"/>
+              <a:t>end point</a:t>
+            </a:r>
+            <a:r>
+              <a:rPr lang="ko-KR" altLang="en-US" baseline="0" smtClean="0"/>
+              <a:t>를 만족하지 못했습니다</a:t>
+            </a:r>
+            <a:r>
+              <a:rPr lang="en-US" altLang="ko-KR" baseline="0" smtClean="0"/>
+              <a:t>. </a:t>
+            </a:r>
+            <a:r>
+              <a:rPr lang="ko-KR" altLang="en-US" baseline="0" smtClean="0"/>
+              <a:t>게다가 </a:t>
+            </a:r>
+            <a:r>
+              <a:rPr lang="en-US" altLang="ko-KR" baseline="0" smtClean="0"/>
+              <a:t>adverse event</a:t>
+            </a:r>
+            <a:r>
+              <a:rPr lang="ko-KR" altLang="en-US" baseline="0" smtClean="0"/>
+              <a:t>때문에 </a:t>
+            </a:r>
+            <a:r>
+              <a:rPr lang="en-US" altLang="ko-KR" baseline="0" smtClean="0"/>
+              <a:t>drop out rate</a:t>
+            </a:r>
+            <a:r>
+              <a:rPr lang="ko-KR" altLang="en-US" baseline="0" smtClean="0"/>
+              <a:t>가 많았습니다</a:t>
+            </a:r>
+            <a:r>
+              <a:rPr lang="en-US" altLang="ko-KR" baseline="0" smtClean="0"/>
+              <a:t>. </a:t>
+            </a:r>
+          </a:p>
+          <a:p>
+            <a:r>
+              <a:rPr lang="en-US" altLang="ko-KR" smtClean="0"/>
+              <a:t>CIS</a:t>
+            </a:r>
+            <a:r>
+              <a:rPr lang="ko-KR" altLang="en-US" smtClean="0"/>
+              <a:t>환자를 대상으로 </a:t>
+            </a:r>
+            <a:r>
+              <a:rPr lang="en-US" altLang="ko-KR" smtClean="0"/>
+              <a:t>minocycline</a:t>
+            </a:r>
+            <a:r>
+              <a:rPr lang="ko-KR" altLang="en-US" smtClean="0"/>
+              <a:t>을 투여하면서 </a:t>
+            </a:r>
+            <a:r>
+              <a:rPr lang="en-US" altLang="ko-KR" smtClean="0"/>
+              <a:t>6</a:t>
+            </a:r>
+            <a:r>
+              <a:rPr lang="ko-KR" altLang="en-US" smtClean="0"/>
+              <a:t>개월째 </a:t>
+            </a:r>
+            <a:r>
+              <a:rPr lang="en-US" altLang="ko-KR" smtClean="0"/>
+              <a:t>MS</a:t>
+            </a:r>
+            <a:r>
+              <a:rPr lang="ko-KR" altLang="en-US" smtClean="0"/>
+              <a:t>로 </a:t>
+            </a:r>
+            <a:r>
+              <a:rPr lang="en-US" altLang="ko-KR" smtClean="0"/>
+              <a:t>conversion</a:t>
+            </a:r>
+            <a:r>
+              <a:rPr lang="ko-KR" altLang="en-US" smtClean="0"/>
+              <a:t>되는지를 본 </a:t>
+            </a:r>
+            <a:r>
+              <a:rPr lang="en-US" altLang="ko-KR" smtClean="0"/>
+              <a:t>3</a:t>
+            </a:r>
+            <a:r>
+              <a:rPr lang="ko-KR" altLang="en-US" smtClean="0"/>
+              <a:t>상연구에서는 가돌리늄 조영증강 병변의 감소</a:t>
+            </a:r>
+            <a:r>
+              <a:rPr lang="en-US" altLang="ko-KR" smtClean="0"/>
+              <a:t>, T2 </a:t>
+            </a:r>
+            <a:r>
+              <a:rPr lang="ko-KR" altLang="en-US" smtClean="0"/>
+              <a:t>병변부피의 감소</a:t>
+            </a:r>
+            <a:r>
+              <a:rPr lang="en-US" altLang="ko-KR" smtClean="0"/>
+              <a:t>, MS</a:t>
+            </a:r>
+            <a:r>
+              <a:rPr lang="ko-KR" altLang="en-US" smtClean="0"/>
+              <a:t>발생시 </a:t>
+            </a:r>
+            <a:r>
+              <a:rPr lang="en-US" altLang="ko-KR" smtClean="0"/>
+              <a:t>infratentorial </a:t>
+            </a:r>
+            <a:r>
+              <a:rPr lang="ko-KR" altLang="en-US" smtClean="0"/>
+              <a:t>증상발생빈도가 덜했고 </a:t>
+            </a:r>
+            <a:r>
+              <a:rPr lang="en-US" altLang="ko-KR" smtClean="0"/>
+              <a:t>MS conversion risk</a:t>
+            </a:r>
+            <a:r>
+              <a:rPr lang="ko-KR" altLang="en-US" smtClean="0"/>
+              <a:t>도 </a:t>
+            </a:r>
+            <a:r>
+              <a:rPr lang="en-US" altLang="ko-KR" smtClean="0"/>
+              <a:t>45%</a:t>
+            </a:r>
+            <a:r>
+              <a:rPr lang="ko-KR" altLang="en-US" smtClean="0"/>
+              <a:t>까지 감소하였습니다</a:t>
+            </a:r>
+            <a:r>
+              <a:rPr lang="en-US" altLang="ko-KR" smtClean="0"/>
+              <a:t>. secondary</a:t>
+            </a:r>
+            <a:r>
+              <a:rPr lang="en-US" altLang="ko-KR" baseline="0" smtClean="0"/>
+              <a:t> endpoint</a:t>
+            </a:r>
+            <a:r>
+              <a:rPr lang="ko-KR" altLang="en-US" baseline="0" smtClean="0"/>
+              <a:t>도 </a:t>
+            </a:r>
+            <a:r>
+              <a:rPr lang="en-US" altLang="ko-KR" baseline="0" smtClean="0"/>
+              <a:t>minocycline</a:t>
+            </a:r>
+            <a:r>
+              <a:rPr lang="ko-KR" altLang="en-US" baseline="0" smtClean="0"/>
+              <a:t>을 더 </a:t>
+            </a:r>
+            <a:r>
+              <a:rPr lang="en-US" altLang="ko-KR" baseline="0" smtClean="0"/>
+              <a:t>favor</a:t>
+            </a:r>
+            <a:r>
+              <a:rPr lang="ko-KR" altLang="en-US" baseline="0" smtClean="0"/>
+              <a:t>하는 것으로 결과가 나왔지만 </a:t>
+            </a:r>
+            <a:r>
+              <a:rPr lang="en-US" altLang="ko-KR" baseline="0" smtClean="0"/>
+              <a:t>24</a:t>
+            </a:r>
+            <a:r>
+              <a:rPr lang="ko-KR" altLang="en-US" baseline="0" smtClean="0"/>
+              <a:t>개월째에는 </a:t>
+            </a:r>
+            <a:r>
+              <a:rPr lang="en-US" altLang="ko-KR" baseline="0" smtClean="0"/>
+              <a:t>MS conversion</a:t>
+            </a:r>
+            <a:r>
+              <a:rPr lang="ko-KR" altLang="en-US" baseline="0" smtClean="0"/>
+              <a:t>이나 </a:t>
+            </a:r>
+            <a:r>
+              <a:rPr lang="en-US" altLang="ko-KR" baseline="0" smtClean="0"/>
+              <a:t>secondary MRI endpoint</a:t>
+            </a:r>
+            <a:r>
+              <a:rPr lang="ko-KR" altLang="en-US" baseline="0" smtClean="0"/>
+              <a:t>에 차이가 없었습니다</a:t>
+            </a:r>
+            <a:r>
+              <a:rPr lang="en-US" altLang="ko-KR" baseline="0" smtClean="0"/>
+              <a:t>. </a:t>
+            </a:r>
+            <a:endParaRPr lang="ko-KR" altLang="en-US"/>
+          </a:p>
+        </p:txBody>
+      </p:sp>
+      <p:sp>
+        <p:nvSpPr>
+          <p:cNvPr id="4" name="슬라이드 번호 개체 틀 3"/>
+          <p:cNvSpPr>
+            <a:spLocks noGrp="1"/>
+          </p:cNvSpPr>
+          <p:nvPr>
+            <p:ph type="sldNum" sz="quarter" idx="10"/>
+          </p:nvPr>
+        </p:nvSpPr>
+        <p:spPr/>
+        <p:txBody>
+          <a:bodyPr/>
+          <a:lstStyle/>
+          <a:p>
+            <a:fld id="{5300484B-27A3-436C-B9FA-AB9E74CF67CC}" type="slidenum">
+              <a:rPr lang="ko-KR" altLang="en-US" smtClean="0"/>
+              <a:t>10</a:t>
+            </a:fld>
+            <a:endParaRPr lang="ko-KR" altLang="en-US"/>
+          </a:p>
+        </p:txBody>
+      </p:sp>
+    </p:spTree>
+    <p:extLst>
+      <p:ext uri="{BB962C8B-B14F-4D97-AF65-F5344CB8AC3E}">
+        <p14:creationId xmlns:p14="http://schemas.microsoft.com/office/powerpoint/2010/main" val="3421963419"/>
       </p:ext>
     </p:extLst>
   </p:cSld>
@@ -4535,21 +6565,12 @@
         </p:nvSpPr>
         <p:spPr/>
         <p:txBody>
-          <a:bodyPr>
-            <a:normAutofit fontScale="90000"/>
-          </a:bodyPr>
-          <a:lstStyle/>
-          <a:p>
-            <a:r>
-              <a:rPr lang="en-US" altLang="ko-KR" smtClean="0"/>
-              <a:t>Tyrosine kinase inhibitor</a:t>
-            </a:r>
-            <a:br>
-              <a:rPr lang="en-US" altLang="ko-KR" smtClean="0"/>
-            </a:br>
-            <a:r>
-              <a:rPr lang="en-US" altLang="ko-KR" smtClean="0"/>
-              <a:t>Evobrutinib</a:t>
+          <a:bodyPr/>
+          <a:lstStyle/>
+          <a:p>
+            <a:r>
+              <a:rPr lang="en-US" altLang="ko-KR" smtClean="0"/>
+              <a:t>Minocycline</a:t>
             </a:r>
             <a:endParaRPr lang="ko-KR" altLang="en-US"/>
           </a:p>
@@ -4569,6 +6590,97 @@
         <p:txBody>
           <a:bodyPr/>
           <a:lstStyle/>
+          <a:p>
+            <a:r>
+              <a:rPr lang="en-US" altLang="ko-KR" smtClean="0"/>
+              <a:t>Tetracyclic antibiotic. </a:t>
+            </a:r>
+          </a:p>
+          <a:p>
+            <a:r>
+              <a:rPr lang="en-US" altLang="ko-KR" smtClean="0"/>
+              <a:t>activity of MMP (matrix metalloproteinases), glutamate excitotoxicity, release of free oxygen radicals </a:t>
+            </a:r>
+            <a:r>
+              <a:rPr lang="en-US" altLang="ko-KR" smtClean="0">
+                <a:latin typeface="맑은 고딕" panose="020B0503020000020004" pitchFamily="50" charset="-127"/>
+                <a:ea typeface="맑은 고딕" panose="020B0503020000020004" pitchFamily="50" charset="-127"/>
+              </a:rPr>
+              <a:t>↓</a:t>
+            </a:r>
+            <a:endParaRPr lang="en-US" altLang="ko-KR" smtClean="0"/>
+          </a:p>
+          <a:p>
+            <a:r>
+              <a:rPr lang="en-US" altLang="ko-KR" smtClean="0">
+                <a:solidFill>
+                  <a:srgbClr val="FFFF00"/>
+                </a:solidFill>
+              </a:rPr>
+              <a:t>RRMS phase 2 trial with glatiramer actate</a:t>
+            </a:r>
+            <a:r>
+              <a:rPr lang="en-US" altLang="ko-KR" smtClean="0"/>
+              <a:t>: </a:t>
+            </a:r>
+            <a:r>
+              <a:rPr lang="en-US" altLang="ko-KR" smtClean="0">
+                <a:solidFill>
+                  <a:srgbClr val="FFFF00"/>
+                </a:solidFill>
+              </a:rPr>
+              <a:t>no effect </a:t>
+            </a:r>
+            <a:r>
+              <a:rPr lang="en-US" altLang="ko-KR" smtClean="0"/>
+              <a:t>on GE lesion and T2 lesions or relapse at 9 months compared with placebo. </a:t>
+            </a:r>
+          </a:p>
+          <a:p>
+            <a:r>
+              <a:rPr lang="en-US" altLang="ko-KR" smtClean="0"/>
+              <a:t>RMS phase 2 trial with interferon beta: unmet primary end point. </a:t>
+            </a:r>
+          </a:p>
+          <a:p>
+            <a:r>
+              <a:rPr lang="en-US" altLang="ko-KR" smtClean="0"/>
+              <a:t>MS conversion from CIS phase 3 trial: baseline were not balanced, GE lesion, T2 lesion volume, infratentorial symptoms at onset</a:t>
+            </a:r>
+            <a:r>
+              <a:rPr lang="en-US" altLang="ko-KR" smtClean="0">
+                <a:latin typeface="맑은 고딕" panose="020B0503020000020004" pitchFamily="50" charset="-127"/>
+                <a:ea typeface="맑은 고딕" panose="020B0503020000020004" pitchFamily="50" charset="-127"/>
+              </a:rPr>
+              <a:t>↓</a:t>
+            </a:r>
+            <a:r>
+              <a:rPr lang="en-US" altLang="ko-KR" smtClean="0"/>
+              <a:t>. conversion risk 45%</a:t>
+            </a:r>
+            <a:r>
+              <a:rPr lang="en-US" altLang="ko-KR" smtClean="0">
+                <a:latin typeface="맑은 고딕" panose="020B0503020000020004" pitchFamily="50" charset="-127"/>
+                <a:ea typeface="맑은 고딕" panose="020B0503020000020004" pitchFamily="50" charset="-127"/>
+              </a:rPr>
+              <a:t>↓. </a:t>
+            </a:r>
+            <a:r>
+              <a:rPr lang="en-US" altLang="ko-KR" smtClean="0">
+                <a:ea typeface="맑은 고딕" panose="020B0503020000020004" pitchFamily="50" charset="-127"/>
+              </a:rPr>
+              <a:t>2ndary end point was favored to minocyclined. at 24 months, no difference in conversion, 2ndary MRI endpoint. </a:t>
+            </a:r>
+          </a:p>
+          <a:p>
+            <a:r>
+              <a:rPr lang="en-US" altLang="ko-KR" smtClean="0">
+                <a:ea typeface="맑은 고딕" panose="020B0503020000020004" pitchFamily="50" charset="-127"/>
+              </a:rPr>
+              <a:t>modest effect to RMS </a:t>
+            </a:r>
+            <a:endParaRPr lang="en-US" altLang="ko-KR" smtClean="0"/>
+          </a:p>
           <a:p>
             <a:endParaRPr lang="ko-KR" altLang="en-US"/>
           </a:p>
@@ -4577,7 +6689,7 @@
     </p:spTree>
     <p:extLst>
       <p:ext uri="{BB962C8B-B14F-4D97-AF65-F5344CB8AC3E}">
-        <p14:creationId xmlns:p14="http://schemas.microsoft.com/office/powerpoint/2010/main" val="4182344960"/>
+        <p14:creationId xmlns:p14="http://schemas.microsoft.com/office/powerpoint/2010/main" val="3018194402"/>
       </p:ext>
     </p:extLst>
   </p:cSld>
@@ -4616,12 +6728,21 @@
         </p:nvSpPr>
         <p:spPr/>
         <p:txBody>
-          <a:bodyPr/>
-          <a:lstStyle/>
-          <a:p>
-            <a:r>
-              <a:rPr lang="en-US" altLang="ko-KR" smtClean="0"/>
-              <a:t>Laquinimod</a:t>
+          <a:bodyPr>
+            <a:normAutofit fontScale="90000"/>
+          </a:bodyPr>
+          <a:lstStyle/>
+          <a:p>
+            <a:r>
+              <a:rPr lang="en-US" altLang="ko-KR" smtClean="0"/>
+              <a:t>Tyrosine kinase inhibitor</a:t>
+            </a:r>
+            <a:br>
+              <a:rPr lang="en-US" altLang="ko-KR" smtClean="0"/>
+            </a:br>
+            <a:r>
+              <a:rPr lang="en-US" altLang="ko-KR" smtClean="0"/>
+              <a:t>Evobrutinib</a:t>
             </a:r>
             <a:endParaRPr lang="ko-KR" altLang="en-US"/>
           </a:p>
@@ -4642,6 +6763,27 @@
           <a:bodyPr/>
           <a:lstStyle/>
           <a:p>
+            <a:r>
+              <a:rPr lang="en-US" altLang="ko-KR" smtClean="0"/>
+              <a:t>tyrosine kinase: regulate basic cellular process, mediate T and B cell receptor signalling, activation of other immune cells.  </a:t>
+            </a:r>
+          </a:p>
+          <a:p>
+            <a:r>
+              <a:rPr lang="en-US" altLang="ko-KR" smtClean="0"/>
+              <a:t>RMS phase 2 randomised, double-blind, placebo-controlled trial: GE lesion</a:t>
+            </a:r>
+            <a:r>
+              <a:rPr lang="en-US" altLang="ko-KR" smtClean="0">
+                <a:latin typeface="맑은 고딕" panose="020B0503020000020004" pitchFamily="50" charset="-127"/>
+                <a:ea typeface="맑은 고딕" panose="020B0503020000020004" pitchFamily="50" charset="-127"/>
+              </a:rPr>
+              <a:t>↓.</a:t>
+            </a:r>
+            <a:r>
+              <a:rPr lang="en-US" altLang="ko-KR" smtClean="0"/>
+              <a:t> </a:t>
+            </a:r>
             <a:endParaRPr lang="ko-KR" altLang="en-US"/>
           </a:p>
         </p:txBody>
@@ -4649,7 +6791,7 @@
     </p:spTree>
     <p:extLst>
       <p:ext uri="{BB962C8B-B14F-4D97-AF65-F5344CB8AC3E}">
-        <p14:creationId xmlns:p14="http://schemas.microsoft.com/office/powerpoint/2010/main" val="1276758553"/>
+        <p14:creationId xmlns:p14="http://schemas.microsoft.com/office/powerpoint/2010/main" val="4182344960"/>
       </p:ext>
     </p:extLst>
   </p:cSld>
@@ -4691,6 +6833,10 @@
           <a:bodyPr/>
           <a:lstStyle/>
           <a:p>
+            <a:r>
+              <a:rPr lang="en-US" altLang="ko-KR" smtClean="0"/>
+              <a:t>Laquinimod</a:t>
+            </a:r>
             <a:endParaRPr lang="ko-KR" altLang="en-US"/>
           </a:p>
         </p:txBody>
@@ -4710,6 +6856,28 @@
           <a:bodyPr/>
           <a:lstStyle/>
           <a:p>
+            <a:r>
+              <a:rPr lang="en-US" altLang="ko-KR" smtClean="0"/>
+              <a:t>RMS phase 3 trial (ALLEGRO, BRAVO): conflicting result</a:t>
+            </a:r>
+          </a:p>
+          <a:p>
+            <a:r>
+              <a:rPr lang="en-US" altLang="ko-KR" smtClean="0"/>
+              <a:t>other phase 3 trial (CONCERTO): reduction of 3-month disability progression (-)</a:t>
+            </a:r>
+          </a:p>
+          <a:p>
+            <a:r>
+              <a:rPr lang="en-US" altLang="ko-KR" smtClean="0"/>
+              <a:t>PPMS phase 2 trial (ARPEGGIO, NCT02284568): reduced brain volume loss not met. </a:t>
+            </a:r>
+          </a:p>
+          <a:p>
+            <a:r>
+              <a:rPr lang="en-US" altLang="ko-KR" smtClean="0"/>
+              <a:t>will probably not continue</a:t>
+            </a:r>
             <a:endParaRPr lang="ko-KR" altLang="en-US"/>
           </a:p>
         </p:txBody>
@@ -4717,7 +6885,7 @@
     </p:spTree>
     <p:extLst>
       <p:ext uri="{BB962C8B-B14F-4D97-AF65-F5344CB8AC3E}">
-        <p14:creationId xmlns:p14="http://schemas.microsoft.com/office/powerpoint/2010/main" val="2260917067"/>
+        <p14:creationId xmlns:p14="http://schemas.microsoft.com/office/powerpoint/2010/main" val="1276758553"/>
       </p:ext>
     </p:extLst>
   </p:cSld>
@@ -4759,6 +6927,10 @@
           <a:bodyPr/>
           <a:lstStyle/>
           <a:p>
+            <a:r>
+              <a:rPr lang="en-US" altLang="ko-KR" smtClean="0"/>
+              <a:t>Conclusion </a:t>
+            </a:r>
             <a:endParaRPr lang="ko-KR" altLang="en-US"/>
           </a:p>
         </p:txBody>
@@ -4777,6 +6949,24 @@
         <p:txBody>
           <a:bodyPr/>
           <a:lstStyle/>
+          <a:p>
+            <a:r>
+              <a:rPr lang="en-US" altLang="ko-KR" smtClean="0"/>
+              <a:t>siponimod, ozanimod: could used as first line treatment.</a:t>
+            </a:r>
+          </a:p>
+          <a:p>
+            <a:r>
+              <a:rPr lang="en-US" altLang="ko-KR" smtClean="0"/>
+              <a:t>BTK(Bruton's tyrosine kinase) inhibitor: might lead to combination therapy.</a:t>
+            </a:r>
+          </a:p>
+          <a:p>
+            <a:r>
+              <a:rPr lang="en-US" altLang="ko-KR" smtClean="0"/>
+              <a:t>currently recruiting DELIVER-MS trial: high efficacy vs. escalating approach</a:t>
+            </a:r>
+          </a:p>
           <a:p>
             <a:endParaRPr lang="ko-KR" altLang="en-US"/>
           </a:p>
@@ -4785,7 +6975,7 @@
     </p:spTree>
     <p:extLst>
       <p:ext uri="{BB962C8B-B14F-4D97-AF65-F5344CB8AC3E}">
-        <p14:creationId xmlns:p14="http://schemas.microsoft.com/office/powerpoint/2010/main" val="286599968"/>
+        <p14:creationId xmlns:p14="http://schemas.microsoft.com/office/powerpoint/2010/main" val="2260917067"/>
       </p:ext>
     </p:extLst>
   </p:cSld>
@@ -4853,7 +7043,7 @@
     </p:spTree>
     <p:extLst>
       <p:ext uri="{BB962C8B-B14F-4D97-AF65-F5344CB8AC3E}">
-        <p14:creationId xmlns:p14="http://schemas.microsoft.com/office/powerpoint/2010/main" val="2830988331"/>
+        <p14:creationId xmlns:p14="http://schemas.microsoft.com/office/powerpoint/2010/main" val="286599968"/>
       </p:ext>
     </p:extLst>
   </p:cSld>
@@ -4921,6 +7111,74 @@
     </p:spTree>
     <p:extLst>
       <p:ext uri="{BB962C8B-B14F-4D97-AF65-F5344CB8AC3E}">
+        <p14:creationId xmlns:p14="http://schemas.microsoft.com/office/powerpoint/2010/main" val="2830988331"/>
+      </p:ext>
+    </p:extLst>
+  </p:cSld>
+  <p:clrMapOvr>
+    <a:masterClrMapping/>
+  </p:clrMapOvr>
+</p:sld>
+</file>
+
+<file path=ppt/slides/slide16.xml><?xml version="1.0" encoding="utf-8"?>
+<p:sld xmlns:a="http://schemas.openxmlformats.org/drawingml/2006/main" xmlns:r="http://schemas.openxmlformats.org/officeDocument/2006/relationships" xmlns:p="http://schemas.openxmlformats.org/presentationml/2006/main">
+  <p:cSld>
+    <p:spTree>
+      <p:nvGrpSpPr>
+        <p:cNvPr id="1" name=""/>
+        <p:cNvGrpSpPr/>
+        <p:nvPr/>
+      </p:nvGrpSpPr>
+      <p:grpSpPr>
+        <a:xfrm>
+          <a:off x="0" y="0"/>
+          <a:ext cx="0" cy="0"/>
+          <a:chOff x="0" y="0"/>
+          <a:chExt cx="0" cy="0"/>
+        </a:xfrm>
+      </p:grpSpPr>
+      <p:sp>
+        <p:nvSpPr>
+          <p:cNvPr id="2" name="제목 1"/>
+          <p:cNvSpPr>
+            <a:spLocks noGrp="1"/>
+          </p:cNvSpPr>
+          <p:nvPr>
+            <p:ph type="title"/>
+          </p:nvPr>
+        </p:nvSpPr>
+        <p:spPr/>
+        <p:txBody>
+          <a:bodyPr/>
+          <a:lstStyle/>
+          <a:p>
+            <a:endParaRPr lang="ko-KR" altLang="en-US"/>
+          </a:p>
+        </p:txBody>
+      </p:sp>
+      <p:sp>
+        <p:nvSpPr>
+          <p:cNvPr id="3" name="내용 개체 틀 2"/>
+          <p:cNvSpPr>
+            <a:spLocks noGrp="1"/>
+          </p:cNvSpPr>
+          <p:nvPr>
+            <p:ph idx="1"/>
+          </p:nvPr>
+        </p:nvSpPr>
+        <p:spPr/>
+        <p:txBody>
+          <a:bodyPr/>
+          <a:lstStyle/>
+          <a:p>
+            <a:endParaRPr lang="ko-KR" altLang="en-US"/>
+          </a:p>
+        </p:txBody>
+      </p:sp>
+    </p:spTree>
+    <p:extLst>
+      <p:ext uri="{BB962C8B-B14F-4D97-AF65-F5344CB8AC3E}">
         <p14:creationId xmlns:p14="http://schemas.microsoft.com/office/powerpoint/2010/main" val="884678168"/>
       </p:ext>
     </p:extLst>
@@ -4931,7 +7189,7 @@
 </p:sld>
 </file>
 
-<file path=ppt/slides/slide16.xml><?xml version="1.0" encoding="utf-8"?>
+<file path=ppt/slides/slide17.xml><?xml version="1.0" encoding="utf-8"?>
 <p:sld xmlns:a="http://schemas.openxmlformats.org/drawingml/2006/main" xmlns:r="http://schemas.openxmlformats.org/officeDocument/2006/relationships" xmlns:p="http://schemas.openxmlformats.org/presentationml/2006/main">
   <p:cSld>
     <p:spTree>
@@ -5023,7 +7281,7 @@
 </p:sld>
 </file>
 
-<file path=ppt/slides/slide17.xml><?xml version="1.0" encoding="utf-8"?>
+<file path=ppt/slides/slide18.xml><?xml version="1.0" encoding="utf-8"?>
 <p:sld xmlns:a="http://schemas.openxmlformats.org/drawingml/2006/main" xmlns:r="http://schemas.openxmlformats.org/officeDocument/2006/relationships" xmlns:p="http://schemas.openxmlformats.org/presentationml/2006/main">
   <p:cSld>
     <p:spTree>
@@ -5115,7 +7373,7 @@
 </p:sld>
 </file>
 
-<file path=ppt/slides/slide18.xml><?xml version="1.0" encoding="utf-8"?>
+<file path=ppt/slides/slide19.xml><?xml version="1.0" encoding="utf-8"?>
 <p:sld xmlns:a="http://schemas.openxmlformats.org/drawingml/2006/main" xmlns:r="http://schemas.openxmlformats.org/officeDocument/2006/relationships" xmlns:p="http://schemas.openxmlformats.org/presentationml/2006/main">
   <p:cSld>
     <p:spTree>
@@ -5207,7 +7465,163 @@
 </p:sld>
 </file>
 
-<file path=ppt/slides/slide19.xml><?xml version="1.0" encoding="utf-8"?>
+<file path=ppt/slides/slide2.xml><?xml version="1.0" encoding="utf-8"?>
+<p:sld xmlns:a="http://schemas.openxmlformats.org/drawingml/2006/main" xmlns:r="http://schemas.openxmlformats.org/officeDocument/2006/relationships" xmlns:p="http://schemas.openxmlformats.org/presentationml/2006/main">
+  <p:cSld>
+    <p:spTree>
+      <p:nvGrpSpPr>
+        <p:cNvPr id="1" name=""/>
+        <p:cNvGrpSpPr/>
+        <p:nvPr/>
+      </p:nvGrpSpPr>
+      <p:grpSpPr>
+        <a:xfrm>
+          <a:off x="0" y="0"/>
+          <a:ext cx="0" cy="0"/>
+          <a:chOff x="0" y="0"/>
+          <a:chExt cx="0" cy="0"/>
+        </a:xfrm>
+      </p:grpSpPr>
+      <p:sp>
+        <p:nvSpPr>
+          <p:cNvPr id="2" name="제목 1"/>
+          <p:cNvSpPr>
+            <a:spLocks noGrp="1"/>
+          </p:cNvSpPr>
+          <p:nvPr>
+            <p:ph type="title"/>
+          </p:nvPr>
+        </p:nvSpPr>
+        <p:spPr>
+          <a:xfrm>
+            <a:off x="0" y="0"/>
+            <a:ext cx="12192000" cy="1016000"/>
+          </a:xfrm>
+        </p:spPr>
+        <p:txBody>
+          <a:bodyPr/>
+          <a:lstStyle/>
+          <a:p>
+            <a:r>
+              <a:rPr lang="en-US" altLang="ko-KR" dirty="0" smtClean="0"/>
+              <a:t>Contents</a:t>
+            </a:r>
+            <a:endParaRPr lang="ko-KR" altLang="en-US" dirty="0"/>
+          </a:p>
+        </p:txBody>
+      </p:sp>
+      <p:sp>
+        <p:nvSpPr>
+          <p:cNvPr id="3" name="내용 개체 틀 2"/>
+          <p:cNvSpPr>
+            <a:spLocks noGrp="1"/>
+          </p:cNvSpPr>
+          <p:nvPr>
+            <p:ph idx="1"/>
+          </p:nvPr>
+        </p:nvSpPr>
+        <p:spPr/>
+        <p:txBody>
+          <a:bodyPr>
+            <a:normAutofit/>
+          </a:bodyPr>
+          <a:lstStyle/>
+          <a:p>
+            <a:r>
+              <a:rPr lang="en-US" altLang="ko-KR" smtClean="0"/>
+              <a:t>selective sphingosine 1-phosphate (S1P) modulator</a:t>
+            </a:r>
+          </a:p>
+          <a:p>
+            <a:pPr lvl="1"/>
+            <a:r>
+              <a:rPr lang="en-US" altLang="ko-KR" smtClean="0"/>
+              <a:t>siponimod</a:t>
+            </a:r>
+          </a:p>
+          <a:p>
+            <a:pPr lvl="1"/>
+            <a:r>
+              <a:rPr lang="en-US" altLang="ko-KR" smtClean="0"/>
+              <a:t>ozanimod</a:t>
+            </a:r>
+          </a:p>
+          <a:p>
+            <a:pPr lvl="1"/>
+            <a:r>
+              <a:rPr lang="en-US" altLang="ko-KR" smtClean="0"/>
+              <a:t>ponesimod</a:t>
+            </a:r>
+          </a:p>
+          <a:p>
+            <a:pPr lvl="1"/>
+            <a:r>
+              <a:rPr lang="en-US" altLang="ko-KR" smtClean="0"/>
+              <a:t>amiselimod</a:t>
+            </a:r>
+          </a:p>
+          <a:p>
+            <a:pPr lvl="1"/>
+            <a:r>
+              <a:rPr lang="en-US" altLang="ko-KR" smtClean="0"/>
+              <a:t>ceralifimod, CS-0777</a:t>
+            </a:r>
+          </a:p>
+          <a:p>
+            <a:r>
+              <a:rPr lang="en-US" altLang="ko-KR" smtClean="0"/>
+              <a:t>Monomethyl fumarate</a:t>
+            </a:r>
+          </a:p>
+          <a:p>
+            <a:r>
+              <a:rPr lang="en-US" altLang="ko-KR" smtClean="0"/>
+              <a:t>Mionocycline</a:t>
+            </a:r>
+          </a:p>
+          <a:p>
+            <a:r>
+              <a:rPr lang="en-US" altLang="ko-KR" smtClean="0"/>
+              <a:t>Tyrosine kinase inhibitor (Bruton's tyrosine kinase inhibitors)</a:t>
+            </a:r>
+          </a:p>
+          <a:p>
+            <a:pPr lvl="1"/>
+            <a:r>
+              <a:rPr lang="en-US" altLang="ko-KR" smtClean="0"/>
+              <a:t>Evobrutinib</a:t>
+            </a:r>
+          </a:p>
+          <a:p>
+            <a:r>
+              <a:rPr lang="en-US" altLang="ko-KR" smtClean="0"/>
+              <a:t>Laquinimod </a:t>
+            </a:r>
+            <a:endParaRPr lang="ko-KR" altLang="en-US" dirty="0"/>
+          </a:p>
+        </p:txBody>
+      </p:sp>
+    </p:spTree>
+    <p:extLst>
+      <p:ext uri="{BB962C8B-B14F-4D97-AF65-F5344CB8AC3E}">
+        <p14:creationId xmlns:p14="http://schemas.microsoft.com/office/powerpoint/2010/main" val="942372626"/>
+      </p:ext>
+    </p:extLst>
+  </p:cSld>
+  <p:clrMapOvr>
+    <a:masterClrMapping/>
+  </p:clrMapOvr>
+  <p:timing>
+    <p:tnLst>
+      <p:par>
+        <p:cTn id="1" dur="indefinite" restart="never" nodeType="tmRoot"/>
+      </p:par>
+    </p:tnLst>
+  </p:timing>
+</p:sld>
+</file>
+
+<file path=ppt/slides/slide20.xml><?xml version="1.0" encoding="utf-8"?>
 <p:sld xmlns:a="http://schemas.openxmlformats.org/drawingml/2006/main" xmlns:r="http://schemas.openxmlformats.org/officeDocument/2006/relationships" xmlns:p="http://schemas.openxmlformats.org/presentationml/2006/main">
   <p:cSld>
     <p:spTree>
@@ -5299,163 +7713,7 @@
 </p:sld>
 </file>
 
-<file path=ppt/slides/slide2.xml><?xml version="1.0" encoding="utf-8"?>
-<p:sld xmlns:a="http://schemas.openxmlformats.org/drawingml/2006/main" xmlns:r="http://schemas.openxmlformats.org/officeDocument/2006/relationships" xmlns:p="http://schemas.openxmlformats.org/presentationml/2006/main">
-  <p:cSld>
-    <p:spTree>
-      <p:nvGrpSpPr>
-        <p:cNvPr id="1" name=""/>
-        <p:cNvGrpSpPr/>
-        <p:nvPr/>
-      </p:nvGrpSpPr>
-      <p:grpSpPr>
-        <a:xfrm>
-          <a:off x="0" y="0"/>
-          <a:ext cx="0" cy="0"/>
-          <a:chOff x="0" y="0"/>
-          <a:chExt cx="0" cy="0"/>
-        </a:xfrm>
-      </p:grpSpPr>
-      <p:sp>
-        <p:nvSpPr>
-          <p:cNvPr id="2" name="제목 1"/>
-          <p:cNvSpPr>
-            <a:spLocks noGrp="1"/>
-          </p:cNvSpPr>
-          <p:nvPr>
-            <p:ph type="title"/>
-          </p:nvPr>
-        </p:nvSpPr>
-        <p:spPr>
-          <a:xfrm>
-            <a:off x="0" y="0"/>
-            <a:ext cx="12192000" cy="1016000"/>
-          </a:xfrm>
-        </p:spPr>
-        <p:txBody>
-          <a:bodyPr/>
-          <a:lstStyle/>
-          <a:p>
-            <a:r>
-              <a:rPr lang="en-US" altLang="ko-KR" dirty="0" smtClean="0"/>
-              <a:t>Contents</a:t>
-            </a:r>
-            <a:endParaRPr lang="ko-KR" altLang="en-US" dirty="0"/>
-          </a:p>
-        </p:txBody>
-      </p:sp>
-      <p:sp>
-        <p:nvSpPr>
-          <p:cNvPr id="3" name="내용 개체 틀 2"/>
-          <p:cNvSpPr>
-            <a:spLocks noGrp="1"/>
-          </p:cNvSpPr>
-          <p:nvPr>
-            <p:ph idx="1"/>
-          </p:nvPr>
-        </p:nvSpPr>
-        <p:spPr/>
-        <p:txBody>
-          <a:bodyPr>
-            <a:normAutofit/>
-          </a:bodyPr>
-          <a:lstStyle/>
-          <a:p>
-            <a:r>
-              <a:rPr lang="en-US" altLang="ko-KR" smtClean="0"/>
-              <a:t>selective sphingosine 1-phosphate (S1P) modulator</a:t>
-            </a:r>
-          </a:p>
-          <a:p>
-            <a:pPr lvl="1"/>
-            <a:r>
-              <a:rPr lang="en-US" altLang="ko-KR" smtClean="0"/>
-              <a:t>siponimod</a:t>
-            </a:r>
-          </a:p>
-          <a:p>
-            <a:pPr lvl="1"/>
-            <a:r>
-              <a:rPr lang="en-US" altLang="ko-KR" smtClean="0"/>
-              <a:t>ozanimod</a:t>
-            </a:r>
-          </a:p>
-          <a:p>
-            <a:pPr lvl="1"/>
-            <a:r>
-              <a:rPr lang="en-US" altLang="ko-KR" smtClean="0"/>
-              <a:t>ponesimod</a:t>
-            </a:r>
-          </a:p>
-          <a:p>
-            <a:pPr lvl="1"/>
-            <a:r>
-              <a:rPr lang="en-US" altLang="ko-KR" smtClean="0"/>
-              <a:t>amiselimod</a:t>
-            </a:r>
-          </a:p>
-          <a:p>
-            <a:pPr lvl="1"/>
-            <a:r>
-              <a:rPr lang="en-US" altLang="ko-KR" smtClean="0"/>
-              <a:t>ceralifimod, CS-0777</a:t>
-            </a:r>
-          </a:p>
-          <a:p>
-            <a:r>
-              <a:rPr lang="en-US" altLang="ko-KR" smtClean="0"/>
-              <a:t>Monomethyl fumarate</a:t>
-            </a:r>
-          </a:p>
-          <a:p>
-            <a:r>
-              <a:rPr lang="en-US" altLang="ko-KR" smtClean="0"/>
-              <a:t>Mionocycline</a:t>
-            </a:r>
-          </a:p>
-          <a:p>
-            <a:r>
-              <a:rPr lang="en-US" altLang="ko-KR" smtClean="0"/>
-              <a:t>Tyrosine kinase inhibitor (Bruton's tyrosine kinase inhibitors)</a:t>
-            </a:r>
-          </a:p>
-          <a:p>
-            <a:pPr lvl="1"/>
-            <a:r>
-              <a:rPr lang="en-US" altLang="ko-KR" smtClean="0"/>
-              <a:t>Evobrutinib</a:t>
-            </a:r>
-          </a:p>
-          <a:p>
-            <a:r>
-              <a:rPr lang="en-US" altLang="ko-KR" smtClean="0"/>
-              <a:t>Laquinimod </a:t>
-            </a:r>
-            <a:endParaRPr lang="ko-KR" altLang="en-US" dirty="0"/>
-          </a:p>
-        </p:txBody>
-      </p:sp>
-    </p:spTree>
-    <p:extLst>
-      <p:ext uri="{BB962C8B-B14F-4D97-AF65-F5344CB8AC3E}">
-        <p14:creationId xmlns:p14="http://schemas.microsoft.com/office/powerpoint/2010/main" val="942372626"/>
-      </p:ext>
-    </p:extLst>
-  </p:cSld>
-  <p:clrMapOvr>
-    <a:masterClrMapping/>
-  </p:clrMapOvr>
-  <p:timing>
-    <p:tnLst>
-      <p:par>
-        <p:cTn id="1" dur="indefinite" restart="never" nodeType="tmRoot"/>
-      </p:par>
-    </p:tnLst>
-  </p:timing>
-</p:sld>
-</file>
-
-<file path=ppt/slides/slide20.xml><?xml version="1.0" encoding="utf-8"?>
+<file path=ppt/slides/slide21.xml><?xml version="1.0" encoding="utf-8"?>
 <p:sld xmlns:a="http://schemas.openxmlformats.org/drawingml/2006/main" xmlns:r="http://schemas.openxmlformats.org/officeDocument/2006/relationships" xmlns:p="http://schemas.openxmlformats.org/presentationml/2006/main">
   <p:cSld>
     <p:spTree>
@@ -5547,7 +7805,7 @@
 </p:sld>
 </file>
 
-<file path=ppt/slides/slide21.xml><?xml version="1.0" encoding="utf-8"?>
+<file path=ppt/slides/slide22.xml><?xml version="1.0" encoding="utf-8"?>
 <p:sld xmlns:a="http://schemas.openxmlformats.org/drawingml/2006/main" xmlns:r="http://schemas.openxmlformats.org/officeDocument/2006/relationships" xmlns:p="http://schemas.openxmlformats.org/presentationml/2006/main">
   <p:cSld>
     <p:spTree>
@@ -5639,7 +7897,7 @@
 </p:sld>
 </file>
 
-<file path=ppt/slides/slide22.xml><?xml version="1.0" encoding="utf-8"?>
+<file path=ppt/slides/slide23.xml><?xml version="1.0" encoding="utf-8"?>
 <p:sld xmlns:a="http://schemas.openxmlformats.org/drawingml/2006/main" xmlns:r="http://schemas.openxmlformats.org/officeDocument/2006/relationships" xmlns:p="http://schemas.openxmlformats.org/presentationml/2006/main">
   <p:cSld>
     <p:spTree>
@@ -5770,7 +8028,7 @@
 </p:sld>
 </file>
 
-<file path=ppt/slides/slide23.xml><?xml version="1.0" encoding="utf-8"?>
+<file path=ppt/slides/slide24.xml><?xml version="1.0" encoding="utf-8"?>
 <p:sld xmlns:a="http://schemas.openxmlformats.org/drawingml/2006/main" xmlns:r="http://schemas.openxmlformats.org/officeDocument/2006/relationships" xmlns:p="http://schemas.openxmlformats.org/presentationml/2006/main">
   <p:cSld>
     <p:spTree>
@@ -5862,7 +8120,7 @@
 </p:sld>
 </file>
 
-<file path=ppt/slides/slide24.xml><?xml version="1.0" encoding="utf-8"?>
+<file path=ppt/slides/slide25.xml><?xml version="1.0" encoding="utf-8"?>
 <p:sld xmlns:a="http://schemas.openxmlformats.org/drawingml/2006/main" xmlns:r="http://schemas.openxmlformats.org/officeDocument/2006/relationships" xmlns:p="http://schemas.openxmlformats.org/presentationml/2006/main">
   <p:cSld>
     <p:spTree>
@@ -5993,7 +8251,7 @@
 </p:sld>
 </file>
 
-<file path=ppt/slides/slide25.xml><?xml version="1.0" encoding="utf-8"?>
+<file path=ppt/slides/slide26.xml><?xml version="1.0" encoding="utf-8"?>
 <p:sld xmlns:a="http://schemas.openxmlformats.org/drawingml/2006/main" xmlns:r="http://schemas.openxmlformats.org/officeDocument/2006/relationships" xmlns:p="http://schemas.openxmlformats.org/presentationml/2006/main">
   <p:cSld>
     <p:spTree>
@@ -6124,7 +8382,7 @@
 </p:sld>
 </file>
 
-<file path=ppt/slides/slide26.xml><?xml version="1.0" encoding="utf-8"?>
+<file path=ppt/slides/slide27.xml><?xml version="1.0" encoding="utf-8"?>
 <p:sld xmlns:a="http://schemas.openxmlformats.org/drawingml/2006/main" xmlns:r="http://schemas.openxmlformats.org/officeDocument/2006/relationships" xmlns:p="http://schemas.openxmlformats.org/presentationml/2006/main">
   <p:cSld>
     <p:spTree>
@@ -6192,7 +8450,7 @@
 </p:sld>
 </file>
 
-<file path=ppt/slides/slide27.xml><?xml version="1.0" encoding="utf-8"?>
+<file path=ppt/slides/slide28.xml><?xml version="1.0" encoding="utf-8"?>
 <p:sld xmlns:a="http://schemas.openxmlformats.org/drawingml/2006/main" xmlns:r="http://schemas.openxmlformats.org/officeDocument/2006/relationships" xmlns:p="http://schemas.openxmlformats.org/presentationml/2006/main">
   <p:cSld>
     <p:spTree>
@@ -7047,6 +9305,94 @@
             </a:r>
           </a:p>
           <a:p>
+            <a:r>
+              <a:rPr lang="en-US" altLang="ko-KR" smtClean="0"/>
+              <a:t>minor HR rate change at 1st dose. AV block more than 2nd degree (-)</a:t>
+            </a:r>
+          </a:p>
+          <a:p>
+            <a:r>
+              <a:rPr lang="en-US" altLang="ko-KR" smtClean="0"/>
+              <a:t>lymphocyte change: 50%</a:t>
+            </a:r>
+            <a:r>
+              <a:rPr lang="en-US" altLang="ko-KR" smtClean="0">
+                <a:latin typeface="맑은 고딕" panose="020B0503020000020004" pitchFamily="50" charset="-127"/>
+                <a:ea typeface="맑은 고딕" panose="020B0503020000020004" pitchFamily="50" charset="-127"/>
+              </a:rPr>
+              <a:t>↓</a:t>
+            </a:r>
+            <a:r>
+              <a:rPr lang="en-US" altLang="ko-KR" smtClean="0"/>
+              <a:t>with 0.5mg, 59%</a:t>
+            </a:r>
+            <a:r>
+              <a:rPr lang="en-US" altLang="ko-KR" smtClean="0">
+                <a:latin typeface="맑은 고딕" panose="020B0503020000020004" pitchFamily="50" charset="-127"/>
+                <a:ea typeface="맑은 고딕" panose="020B0503020000020004" pitchFamily="50" charset="-127"/>
+              </a:rPr>
+              <a:t>↓</a:t>
+            </a:r>
+            <a:r>
+              <a:rPr lang="en-US" altLang="ko-KR" smtClean="0"/>
+              <a:t>with 1mg</a:t>
+            </a:r>
+          </a:p>
+          <a:p>
+            <a:r>
+              <a:rPr lang="en-US" altLang="ko-KR" smtClean="0"/>
+              <a:t>ARR</a:t>
+            </a:r>
+            <a:r>
+              <a:rPr lang="en-US" altLang="ko-KR" smtClean="0">
+                <a:latin typeface="맑은 고딕" panose="020B0503020000020004" pitchFamily="50" charset="-127"/>
+                <a:ea typeface="맑은 고딕" panose="020B0503020000020004" pitchFamily="50" charset="-127"/>
+              </a:rPr>
+              <a:t>↓</a:t>
+            </a:r>
+            <a:r>
+              <a:rPr lang="en-US" altLang="ko-KR" smtClean="0"/>
+              <a:t>, GE enhancing lesion</a:t>
+            </a:r>
+            <a:r>
+              <a:rPr lang="en-US" altLang="ko-KR" smtClean="0">
+                <a:latin typeface="맑은 고딕" panose="020B0503020000020004" pitchFamily="50" charset="-127"/>
+                <a:ea typeface="맑은 고딕" panose="020B0503020000020004" pitchFamily="50" charset="-127"/>
+              </a:rPr>
+              <a:t>↓</a:t>
+            </a:r>
+            <a:r>
+              <a:rPr lang="en-US" altLang="ko-KR" smtClean="0"/>
+              <a:t>, T2 lesion</a:t>
+            </a:r>
+            <a:r>
+              <a:rPr lang="en-US" altLang="ko-KR" smtClean="0">
+                <a:latin typeface="맑은 고딕" panose="020B0503020000020004" pitchFamily="50" charset="-127"/>
+                <a:ea typeface="맑은 고딕" panose="020B0503020000020004" pitchFamily="50" charset="-127"/>
+              </a:rPr>
+              <a:t>↓</a:t>
+            </a:r>
+            <a:r>
+              <a:rPr lang="en-US" altLang="ko-KR" smtClean="0"/>
+              <a:t>, brain volume loss rate</a:t>
+            </a:r>
+            <a:r>
+              <a:rPr lang="en-US" altLang="ko-KR" smtClean="0">
+                <a:latin typeface="맑은 고딕" panose="020B0503020000020004" pitchFamily="50" charset="-127"/>
+                <a:ea typeface="맑은 고딕" panose="020B0503020000020004" pitchFamily="50" charset="-127"/>
+              </a:rPr>
+              <a:t>↓</a:t>
+            </a:r>
+            <a:r>
+              <a:rPr lang="en-US" altLang="ko-KR" smtClean="0"/>
+              <a:t>compared with weekly betaferon therapy.  </a:t>
+            </a:r>
+          </a:p>
+          <a:p>
+            <a:r>
+              <a:rPr lang="en-US" altLang="ko-KR" smtClean="0"/>
+              <a:t>FDA approved for RMS at March 25, 2020. </a:t>
+            </a:r>
             <a:endParaRPr lang="ko-KR" altLang="en-US"/>
           </a:p>
         </p:txBody>
@@ -7128,6 +9474,63 @@
           <a:bodyPr/>
           <a:lstStyle/>
           <a:p>
+            <a:r>
+              <a:rPr lang="en-US" altLang="ko-KR" smtClean="0"/>
+              <a:t>high affinity for S1PR1</a:t>
+            </a:r>
+          </a:p>
+          <a:p>
+            <a:r>
+              <a:rPr lang="en-US" altLang="ko-KR" smtClean="0"/>
+              <a:t>half-life: 32 hours</a:t>
+            </a:r>
+          </a:p>
+          <a:p>
+            <a:r>
+              <a:rPr lang="en-US" altLang="ko-KR" smtClean="0"/>
+              <a:t>GE enhancing lesion</a:t>
+            </a:r>
+            <a:r>
+              <a:rPr lang="en-US" altLang="ko-KR" smtClean="0">
+                <a:latin typeface="맑은 고딕" panose="020B0503020000020004" pitchFamily="50" charset="-127"/>
+                <a:ea typeface="맑은 고딕" panose="020B0503020000020004" pitchFamily="50" charset="-127"/>
+              </a:rPr>
+              <a:t>↓</a:t>
+            </a:r>
+            <a:r>
+              <a:rPr lang="en-US" altLang="ko-KR" smtClean="0"/>
+              <a:t> with RMS.</a:t>
+            </a:r>
+          </a:p>
+          <a:p>
+            <a:r>
+              <a:rPr lang="en-US" altLang="ko-KR" smtClean="0"/>
+              <a:t>2% of participants: transient bradycardia, AV block </a:t>
+            </a:r>
+          </a:p>
+          <a:p>
+            <a:r>
+              <a:rPr lang="en-US" altLang="ko-KR" smtClean="0"/>
+              <a:t>dyspnea or respiratory AE in a dose-dependent manner.</a:t>
+            </a:r>
+          </a:p>
+          <a:p>
+            <a:r>
+              <a:rPr lang="en-US" altLang="ko-KR" smtClean="0"/>
+              <a:t>ongoing phase 3 trial compared with teriflunomide/ combination therapy vs. monotherapy with dimethyl fumarate  </a:t>
+            </a:r>
+          </a:p>
+          <a:p>
+            <a:r>
+              <a:rPr lang="en-US" altLang="ko-KR" smtClean="0">
+                <a:solidFill>
+                  <a:srgbClr val="FFFF00"/>
+                </a:solidFill>
+              </a:rPr>
+              <a:t>1st drug to be tested in combination with anouther oral compound </a:t>
+            </a:r>
+          </a:p>
+          <a:p>
             <a:endParaRPr lang="ko-KR" altLang="en-US"/>
           </a:p>
         </p:txBody>
@@ -7209,7 +9612,43 @@
           <a:bodyPr/>
           <a:lstStyle/>
           <a:p>
-            <a:endParaRPr lang="ko-KR" altLang="en-US"/>
+            <a:r>
+              <a:rPr lang="en-US" altLang="ko-KR" smtClean="0"/>
+              <a:t>binds to S1PR1, low affinity to S1PR2-5</a:t>
+            </a:r>
+          </a:p>
+          <a:p>
+            <a:r>
+              <a:rPr lang="en-US" altLang="ko-KR" smtClean="0"/>
+              <a:t>half-life: 17 days</a:t>
+            </a:r>
+          </a:p>
+          <a:p>
+            <a:r>
+              <a:rPr lang="en-US" altLang="ko-KR" smtClean="0"/>
+              <a:t>0.2mg, 0.4mg reached the primary endpoint</a:t>
+            </a:r>
+          </a:p>
+          <a:p>
+            <a:r>
+              <a:rPr lang="en-US" altLang="ko-KR" smtClean="0"/>
+              <a:t>dose dependent effect sustained at 96 weeks. </a:t>
+            </a:r>
+          </a:p>
+          <a:p>
+            <a:r>
+              <a:rPr lang="en-US" altLang="ko-KR" smtClean="0">
+                <a:solidFill>
+                  <a:srgbClr val="FFFF00"/>
+                </a:solidFill>
+              </a:rPr>
+              <a:t>cardiac AE (-)</a:t>
+            </a:r>
+            <a:endParaRPr lang="ko-KR" altLang="en-US">
+              <a:solidFill>
+                <a:srgbClr val="FFFF00"/>
+              </a:solidFill>
+            </a:endParaRPr>
           </a:p>
         </p:txBody>
       </p:sp>
@@ -7269,7 +9708,7 @@
             </a:br>
             <a:r>
               <a:rPr lang="en-US" altLang="ko-KR" smtClean="0"/>
-              <a:t>Cerelifimod and CS-0777</a:t>
+              <a:t>Cerelifimod</a:t>
             </a:r>
             <a:endParaRPr lang="ko-KR" altLang="en-US"/>
           </a:p>
@@ -7289,6 +9728,24 @@
         <p:txBody>
           <a:bodyPr/>
           <a:lstStyle/>
+          <a:p>
+            <a:r>
+              <a:rPr lang="en-US" altLang="ko-KR" smtClean="0"/>
+              <a:t>selective S1PR1 and S1PR5 modulator</a:t>
+            </a:r>
+          </a:p>
+          <a:p>
+            <a:r>
+              <a:rPr lang="en-US" altLang="ko-KR" smtClean="0"/>
+              <a:t>half-life: 85 hours </a:t>
+            </a:r>
+          </a:p>
+          <a:p>
+            <a:r>
+              <a:rPr lang="en-US" altLang="ko-KR" smtClean="0"/>
+              <a:t>GE enhancing lesion decrease during 26 weeks by 77-92%.</a:t>
+            </a:r>
+          </a:p>
           <a:p>
             <a:endParaRPr lang="ko-KR" altLang="en-US"/>
           </a:p>
@@ -7336,12 +9793,21 @@
         </p:nvSpPr>
         <p:spPr/>
         <p:txBody>
-          <a:bodyPr/>
-          <a:lstStyle/>
-          <a:p>
-            <a:r>
-              <a:rPr lang="en-US" altLang="ko-KR" smtClean="0"/>
-              <a:t>Monomethy fumarate</a:t>
+          <a:bodyPr>
+            <a:normAutofit fontScale="90000"/>
+          </a:bodyPr>
+          <a:lstStyle/>
+          <a:p>
+            <a:r>
+              <a:rPr lang="en-US" altLang="ko-KR" smtClean="0"/>
+              <a:t>SIP modulator </a:t>
+            </a:r>
+            <a:br>
+              <a:rPr lang="en-US" altLang="ko-KR" smtClean="0"/>
+            </a:br>
+            <a:r>
+              <a:rPr lang="en-US" altLang="ko-KR" smtClean="0"/>
+              <a:t>CS-0777</a:t>
             </a:r>
             <a:endParaRPr lang="ko-KR" altLang="en-US"/>
           </a:p>
@@ -7362,6 +9828,45 @@
           <a:bodyPr/>
           <a:lstStyle/>
           <a:p>
+            <a:r>
+              <a:rPr lang="en-US" altLang="ko-KR" smtClean="0"/>
+              <a:t>improved selectivity of S1PR1&gt; S1PR3 compared with fingolimod. </a:t>
+            </a:r>
+          </a:p>
+          <a:p>
+            <a:r>
+              <a:rPr lang="en-US" altLang="ko-KR" smtClean="0"/>
+              <a:t>half-life: 8 days.</a:t>
+            </a:r>
+          </a:p>
+          <a:p>
+            <a:r>
+              <a:rPr lang="en-US" altLang="ko-KR" smtClean="0"/>
+              <a:t>active metabolite: higher than fingolimod. (20:1 vs. 1:1)</a:t>
+            </a:r>
+          </a:p>
+          <a:p>
+            <a:r>
+              <a:rPr lang="en-US" altLang="ko-KR" smtClean="0"/>
+              <a:t>blood lymphocyte</a:t>
+            </a:r>
+            <a:r>
+              <a:rPr lang="en-US" altLang="ko-KR" smtClean="0">
+                <a:latin typeface="맑은 고딕" panose="020B0503020000020004" pitchFamily="50" charset="-127"/>
+                <a:ea typeface="맑은 고딕" panose="020B0503020000020004" pitchFamily="50" charset="-127"/>
+              </a:rPr>
+              <a:t>↓ </a:t>
+            </a:r>
+            <a:r>
+              <a:rPr lang="en-US" altLang="ko-KR" smtClean="0"/>
+              <a:t>in a dose-dependent manner within 12 hours.</a:t>
+            </a:r>
+          </a:p>
+          <a:p>
+            <a:r>
+              <a:rPr lang="en-US" altLang="ko-KR" smtClean="0"/>
+              <a:t>optimal doseage, clinical efficacy: not defined.  </a:t>
+            </a:r>
             <a:endParaRPr lang="ko-KR" altLang="en-US"/>
           </a:p>
         </p:txBody>
@@ -7369,7 +9874,7 @@
     </p:spTree>
     <p:extLst>
       <p:ext uri="{BB962C8B-B14F-4D97-AF65-F5344CB8AC3E}">
-        <p14:creationId xmlns:p14="http://schemas.microsoft.com/office/powerpoint/2010/main" val="414252677"/>
+        <p14:creationId xmlns:p14="http://schemas.microsoft.com/office/powerpoint/2010/main" val="4216821522"/>
       </p:ext>
     </p:extLst>
   </p:cSld>
@@ -7413,7 +9918,7 @@
           <a:p>
             <a:r>
               <a:rPr lang="en-US" altLang="ko-KR" smtClean="0"/>
-              <a:t>Minocycline</a:t>
+              <a:t>Monomethyl fumarate</a:t>
             </a:r>
             <a:endParaRPr lang="ko-KR" altLang="en-US"/>
           </a:p>
@@ -7434,6 +9939,30 @@
           <a:bodyPr/>
           <a:lstStyle/>
           <a:p>
+            <a:r>
+              <a:rPr lang="en-US" altLang="ko-KR" smtClean="0"/>
+              <a:t>active metabolite of dimethyl fumarate</a:t>
+            </a:r>
+          </a:p>
+          <a:p>
+            <a:r>
+              <a:rPr lang="en-US" altLang="ko-KR" smtClean="0"/>
+              <a:t>diroximel fumarate: small molecule, developing aim of GI side effects</a:t>
+            </a:r>
+            <a:r>
+              <a:rPr lang="en-US" altLang="ko-KR" smtClean="0">
+                <a:latin typeface="맑은 고딕" panose="020B0503020000020004" pitchFamily="50" charset="-127"/>
+                <a:ea typeface="맑은 고딕" panose="020B0503020000020004" pitchFamily="50" charset="-127"/>
+              </a:rPr>
+              <a:t>↓</a:t>
+            </a:r>
+            <a:endParaRPr lang="en-US" altLang="ko-KR" smtClean="0"/>
+          </a:p>
+          <a:p>
+            <a:r>
+              <a:rPr lang="en-US" altLang="ko-KR" smtClean="0"/>
+              <a:t>2nd trial: head-to-head comparing GI tolerability with dimethyl fumarate</a:t>
+            </a:r>
             <a:endParaRPr lang="ko-KR" altLang="en-US"/>
           </a:p>
         </p:txBody>
@@ -7441,7 +9970,7 @@
     </p:spTree>
     <p:extLst>
       <p:ext uri="{BB962C8B-B14F-4D97-AF65-F5344CB8AC3E}">
-        <p14:creationId xmlns:p14="http://schemas.microsoft.com/office/powerpoint/2010/main" val="3018194402"/>
+        <p14:creationId xmlns:p14="http://schemas.microsoft.com/office/powerpoint/2010/main" val="414252677"/>
       </p:ext>
     </p:extLst>
   </p:cSld>
